--- a/CAT T3 Design.pptx
+++ b/CAT T3 Design.pptx
@@ -1,27 +1,28 @@
 
 <file path=ppt/presentation.xml><?xml version="1.0" encoding="utf-8"?>
-<p:presentation xmlns:a="http://schemas.openxmlformats.org/drawingml/2006/main" xmlns:r="http://schemas.openxmlformats.org/officeDocument/2006/relationships" xmlns:mc="http://schemas.openxmlformats.org/markup-compatibility/2006" xmlns:mv="urn:schemas-microsoft-com:mac:vml" xmlns:p="http://schemas.openxmlformats.org/presentationml/2006/main" xmlns:c="http://schemas.openxmlformats.org/drawingml/2006/chart" xmlns:dgm="http://schemas.openxmlformats.org/drawingml/2006/diagram" xmlns:o="urn:schemas-microsoft-com:office:office" xmlns:v="urn:schemas-microsoft-com:vml" xmlns:pvml="urn:schemas-microsoft-com:office:powerpoint" xmlns:com="http://schemas.openxmlformats.org/drawingml/2006/compatibility" xmlns:p14="http://schemas.microsoft.com/office/powerpoint/2010/main" xmlns:p15="http://schemas.microsoft.com/office/powerpoint/2012/main" xmlns:ahyp="http://schemas.microsoft.com/office/drawing/2018/hyperlinkcolor" autoCompressPictures="0" strictFirstAndLastChars="0" saveSubsetFonts="1">
+<p:presentation xmlns:a="http://schemas.openxmlformats.org/drawingml/2006/main" xmlns:r="http://schemas.openxmlformats.org/officeDocument/2006/relationships" xmlns:p="http://schemas.openxmlformats.org/presentationml/2006/main" strictFirstAndLastChars="0" saveSubsetFonts="1" autoCompressPictures="0">
   <p:sldMasterIdLst>
-    <p:sldMasterId id="2147483659" r:id="rId4"/>
+    <p:sldMasterId id="2147483659" r:id="rId1"/>
   </p:sldMasterIdLst>
   <p:notesMasterIdLst>
-    <p:notesMasterId r:id="rId5"/>
+    <p:notesMasterId r:id="rId12"/>
   </p:notesMasterIdLst>
   <p:sldIdLst>
-    <p:sldId id="256" r:id="rId6"/>
-    <p:sldId id="257" r:id="rId7"/>
-    <p:sldId id="258" r:id="rId8"/>
-    <p:sldId id="259" r:id="rId9"/>
-    <p:sldId id="260" r:id="rId10"/>
-    <p:sldId id="261" r:id="rId11"/>
-    <p:sldId id="262" r:id="rId12"/>
-    <p:sldId id="263" r:id="rId13"/>
-    <p:sldId id="264" r:id="rId14"/>
+    <p:sldId id="256" r:id="rId2"/>
+    <p:sldId id="257" r:id="rId3"/>
+    <p:sldId id="258" r:id="rId4"/>
+    <p:sldId id="259" r:id="rId5"/>
+    <p:sldId id="265" r:id="rId6"/>
+    <p:sldId id="260" r:id="rId7"/>
+    <p:sldId id="261" r:id="rId8"/>
+    <p:sldId id="262" r:id="rId9"/>
+    <p:sldId id="263" r:id="rId10"/>
+    <p:sldId id="264" r:id="rId11"/>
   </p:sldIdLst>
-  <p:sldSz cy="5143500" cx="9144000"/>
+  <p:sldSz cx="9144000" cy="5143500" type="screen16x9"/>
   <p:notesSz cx="6858000" cy="9144000"/>
   <p:defaultTextStyle>
-    <a:defPPr lvl="0" marR="0" rtl="0" algn="l">
+    <a:defPPr marR="0" lvl="0" algn="l" rtl="0">
       <a:lnSpc>
         <a:spcPct val="100000"/>
       </a:lnSpc>
@@ -32,7 +33,7 @@
         <a:spcPts val="0"/>
       </a:spcAft>
     </a:defPPr>
-    <a:lvl1pPr lvl="0" marR="0" rtl="0" algn="l">
+    <a:lvl1pPr marR="0" lvl="0" algn="l" rtl="0">
       <a:lnSpc>
         <a:spcPct val="100000"/>
       </a:lnSpc>
@@ -46,7 +47,7 @@
         <a:srgbClr val="000000"/>
       </a:buClr>
       <a:buFont typeface="Arial"/>
-      <a:defRPr b="0" i="0" sz="1400" u="none" cap="none" strike="noStrike">
+      <a:defRPr sz="1400" b="0" i="0" u="none" strike="noStrike" cap="none">
         <a:solidFill>
           <a:srgbClr val="000000"/>
         </a:solidFill>
@@ -56,7 +57,7 @@
         <a:sym typeface="Arial"/>
       </a:defRPr>
     </a:lvl1pPr>
-    <a:lvl2pPr lvl="1" marR="0" rtl="0" algn="l">
+    <a:lvl2pPr marR="0" lvl="1" algn="l" rtl="0">
       <a:lnSpc>
         <a:spcPct val="100000"/>
       </a:lnSpc>
@@ -70,7 +71,7 @@
         <a:srgbClr val="000000"/>
       </a:buClr>
       <a:buFont typeface="Arial"/>
-      <a:defRPr b="0" i="0" sz="1400" u="none" cap="none" strike="noStrike">
+      <a:defRPr sz="1400" b="0" i="0" u="none" strike="noStrike" cap="none">
         <a:solidFill>
           <a:srgbClr val="000000"/>
         </a:solidFill>
@@ -80,7 +81,7 @@
         <a:sym typeface="Arial"/>
       </a:defRPr>
     </a:lvl2pPr>
-    <a:lvl3pPr lvl="2" marR="0" rtl="0" algn="l">
+    <a:lvl3pPr marR="0" lvl="2" algn="l" rtl="0">
       <a:lnSpc>
         <a:spcPct val="100000"/>
       </a:lnSpc>
@@ -94,7 +95,7 @@
         <a:srgbClr val="000000"/>
       </a:buClr>
       <a:buFont typeface="Arial"/>
-      <a:defRPr b="0" i="0" sz="1400" u="none" cap="none" strike="noStrike">
+      <a:defRPr sz="1400" b="0" i="0" u="none" strike="noStrike" cap="none">
         <a:solidFill>
           <a:srgbClr val="000000"/>
         </a:solidFill>
@@ -104,7 +105,7 @@
         <a:sym typeface="Arial"/>
       </a:defRPr>
     </a:lvl3pPr>
-    <a:lvl4pPr lvl="3" marR="0" rtl="0" algn="l">
+    <a:lvl4pPr marR="0" lvl="3" algn="l" rtl="0">
       <a:lnSpc>
         <a:spcPct val="100000"/>
       </a:lnSpc>
@@ -118,7 +119,7 @@
         <a:srgbClr val="000000"/>
       </a:buClr>
       <a:buFont typeface="Arial"/>
-      <a:defRPr b="0" i="0" sz="1400" u="none" cap="none" strike="noStrike">
+      <a:defRPr sz="1400" b="0" i="0" u="none" strike="noStrike" cap="none">
         <a:solidFill>
           <a:srgbClr val="000000"/>
         </a:solidFill>
@@ -128,7 +129,7 @@
         <a:sym typeface="Arial"/>
       </a:defRPr>
     </a:lvl4pPr>
-    <a:lvl5pPr lvl="4" marR="0" rtl="0" algn="l">
+    <a:lvl5pPr marR="0" lvl="4" algn="l" rtl="0">
       <a:lnSpc>
         <a:spcPct val="100000"/>
       </a:lnSpc>
@@ -142,7 +143,7 @@
         <a:srgbClr val="000000"/>
       </a:buClr>
       <a:buFont typeface="Arial"/>
-      <a:defRPr b="0" i="0" sz="1400" u="none" cap="none" strike="noStrike">
+      <a:defRPr sz="1400" b="0" i="0" u="none" strike="noStrike" cap="none">
         <a:solidFill>
           <a:srgbClr val="000000"/>
         </a:solidFill>
@@ -152,7 +153,7 @@
         <a:sym typeface="Arial"/>
       </a:defRPr>
     </a:lvl5pPr>
-    <a:lvl6pPr lvl="5" marR="0" rtl="0" algn="l">
+    <a:lvl6pPr marR="0" lvl="5" algn="l" rtl="0">
       <a:lnSpc>
         <a:spcPct val="100000"/>
       </a:lnSpc>
@@ -166,7 +167,7 @@
         <a:srgbClr val="000000"/>
       </a:buClr>
       <a:buFont typeface="Arial"/>
-      <a:defRPr b="0" i="0" sz="1400" u="none" cap="none" strike="noStrike">
+      <a:defRPr sz="1400" b="0" i="0" u="none" strike="noStrike" cap="none">
         <a:solidFill>
           <a:srgbClr val="000000"/>
         </a:solidFill>
@@ -176,7 +177,7 @@
         <a:sym typeface="Arial"/>
       </a:defRPr>
     </a:lvl6pPr>
-    <a:lvl7pPr lvl="6" marR="0" rtl="0" algn="l">
+    <a:lvl7pPr marR="0" lvl="6" algn="l" rtl="0">
       <a:lnSpc>
         <a:spcPct val="100000"/>
       </a:lnSpc>
@@ -190,7 +191,7 @@
         <a:srgbClr val="000000"/>
       </a:buClr>
       <a:buFont typeface="Arial"/>
-      <a:defRPr b="0" i="0" sz="1400" u="none" cap="none" strike="noStrike">
+      <a:defRPr sz="1400" b="0" i="0" u="none" strike="noStrike" cap="none">
         <a:solidFill>
           <a:srgbClr val="000000"/>
         </a:solidFill>
@@ -200,7 +201,7 @@
         <a:sym typeface="Arial"/>
       </a:defRPr>
     </a:lvl7pPr>
-    <a:lvl8pPr lvl="7" marR="0" rtl="0" algn="l">
+    <a:lvl8pPr marR="0" lvl="7" algn="l" rtl="0">
       <a:lnSpc>
         <a:spcPct val="100000"/>
       </a:lnSpc>
@@ -214,7 +215,7 @@
         <a:srgbClr val="000000"/>
       </a:buClr>
       <a:buFont typeface="Arial"/>
-      <a:defRPr b="0" i="0" sz="1400" u="none" cap="none" strike="noStrike">
+      <a:defRPr sz="1400" b="0" i="0" u="none" strike="noStrike" cap="none">
         <a:solidFill>
           <a:srgbClr val="000000"/>
         </a:solidFill>
@@ -224,7 +225,7 @@
         <a:sym typeface="Arial"/>
       </a:defRPr>
     </a:lvl8pPr>
-    <a:lvl9pPr lvl="8" marR="0" rtl="0" algn="l">
+    <a:lvl9pPr marR="0" lvl="8" algn="l" rtl="0">
       <a:lnSpc>
         <a:spcPct val="100000"/>
       </a:lnSpc>
@@ -238,7 +239,7 @@
         <a:srgbClr val="000000"/>
       </a:buClr>
       <a:buFont typeface="Arial"/>
-      <a:defRPr b="0" i="0" sz="1400" u="none" cap="none" strike="noStrike">
+      <a:defRPr sz="1400" b="0" i="0" u="none" strike="noStrike" cap="none">
         <a:solidFill>
           <a:srgbClr val="000000"/>
         </a:solidFill>
@@ -251,7 +252,7 @@
   </p:defaultTextStyle>
   <p:extLst>
     <p:ext uri="{EFAFB233-063F-42B5-8137-9DF3F51BA10A}">
-      <p15:sldGuideLst>
+      <p15:sldGuideLst xmlns:p15="http://schemas.microsoft.com/office/powerpoint/2012/main">
         <p15:guide id="1" orient="horz" pos="1620">
           <p15:clr>
             <a:srgbClr val="747775"/>
@@ -269,11 +270,16 @@
 </file>
 
 <file path=ppt/notesMasters/notesMaster1.xml><?xml version="1.0" encoding="utf-8"?>
-<p:notesMaster xmlns:a="http://schemas.openxmlformats.org/drawingml/2006/main" xmlns:r="http://schemas.openxmlformats.org/officeDocument/2006/relationships" xmlns:mc="http://schemas.openxmlformats.org/markup-compatibility/2006" xmlns:mv="urn:schemas-microsoft-com:mac:vml" xmlns:p="http://schemas.openxmlformats.org/presentationml/2006/main" xmlns:c="http://schemas.openxmlformats.org/drawingml/2006/chart" xmlns:dgm="http://schemas.openxmlformats.org/drawingml/2006/diagram" xmlns:o="urn:schemas-microsoft-com:office:office" xmlns:v="urn:schemas-microsoft-com:vml" xmlns:pvml="urn:schemas-microsoft-com:office:powerpoint" xmlns:com="http://schemas.openxmlformats.org/drawingml/2006/compatibility" xmlns:p14="http://schemas.microsoft.com/office/powerpoint/2010/main" xmlns:p15="http://schemas.microsoft.com/office/powerpoint/2012/main" xmlns:ahyp="http://schemas.microsoft.com/office/drawing/2018/hyperlinkcolor">
+<p:notesMaster xmlns:a="http://schemas.openxmlformats.org/drawingml/2006/main" xmlns:r="http://schemas.openxmlformats.org/officeDocument/2006/relationships" xmlns:p="http://schemas.openxmlformats.org/presentationml/2006/main">
   <p:cSld>
+    <p:bg>
+      <p:bgRef idx="1001">
+        <a:schemeClr val="bg1"/>
+      </p:bgRef>
+    </p:bg>
     <p:spTree>
       <p:nvGrpSpPr>
-        <p:cNvPr id="2" name="Shape 2"/>
+        <p:cNvPr id="1" name="Shape 2"/>
         <p:cNvGrpSpPr/>
         <p:nvPr/>
       </p:nvGrpSpPr>
@@ -288,9 +294,11 @@
       <p:sp>
         <p:nvSpPr>
           <p:cNvPr id="3" name="Google Shape;3;n"/>
-          <p:cNvSpPr/>
+          <p:cNvSpPr>
+            <a:spLocks noGrp="1" noRot="1" noChangeAspect="1"/>
+          </p:cNvSpPr>
           <p:nvPr>
-            <p:ph idx="2" type="sldImg"/>
+            <p:ph type="sldImg" idx="2"/>
           </p:nvPr>
         </p:nvSpPr>
         <p:spPr>
@@ -299,9 +307,13 @@
             <a:ext cx="6096075" cy="3429000"/>
           </a:xfrm>
           <a:custGeom>
-            <a:rect b="b" l="l" r="r" t="t"/>
+            <a:avLst/>
+            <a:gdLst/>
+            <a:ahLst/>
+            <a:cxnLst/>
+            <a:rect l="l" t="t" r="r" b="b"/>
             <a:pathLst>
-              <a:path extrusionOk="0" h="120000" w="120000">
+              <a:path w="120000" h="120000" extrusionOk="0">
                 <a:moveTo>
                   <a:pt x="0" y="0"/>
                 </a:moveTo>
@@ -319,23 +331,25 @@
             </a:pathLst>
           </a:custGeom>
           <a:noFill/>
-          <a:ln cap="flat" cmpd="sng" w="9525">
+          <a:ln w="9525" cap="flat" cmpd="sng">
             <a:solidFill>
               <a:srgbClr val="000000"/>
             </a:solidFill>
             <a:prstDash val="solid"/>
             <a:round/>
-            <a:headEnd len="sm" w="sm" type="none"/>
-            <a:tailEnd len="sm" w="sm" type="none"/>
+            <a:headEnd type="none" w="sm" len="sm"/>
+            <a:tailEnd type="none" w="sm" len="sm"/>
           </a:ln>
         </p:spPr>
       </p:sp>
       <p:sp>
         <p:nvSpPr>
           <p:cNvPr id="4" name="Google Shape;4;n"/>
-          <p:cNvSpPr txBox="1"/>
+          <p:cNvSpPr txBox="1">
+            <a:spLocks noGrp="1"/>
+          </p:cNvSpPr>
           <p:nvPr>
-            <p:ph idx="1" type="body"/>
+            <p:ph type="body" idx="1"/>
           </p:nvPr>
         </p:nvSpPr>
         <p:spPr>
@@ -352,11 +366,11 @@
           </a:ln>
         </p:spPr>
         <p:txBody>
-          <a:bodyPr anchorCtr="0" anchor="t" bIns="91425" lIns="91425" spcFirstLastPara="1" rIns="91425" wrap="square" tIns="91425">
+          <a:bodyPr spcFirstLastPara="1" wrap="square" lIns="91425" tIns="91425" rIns="91425" bIns="91425" anchor="t" anchorCtr="0">
             <a:noAutofit/>
           </a:bodyPr>
           <a:lstStyle>
-            <a:lvl1pPr indent="-298450" lvl="0" marL="457200">
+            <a:lvl1pPr marL="457200" lvl="0" indent="-298450">
               <a:spcBef>
                 <a:spcPts val="0"/>
               </a:spcBef>
@@ -367,7 +381,7 @@
               <a:buChar char="●"/>
               <a:defRPr sz="1100"/>
             </a:lvl1pPr>
-            <a:lvl2pPr indent="-298450" lvl="1" marL="914400">
+            <a:lvl2pPr marL="914400" lvl="1" indent="-298450">
               <a:spcBef>
                 <a:spcPts val="0"/>
               </a:spcBef>
@@ -378,7 +392,7 @@
               <a:buChar char="○"/>
               <a:defRPr sz="1100"/>
             </a:lvl2pPr>
-            <a:lvl3pPr indent="-298450" lvl="2" marL="1371600">
+            <a:lvl3pPr marL="1371600" lvl="2" indent="-298450">
               <a:spcBef>
                 <a:spcPts val="0"/>
               </a:spcBef>
@@ -389,7 +403,7 @@
               <a:buChar char="■"/>
               <a:defRPr sz="1100"/>
             </a:lvl3pPr>
-            <a:lvl4pPr indent="-298450" lvl="3" marL="1828800">
+            <a:lvl4pPr marL="1828800" lvl="3" indent="-298450">
               <a:spcBef>
                 <a:spcPts val="0"/>
               </a:spcBef>
@@ -400,7 +414,7 @@
               <a:buChar char="●"/>
               <a:defRPr sz="1100"/>
             </a:lvl4pPr>
-            <a:lvl5pPr indent="-298450" lvl="4" marL="2286000">
+            <a:lvl5pPr marL="2286000" lvl="4" indent="-298450">
               <a:spcBef>
                 <a:spcPts val="0"/>
               </a:spcBef>
@@ -411,7 +425,7 @@
               <a:buChar char="○"/>
               <a:defRPr sz="1100"/>
             </a:lvl5pPr>
-            <a:lvl6pPr indent="-298450" lvl="5" marL="2743200">
+            <a:lvl6pPr marL="2743200" lvl="5" indent="-298450">
               <a:spcBef>
                 <a:spcPts val="0"/>
               </a:spcBef>
@@ -422,7 +436,7 @@
               <a:buChar char="■"/>
               <a:defRPr sz="1100"/>
             </a:lvl6pPr>
-            <a:lvl7pPr indent="-298450" lvl="6" marL="3200400">
+            <a:lvl7pPr marL="3200400" lvl="6" indent="-298450">
               <a:spcBef>
                 <a:spcPts val="0"/>
               </a:spcBef>
@@ -433,7 +447,7 @@
               <a:buChar char="●"/>
               <a:defRPr sz="1100"/>
             </a:lvl7pPr>
-            <a:lvl8pPr indent="-298450" lvl="7" marL="3657600">
+            <a:lvl8pPr marL="3657600" lvl="7" indent="-298450">
               <a:spcBef>
                 <a:spcPts val="0"/>
               </a:spcBef>
@@ -444,7 +458,7 @@
               <a:buChar char="○"/>
               <a:defRPr sz="1100"/>
             </a:lvl8pPr>
-            <a:lvl9pPr indent="-298450" lvl="8" marL="4114800">
+            <a:lvl9pPr marL="4114800" lvl="8" indent="-298450">
               <a:spcBef>
                 <a:spcPts val="0"/>
               </a:spcBef>
@@ -456,14 +470,16 @@
               <a:defRPr sz="1100"/>
             </a:lvl9pPr>
           </a:lstStyle>
-          <a:p/>
+          <a:p>
+            <a:endParaRPr/>
+          </a:p>
         </p:txBody>
       </p:sp>
     </p:spTree>
   </p:cSld>
-  <p:clrMap accent1="accent1" accent2="accent2" accent3="accent3" accent4="accent4" accent5="accent5" accent6="accent6" bg1="lt1" bg2="dk2" tx1="dk1" tx2="lt2" folHlink="folHlink" hlink="hlink"/>
+  <p:clrMap bg1="lt1" tx1="dk1" bg2="dk2" tx2="lt2" accent1="accent1" accent2="accent2" accent3="accent3" accent4="accent4" accent5="accent5" accent6="accent6" hlink="hlink" folHlink="folHlink"/>
   <p:notesStyle>
-    <a:defPPr lvl="0" marR="0" rtl="0" algn="l">
+    <a:defPPr marR="0" lvl="0" algn="l" rtl="0">
       <a:lnSpc>
         <a:spcPct val="100000"/>
       </a:lnSpc>
@@ -474,7 +490,7 @@
         <a:spcPts val="0"/>
       </a:spcAft>
     </a:defPPr>
-    <a:lvl1pPr lvl="0" marR="0" rtl="0" algn="l">
+    <a:lvl1pPr marR="0" lvl="0" algn="l" rtl="0">
       <a:lnSpc>
         <a:spcPct val="100000"/>
       </a:lnSpc>
@@ -488,7 +504,7 @@
         <a:srgbClr val="000000"/>
       </a:buClr>
       <a:buFont typeface="Arial"/>
-      <a:defRPr b="0" i="0" sz="1400" u="none" cap="none" strike="noStrike">
+      <a:defRPr sz="1400" b="0" i="0" u="none" strike="noStrike" cap="none">
         <a:solidFill>
           <a:srgbClr val="000000"/>
         </a:solidFill>
@@ -498,7 +514,7 @@
         <a:sym typeface="Arial"/>
       </a:defRPr>
     </a:lvl1pPr>
-    <a:lvl2pPr lvl="1" marR="0" rtl="0" algn="l">
+    <a:lvl2pPr marR="0" lvl="1" algn="l" rtl="0">
       <a:lnSpc>
         <a:spcPct val="100000"/>
       </a:lnSpc>
@@ -512,7 +528,7 @@
         <a:srgbClr val="000000"/>
       </a:buClr>
       <a:buFont typeface="Arial"/>
-      <a:defRPr b="0" i="0" sz="1400" u="none" cap="none" strike="noStrike">
+      <a:defRPr sz="1400" b="0" i="0" u="none" strike="noStrike" cap="none">
         <a:solidFill>
           <a:srgbClr val="000000"/>
         </a:solidFill>
@@ -522,7 +538,7 @@
         <a:sym typeface="Arial"/>
       </a:defRPr>
     </a:lvl2pPr>
-    <a:lvl3pPr lvl="2" marR="0" rtl="0" algn="l">
+    <a:lvl3pPr marR="0" lvl="2" algn="l" rtl="0">
       <a:lnSpc>
         <a:spcPct val="100000"/>
       </a:lnSpc>
@@ -536,7 +552,7 @@
         <a:srgbClr val="000000"/>
       </a:buClr>
       <a:buFont typeface="Arial"/>
-      <a:defRPr b="0" i="0" sz="1400" u="none" cap="none" strike="noStrike">
+      <a:defRPr sz="1400" b="0" i="0" u="none" strike="noStrike" cap="none">
         <a:solidFill>
           <a:srgbClr val="000000"/>
         </a:solidFill>
@@ -546,7 +562,7 @@
         <a:sym typeface="Arial"/>
       </a:defRPr>
     </a:lvl3pPr>
-    <a:lvl4pPr lvl="3" marR="0" rtl="0" algn="l">
+    <a:lvl4pPr marR="0" lvl="3" algn="l" rtl="0">
       <a:lnSpc>
         <a:spcPct val="100000"/>
       </a:lnSpc>
@@ -560,7 +576,7 @@
         <a:srgbClr val="000000"/>
       </a:buClr>
       <a:buFont typeface="Arial"/>
-      <a:defRPr b="0" i="0" sz="1400" u="none" cap="none" strike="noStrike">
+      <a:defRPr sz="1400" b="0" i="0" u="none" strike="noStrike" cap="none">
         <a:solidFill>
           <a:srgbClr val="000000"/>
         </a:solidFill>
@@ -570,7 +586,7 @@
         <a:sym typeface="Arial"/>
       </a:defRPr>
     </a:lvl4pPr>
-    <a:lvl5pPr lvl="4" marR="0" rtl="0" algn="l">
+    <a:lvl5pPr marR="0" lvl="4" algn="l" rtl="0">
       <a:lnSpc>
         <a:spcPct val="100000"/>
       </a:lnSpc>
@@ -584,7 +600,7 @@
         <a:srgbClr val="000000"/>
       </a:buClr>
       <a:buFont typeface="Arial"/>
-      <a:defRPr b="0" i="0" sz="1400" u="none" cap="none" strike="noStrike">
+      <a:defRPr sz="1400" b="0" i="0" u="none" strike="noStrike" cap="none">
         <a:solidFill>
           <a:srgbClr val="000000"/>
         </a:solidFill>
@@ -594,7 +610,7 @@
         <a:sym typeface="Arial"/>
       </a:defRPr>
     </a:lvl5pPr>
-    <a:lvl6pPr lvl="5" marR="0" rtl="0" algn="l">
+    <a:lvl6pPr marR="0" lvl="5" algn="l" rtl="0">
       <a:lnSpc>
         <a:spcPct val="100000"/>
       </a:lnSpc>
@@ -608,7 +624,7 @@
         <a:srgbClr val="000000"/>
       </a:buClr>
       <a:buFont typeface="Arial"/>
-      <a:defRPr b="0" i="0" sz="1400" u="none" cap="none" strike="noStrike">
+      <a:defRPr sz="1400" b="0" i="0" u="none" strike="noStrike" cap="none">
         <a:solidFill>
           <a:srgbClr val="000000"/>
         </a:solidFill>
@@ -618,7 +634,7 @@
         <a:sym typeface="Arial"/>
       </a:defRPr>
     </a:lvl6pPr>
-    <a:lvl7pPr lvl="6" marR="0" rtl="0" algn="l">
+    <a:lvl7pPr marR="0" lvl="6" algn="l" rtl="0">
       <a:lnSpc>
         <a:spcPct val="100000"/>
       </a:lnSpc>
@@ -632,7 +648,7 @@
         <a:srgbClr val="000000"/>
       </a:buClr>
       <a:buFont typeface="Arial"/>
-      <a:defRPr b="0" i="0" sz="1400" u="none" cap="none" strike="noStrike">
+      <a:defRPr sz="1400" b="0" i="0" u="none" strike="noStrike" cap="none">
         <a:solidFill>
           <a:srgbClr val="000000"/>
         </a:solidFill>
@@ -642,7 +658,7 @@
         <a:sym typeface="Arial"/>
       </a:defRPr>
     </a:lvl7pPr>
-    <a:lvl8pPr lvl="7" marR="0" rtl="0" algn="l">
+    <a:lvl8pPr marR="0" lvl="7" algn="l" rtl="0">
       <a:lnSpc>
         <a:spcPct val="100000"/>
       </a:lnSpc>
@@ -656,7 +672,7 @@
         <a:srgbClr val="000000"/>
       </a:buClr>
       <a:buFont typeface="Arial"/>
-      <a:defRPr b="0" i="0" sz="1400" u="none" cap="none" strike="noStrike">
+      <a:defRPr sz="1400" b="0" i="0" u="none" strike="noStrike" cap="none">
         <a:solidFill>
           <a:srgbClr val="000000"/>
         </a:solidFill>
@@ -666,7 +682,7 @@
         <a:sym typeface="Arial"/>
       </a:defRPr>
     </a:lvl8pPr>
-    <a:lvl9pPr lvl="8" marR="0" rtl="0" algn="l">
+    <a:lvl9pPr marR="0" lvl="8" algn="l" rtl="0">
       <a:lnSpc>
         <a:spcPct val="100000"/>
       </a:lnSpc>
@@ -680,7 +696,7 @@
         <a:srgbClr val="000000"/>
       </a:buClr>
       <a:buFont typeface="Arial"/>
-      <a:defRPr b="0" i="0" sz="1400" u="none" cap="none" strike="noStrike">
+      <a:defRPr sz="1400" b="0" i="0" u="none" strike="noStrike" cap="none">
         <a:solidFill>
           <a:srgbClr val="000000"/>
         </a:solidFill>
@@ -695,11 +711,11 @@
 </file>
 
 <file path=ppt/notesSlides/notesSlide1.xml><?xml version="1.0" encoding="utf-8"?>
-<p:notes xmlns:a="http://schemas.openxmlformats.org/drawingml/2006/main" xmlns:r="http://schemas.openxmlformats.org/officeDocument/2006/relationships" xmlns:mc="http://schemas.openxmlformats.org/markup-compatibility/2006" xmlns:mv="urn:schemas-microsoft-com:mac:vml" xmlns:p="http://schemas.openxmlformats.org/presentationml/2006/main" xmlns:c="http://schemas.openxmlformats.org/drawingml/2006/chart" xmlns:dgm="http://schemas.openxmlformats.org/drawingml/2006/diagram" xmlns:o="urn:schemas-microsoft-com:office:office" xmlns:v="urn:schemas-microsoft-com:vml" xmlns:pvml="urn:schemas-microsoft-com:office:powerpoint" xmlns:com="http://schemas.openxmlformats.org/drawingml/2006/compatibility" xmlns:p14="http://schemas.microsoft.com/office/powerpoint/2010/main" xmlns:p15="http://schemas.microsoft.com/office/powerpoint/2012/main" xmlns:ahyp="http://schemas.microsoft.com/office/drawing/2018/hyperlinkcolor" showMasterPhAnim="0" showMasterSp="0">
+<p:notes xmlns:a="http://schemas.openxmlformats.org/drawingml/2006/main" xmlns:r="http://schemas.openxmlformats.org/officeDocument/2006/relationships" xmlns:p="http://schemas.openxmlformats.org/presentationml/2006/main" showMasterSp="0" showMasterPhAnim="0">
   <p:cSld>
     <p:spTree>
       <p:nvGrpSpPr>
-        <p:cNvPr id="50" name="Shape 50"/>
+        <p:cNvPr id="1" name="Shape 50"/>
         <p:cNvGrpSpPr/>
         <p:nvPr/>
       </p:nvGrpSpPr>
@@ -714,9 +730,11 @@
       <p:sp>
         <p:nvSpPr>
           <p:cNvPr id="51" name="Google Shape;51;p:notes"/>
-          <p:cNvSpPr/>
+          <p:cNvSpPr>
+            <a:spLocks noGrp="1" noRot="1" noChangeAspect="1"/>
+          </p:cNvSpPr>
           <p:nvPr>
-            <p:ph idx="2" type="sldImg"/>
+            <p:ph type="sldImg" idx="2"/>
           </p:nvPr>
         </p:nvSpPr>
         <p:spPr>
@@ -725,9 +743,13 @@
             <a:ext cx="6096075" cy="3429000"/>
           </a:xfrm>
           <a:custGeom>
-            <a:rect b="b" l="l" r="r" t="t"/>
+            <a:avLst/>
+            <a:gdLst/>
+            <a:ahLst/>
+            <a:cxnLst/>
+            <a:rect l="l" t="t" r="r" b="b"/>
             <a:pathLst>
-              <a:path extrusionOk="0" h="120000" w="120000">
+              <a:path w="120000" h="120000" extrusionOk="0">
                 <a:moveTo>
                   <a:pt x="0" y="0"/>
                 </a:moveTo>
@@ -749,9 +771,11 @@
       <p:sp>
         <p:nvSpPr>
           <p:cNvPr id="52" name="Google Shape;52;p:notes"/>
-          <p:cNvSpPr txBox="1"/>
+          <p:cNvSpPr txBox="1">
+            <a:spLocks noGrp="1"/>
+          </p:cNvSpPr>
           <p:nvPr>
-            <p:ph idx="1" type="body"/>
+            <p:ph type="body" idx="1"/>
           </p:nvPr>
         </p:nvSpPr>
         <p:spPr>
@@ -764,12 +788,12 @@
           </a:prstGeom>
         </p:spPr>
         <p:txBody>
-          <a:bodyPr anchorCtr="0" anchor="t" bIns="91425" lIns="91425" spcFirstLastPara="1" rIns="91425" wrap="square" tIns="91425">
+          <a:bodyPr spcFirstLastPara="1" wrap="square" lIns="91425" tIns="91425" rIns="91425" bIns="91425" anchor="t" anchorCtr="0">
             <a:noAutofit/>
           </a:bodyPr>
           <a:lstStyle/>
           <a:p>
-            <a:pPr indent="0" lvl="0" marL="0" rtl="0" algn="l">
+            <a:pPr marL="0" lvl="0" indent="0" algn="l" rtl="0">
               <a:spcBef>
                 <a:spcPts val="0"/>
               </a:spcBef>
@@ -778,9 +802,6 @@
               </a:spcAft>
               <a:buNone/>
             </a:pPr>
-            <a:r>
-              <a:t/>
-            </a:r>
             <a:endParaRPr/>
           </a:p>
         </p:txBody>
@@ -794,11 +815,11 @@
 </file>
 
 <file path=ppt/notesSlides/notesSlide2.xml><?xml version="1.0" encoding="utf-8"?>
-<p:notes xmlns:a="http://schemas.openxmlformats.org/drawingml/2006/main" xmlns:r="http://schemas.openxmlformats.org/officeDocument/2006/relationships" xmlns:mc="http://schemas.openxmlformats.org/markup-compatibility/2006" xmlns:mv="urn:schemas-microsoft-com:mac:vml" xmlns:p="http://schemas.openxmlformats.org/presentationml/2006/main" xmlns:c="http://schemas.openxmlformats.org/drawingml/2006/chart" xmlns:dgm="http://schemas.openxmlformats.org/drawingml/2006/diagram" xmlns:o="urn:schemas-microsoft-com:office:office" xmlns:v="urn:schemas-microsoft-com:vml" xmlns:pvml="urn:schemas-microsoft-com:office:powerpoint" xmlns:com="http://schemas.openxmlformats.org/drawingml/2006/compatibility" xmlns:p14="http://schemas.microsoft.com/office/powerpoint/2010/main" xmlns:p15="http://schemas.microsoft.com/office/powerpoint/2012/main" xmlns:ahyp="http://schemas.microsoft.com/office/drawing/2018/hyperlinkcolor" showMasterPhAnim="0" showMasterSp="0">
+<p:notes xmlns:a="http://schemas.openxmlformats.org/drawingml/2006/main" xmlns:r="http://schemas.openxmlformats.org/officeDocument/2006/relationships" xmlns:p="http://schemas.openxmlformats.org/presentationml/2006/main" showMasterSp="0" showMasterPhAnim="0">
   <p:cSld>
     <p:spTree>
       <p:nvGrpSpPr>
-        <p:cNvPr id="56" name="Shape 56"/>
+        <p:cNvPr id="1" name="Shape 56"/>
         <p:cNvGrpSpPr/>
         <p:nvPr/>
       </p:nvGrpSpPr>
@@ -813,9 +834,11 @@
       <p:sp>
         <p:nvSpPr>
           <p:cNvPr id="57" name="Google Shape;57;g243c4b6edd3_0_0:notes"/>
-          <p:cNvSpPr/>
+          <p:cNvSpPr>
+            <a:spLocks noGrp="1" noRot="1" noChangeAspect="1"/>
+          </p:cNvSpPr>
           <p:nvPr>
-            <p:ph idx="2" type="sldImg"/>
+            <p:ph type="sldImg" idx="2"/>
           </p:nvPr>
         </p:nvSpPr>
         <p:spPr>
@@ -824,9 +847,13 @@
             <a:ext cx="6096000" cy="3429000"/>
           </a:xfrm>
           <a:custGeom>
-            <a:rect b="b" l="l" r="r" t="t"/>
+            <a:avLst/>
+            <a:gdLst/>
+            <a:ahLst/>
+            <a:cxnLst/>
+            <a:rect l="l" t="t" r="r" b="b"/>
             <a:pathLst>
-              <a:path extrusionOk="0" h="120000" w="120000">
+              <a:path w="120000" h="120000" extrusionOk="0">
                 <a:moveTo>
                   <a:pt x="0" y="0"/>
                 </a:moveTo>
@@ -848,9 +875,11 @@
       <p:sp>
         <p:nvSpPr>
           <p:cNvPr id="58" name="Google Shape;58;g243c4b6edd3_0_0:notes"/>
-          <p:cNvSpPr txBox="1"/>
+          <p:cNvSpPr txBox="1">
+            <a:spLocks noGrp="1"/>
+          </p:cNvSpPr>
           <p:nvPr>
-            <p:ph idx="1" type="body"/>
+            <p:ph type="body" idx="1"/>
           </p:nvPr>
         </p:nvSpPr>
         <p:spPr>
@@ -863,12 +892,12 @@
           </a:prstGeom>
         </p:spPr>
         <p:txBody>
-          <a:bodyPr anchorCtr="0" anchor="t" bIns="91425" lIns="91425" spcFirstLastPara="1" rIns="91425" wrap="square" tIns="91425">
+          <a:bodyPr spcFirstLastPara="1" wrap="square" lIns="91425" tIns="91425" rIns="91425" bIns="91425" anchor="t" anchorCtr="0">
             <a:noAutofit/>
           </a:bodyPr>
           <a:lstStyle/>
           <a:p>
-            <a:pPr indent="0" lvl="0" marL="0" rtl="0" algn="l">
+            <a:pPr marL="0" lvl="0" indent="0" algn="l" rtl="0">
               <a:spcBef>
                 <a:spcPts val="0"/>
               </a:spcBef>
@@ -877,9 +906,6 @@
               </a:spcAft>
               <a:buNone/>
             </a:pPr>
-            <a:r>
-              <a:t/>
-            </a:r>
             <a:endParaRPr/>
           </a:p>
         </p:txBody>
@@ -893,11 +919,11 @@
 </file>
 
 <file path=ppt/notesSlides/notesSlide3.xml><?xml version="1.0" encoding="utf-8"?>
-<p:notes xmlns:a="http://schemas.openxmlformats.org/drawingml/2006/main" xmlns:r="http://schemas.openxmlformats.org/officeDocument/2006/relationships" xmlns:mc="http://schemas.openxmlformats.org/markup-compatibility/2006" xmlns:mv="urn:schemas-microsoft-com:mac:vml" xmlns:p="http://schemas.openxmlformats.org/presentationml/2006/main" xmlns:c="http://schemas.openxmlformats.org/drawingml/2006/chart" xmlns:dgm="http://schemas.openxmlformats.org/drawingml/2006/diagram" xmlns:o="urn:schemas-microsoft-com:office:office" xmlns:v="urn:schemas-microsoft-com:vml" xmlns:pvml="urn:schemas-microsoft-com:office:powerpoint" xmlns:com="http://schemas.openxmlformats.org/drawingml/2006/compatibility" xmlns:p14="http://schemas.microsoft.com/office/powerpoint/2010/main" xmlns:p15="http://schemas.microsoft.com/office/powerpoint/2012/main" xmlns:ahyp="http://schemas.microsoft.com/office/drawing/2018/hyperlinkcolor" showMasterPhAnim="0" showMasterSp="0">
+<p:notes xmlns:a="http://schemas.openxmlformats.org/drawingml/2006/main" xmlns:r="http://schemas.openxmlformats.org/officeDocument/2006/relationships" xmlns:p="http://schemas.openxmlformats.org/presentationml/2006/main" showMasterSp="0" showMasterPhAnim="0">
   <p:cSld>
     <p:spTree>
       <p:nvGrpSpPr>
-        <p:cNvPr id="62" name="Shape 62"/>
+        <p:cNvPr id="1" name="Shape 62"/>
         <p:cNvGrpSpPr/>
         <p:nvPr/>
       </p:nvGrpSpPr>
@@ -912,9 +938,11 @@
       <p:sp>
         <p:nvSpPr>
           <p:cNvPr id="63" name="Google Shape;63;g243c7eaaa84_0_0:notes"/>
-          <p:cNvSpPr/>
+          <p:cNvSpPr>
+            <a:spLocks noGrp="1" noRot="1" noChangeAspect="1"/>
+          </p:cNvSpPr>
           <p:nvPr>
-            <p:ph idx="2" type="sldImg"/>
+            <p:ph type="sldImg" idx="2"/>
           </p:nvPr>
         </p:nvSpPr>
         <p:spPr>
@@ -923,9 +951,13 @@
             <a:ext cx="6096000" cy="3429000"/>
           </a:xfrm>
           <a:custGeom>
-            <a:rect b="b" l="l" r="r" t="t"/>
+            <a:avLst/>
+            <a:gdLst/>
+            <a:ahLst/>
+            <a:cxnLst/>
+            <a:rect l="l" t="t" r="r" b="b"/>
             <a:pathLst>
-              <a:path extrusionOk="0" h="120000" w="120000">
+              <a:path w="120000" h="120000" extrusionOk="0">
                 <a:moveTo>
                   <a:pt x="0" y="0"/>
                 </a:moveTo>
@@ -947,9 +979,11 @@
       <p:sp>
         <p:nvSpPr>
           <p:cNvPr id="64" name="Google Shape;64;g243c7eaaa84_0_0:notes"/>
-          <p:cNvSpPr txBox="1"/>
+          <p:cNvSpPr txBox="1">
+            <a:spLocks noGrp="1"/>
+          </p:cNvSpPr>
           <p:nvPr>
-            <p:ph idx="1" type="body"/>
+            <p:ph type="body" idx="1"/>
           </p:nvPr>
         </p:nvSpPr>
         <p:spPr>
@@ -962,12 +996,12 @@
           </a:prstGeom>
         </p:spPr>
         <p:txBody>
-          <a:bodyPr anchorCtr="0" anchor="t" bIns="91425" lIns="91425" spcFirstLastPara="1" rIns="91425" wrap="square" tIns="91425">
+          <a:bodyPr spcFirstLastPara="1" wrap="square" lIns="91425" tIns="91425" rIns="91425" bIns="91425" anchor="t" anchorCtr="0">
             <a:noAutofit/>
           </a:bodyPr>
           <a:lstStyle/>
           <a:p>
-            <a:pPr indent="0" lvl="0" marL="0" rtl="0" algn="l">
+            <a:pPr marL="0" lvl="0" indent="0" algn="l" rtl="0">
               <a:spcBef>
                 <a:spcPts val="0"/>
               </a:spcBef>
@@ -976,9 +1010,6 @@
               </a:spcAft>
               <a:buNone/>
             </a:pPr>
-            <a:r>
-              <a:t/>
-            </a:r>
             <a:endParaRPr/>
           </a:p>
         </p:txBody>
@@ -992,11 +1023,11 @@
 </file>
 
 <file path=ppt/notesSlides/notesSlide4.xml><?xml version="1.0" encoding="utf-8"?>
-<p:notes xmlns:a="http://schemas.openxmlformats.org/drawingml/2006/main" xmlns:r="http://schemas.openxmlformats.org/officeDocument/2006/relationships" xmlns:mc="http://schemas.openxmlformats.org/markup-compatibility/2006" xmlns:mv="urn:schemas-microsoft-com:mac:vml" xmlns:p="http://schemas.openxmlformats.org/presentationml/2006/main" xmlns:c="http://schemas.openxmlformats.org/drawingml/2006/chart" xmlns:dgm="http://schemas.openxmlformats.org/drawingml/2006/diagram" xmlns:o="urn:schemas-microsoft-com:office:office" xmlns:v="urn:schemas-microsoft-com:vml" xmlns:pvml="urn:schemas-microsoft-com:office:powerpoint" xmlns:com="http://schemas.openxmlformats.org/drawingml/2006/compatibility" xmlns:p14="http://schemas.microsoft.com/office/powerpoint/2010/main" xmlns:p15="http://schemas.microsoft.com/office/powerpoint/2012/main" xmlns:ahyp="http://schemas.microsoft.com/office/drawing/2018/hyperlinkcolor" showMasterPhAnim="0" showMasterSp="0">
+<p:notes xmlns:a="http://schemas.openxmlformats.org/drawingml/2006/main" xmlns:r="http://schemas.openxmlformats.org/officeDocument/2006/relationships" xmlns:p="http://schemas.openxmlformats.org/presentationml/2006/main" showMasterSp="0" showMasterPhAnim="0">
   <p:cSld>
     <p:spTree>
       <p:nvGrpSpPr>
-        <p:cNvPr id="68" name="Shape 68"/>
+        <p:cNvPr id="1" name="Shape 68"/>
         <p:cNvGrpSpPr/>
         <p:nvPr/>
       </p:nvGrpSpPr>
@@ -1011,9 +1042,11 @@
       <p:sp>
         <p:nvSpPr>
           <p:cNvPr id="69" name="Google Shape;69;g243ae9e5c36_0_5:notes"/>
-          <p:cNvSpPr/>
+          <p:cNvSpPr>
+            <a:spLocks noGrp="1" noRot="1" noChangeAspect="1"/>
+          </p:cNvSpPr>
           <p:nvPr>
-            <p:ph idx="2" type="sldImg"/>
+            <p:ph type="sldImg" idx="2"/>
           </p:nvPr>
         </p:nvSpPr>
         <p:spPr>
@@ -1022,9 +1055,13 @@
             <a:ext cx="6096000" cy="3429000"/>
           </a:xfrm>
           <a:custGeom>
-            <a:rect b="b" l="l" r="r" t="t"/>
+            <a:avLst/>
+            <a:gdLst/>
+            <a:ahLst/>
+            <a:cxnLst/>
+            <a:rect l="l" t="t" r="r" b="b"/>
             <a:pathLst>
-              <a:path extrusionOk="0" h="120000" w="120000">
+              <a:path w="120000" h="120000" extrusionOk="0">
                 <a:moveTo>
                   <a:pt x="0" y="0"/>
                 </a:moveTo>
@@ -1046,9 +1083,11 @@
       <p:sp>
         <p:nvSpPr>
           <p:cNvPr id="70" name="Google Shape;70;g243ae9e5c36_0_5:notes"/>
-          <p:cNvSpPr txBox="1"/>
+          <p:cNvSpPr txBox="1">
+            <a:spLocks noGrp="1"/>
+          </p:cNvSpPr>
           <p:nvPr>
-            <p:ph idx="1" type="body"/>
+            <p:ph type="body" idx="1"/>
           </p:nvPr>
         </p:nvSpPr>
         <p:spPr>
@@ -1061,12 +1100,12 @@
           </a:prstGeom>
         </p:spPr>
         <p:txBody>
-          <a:bodyPr anchorCtr="0" anchor="t" bIns="91425" lIns="91425" spcFirstLastPara="1" rIns="91425" wrap="square" tIns="91425">
+          <a:bodyPr spcFirstLastPara="1" wrap="square" lIns="91425" tIns="91425" rIns="91425" bIns="91425" anchor="t" anchorCtr="0">
             <a:noAutofit/>
           </a:bodyPr>
           <a:lstStyle/>
           <a:p>
-            <a:pPr indent="0" lvl="0" marL="0" rtl="0" algn="l">
+            <a:pPr marL="0" lvl="0" indent="0" algn="l" rtl="0">
               <a:spcBef>
                 <a:spcPts val="0"/>
               </a:spcBef>
@@ -1075,9 +1114,6 @@
               </a:spcAft>
               <a:buNone/>
             </a:pPr>
-            <a:r>
-              <a:t/>
-            </a:r>
             <a:endParaRPr/>
           </a:p>
         </p:txBody>
@@ -1091,11 +1127,11 @@
 </file>
 
 <file path=ppt/notesSlides/notesSlide5.xml><?xml version="1.0" encoding="utf-8"?>
-<p:notes xmlns:a="http://schemas.openxmlformats.org/drawingml/2006/main" xmlns:r="http://schemas.openxmlformats.org/officeDocument/2006/relationships" xmlns:mc="http://schemas.openxmlformats.org/markup-compatibility/2006" xmlns:mv="urn:schemas-microsoft-com:mac:vml" xmlns:p="http://schemas.openxmlformats.org/presentationml/2006/main" xmlns:c="http://schemas.openxmlformats.org/drawingml/2006/chart" xmlns:dgm="http://schemas.openxmlformats.org/drawingml/2006/diagram" xmlns:o="urn:schemas-microsoft-com:office:office" xmlns:v="urn:schemas-microsoft-com:vml" xmlns:pvml="urn:schemas-microsoft-com:office:powerpoint" xmlns:com="http://schemas.openxmlformats.org/drawingml/2006/compatibility" xmlns:p14="http://schemas.microsoft.com/office/powerpoint/2010/main" xmlns:p15="http://schemas.microsoft.com/office/powerpoint/2012/main" xmlns:ahyp="http://schemas.microsoft.com/office/drawing/2018/hyperlinkcolor" showMasterPhAnim="0" showMasterSp="0">
+<p:notes xmlns:a="http://schemas.openxmlformats.org/drawingml/2006/main" xmlns:r="http://schemas.openxmlformats.org/officeDocument/2006/relationships" xmlns:p="http://schemas.openxmlformats.org/presentationml/2006/main" showMasterSp="0" showMasterPhAnim="0">
   <p:cSld>
     <p:spTree>
       <p:nvGrpSpPr>
-        <p:cNvPr id="74" name="Shape 74"/>
+        <p:cNvPr id="1" name="Shape 74"/>
         <p:cNvGrpSpPr/>
         <p:nvPr/>
       </p:nvGrpSpPr>
@@ -1110,9 +1146,11 @@
       <p:sp>
         <p:nvSpPr>
           <p:cNvPr id="75" name="Google Shape;75;g243ae9e5c36_0_0:notes"/>
-          <p:cNvSpPr/>
+          <p:cNvSpPr>
+            <a:spLocks noGrp="1" noRot="1" noChangeAspect="1"/>
+          </p:cNvSpPr>
           <p:nvPr>
-            <p:ph idx="2" type="sldImg"/>
+            <p:ph type="sldImg" idx="2"/>
           </p:nvPr>
         </p:nvSpPr>
         <p:spPr>
@@ -1121,9 +1159,13 @@
             <a:ext cx="6096000" cy="3429000"/>
           </a:xfrm>
           <a:custGeom>
-            <a:rect b="b" l="l" r="r" t="t"/>
+            <a:avLst/>
+            <a:gdLst/>
+            <a:ahLst/>
+            <a:cxnLst/>
+            <a:rect l="l" t="t" r="r" b="b"/>
             <a:pathLst>
-              <a:path extrusionOk="0" h="120000" w="120000">
+              <a:path w="120000" h="120000" extrusionOk="0">
                 <a:moveTo>
                   <a:pt x="0" y="0"/>
                 </a:moveTo>
@@ -1145,9 +1187,11 @@
       <p:sp>
         <p:nvSpPr>
           <p:cNvPr id="76" name="Google Shape;76;g243ae9e5c36_0_0:notes"/>
-          <p:cNvSpPr txBox="1"/>
+          <p:cNvSpPr txBox="1">
+            <a:spLocks noGrp="1"/>
+          </p:cNvSpPr>
           <p:nvPr>
-            <p:ph idx="1" type="body"/>
+            <p:ph type="body" idx="1"/>
           </p:nvPr>
         </p:nvSpPr>
         <p:spPr>
@@ -1160,12 +1204,12 @@
           </a:prstGeom>
         </p:spPr>
         <p:txBody>
-          <a:bodyPr anchorCtr="0" anchor="t" bIns="91425" lIns="91425" spcFirstLastPara="1" rIns="91425" wrap="square" tIns="91425">
+          <a:bodyPr spcFirstLastPara="1" wrap="square" lIns="91425" tIns="91425" rIns="91425" bIns="91425" anchor="t" anchorCtr="0">
             <a:noAutofit/>
           </a:bodyPr>
           <a:lstStyle/>
           <a:p>
-            <a:pPr indent="0" lvl="0" marL="0" rtl="0" algn="l">
+            <a:pPr marL="0" lvl="0" indent="0" algn="l" rtl="0">
               <a:spcBef>
                 <a:spcPts val="0"/>
               </a:spcBef>
@@ -1174,9 +1218,6 @@
               </a:spcAft>
               <a:buNone/>
             </a:pPr>
-            <a:r>
-              <a:t/>
-            </a:r>
             <a:endParaRPr/>
           </a:p>
         </p:txBody>
@@ -1190,11 +1231,11 @@
 </file>
 
 <file path=ppt/notesSlides/notesSlide6.xml><?xml version="1.0" encoding="utf-8"?>
-<p:notes xmlns:a="http://schemas.openxmlformats.org/drawingml/2006/main" xmlns:r="http://schemas.openxmlformats.org/officeDocument/2006/relationships" xmlns:mc="http://schemas.openxmlformats.org/markup-compatibility/2006" xmlns:mv="urn:schemas-microsoft-com:mac:vml" xmlns:p="http://schemas.openxmlformats.org/presentationml/2006/main" xmlns:c="http://schemas.openxmlformats.org/drawingml/2006/chart" xmlns:dgm="http://schemas.openxmlformats.org/drawingml/2006/diagram" xmlns:o="urn:schemas-microsoft-com:office:office" xmlns:v="urn:schemas-microsoft-com:vml" xmlns:pvml="urn:schemas-microsoft-com:office:powerpoint" xmlns:com="http://schemas.openxmlformats.org/drawingml/2006/compatibility" xmlns:p14="http://schemas.microsoft.com/office/powerpoint/2010/main" xmlns:p15="http://schemas.microsoft.com/office/powerpoint/2012/main" xmlns:ahyp="http://schemas.microsoft.com/office/drawing/2018/hyperlinkcolor" showMasterPhAnim="0" showMasterSp="0">
+<p:notes xmlns:a="http://schemas.openxmlformats.org/drawingml/2006/main" xmlns:r="http://schemas.openxmlformats.org/officeDocument/2006/relationships" xmlns:p="http://schemas.openxmlformats.org/presentationml/2006/main" showMasterSp="0" showMasterPhAnim="0">
   <p:cSld>
     <p:spTree>
       <p:nvGrpSpPr>
-        <p:cNvPr id="80" name="Shape 80"/>
+        <p:cNvPr id="1" name="Shape 80"/>
         <p:cNvGrpSpPr/>
         <p:nvPr/>
       </p:nvGrpSpPr>
@@ -1209,9 +1250,11 @@
       <p:sp>
         <p:nvSpPr>
           <p:cNvPr id="81" name="Google Shape;81;g2454e8de733_0_5:notes"/>
-          <p:cNvSpPr/>
+          <p:cNvSpPr>
+            <a:spLocks noGrp="1" noRot="1" noChangeAspect="1"/>
+          </p:cNvSpPr>
           <p:nvPr>
-            <p:ph idx="2" type="sldImg"/>
+            <p:ph type="sldImg" idx="2"/>
           </p:nvPr>
         </p:nvSpPr>
         <p:spPr>
@@ -1220,9 +1263,13 @@
             <a:ext cx="6096000" cy="3429000"/>
           </a:xfrm>
           <a:custGeom>
-            <a:rect b="b" l="l" r="r" t="t"/>
+            <a:avLst/>
+            <a:gdLst/>
+            <a:ahLst/>
+            <a:cxnLst/>
+            <a:rect l="l" t="t" r="r" b="b"/>
             <a:pathLst>
-              <a:path extrusionOk="0" h="120000" w="120000">
+              <a:path w="120000" h="120000" extrusionOk="0">
                 <a:moveTo>
                   <a:pt x="0" y="0"/>
                 </a:moveTo>
@@ -1244,9 +1291,11 @@
       <p:sp>
         <p:nvSpPr>
           <p:cNvPr id="82" name="Google Shape;82;g2454e8de733_0_5:notes"/>
-          <p:cNvSpPr txBox="1"/>
+          <p:cNvSpPr txBox="1">
+            <a:spLocks noGrp="1"/>
+          </p:cNvSpPr>
           <p:nvPr>
-            <p:ph idx="1" type="body"/>
+            <p:ph type="body" idx="1"/>
           </p:nvPr>
         </p:nvSpPr>
         <p:spPr>
@@ -1259,12 +1308,12 @@
           </a:prstGeom>
         </p:spPr>
         <p:txBody>
-          <a:bodyPr anchorCtr="0" anchor="t" bIns="91425" lIns="91425" spcFirstLastPara="1" rIns="91425" wrap="square" tIns="91425">
+          <a:bodyPr spcFirstLastPara="1" wrap="square" lIns="91425" tIns="91425" rIns="91425" bIns="91425" anchor="t" anchorCtr="0">
             <a:noAutofit/>
           </a:bodyPr>
           <a:lstStyle/>
           <a:p>
-            <a:pPr indent="0" lvl="0" marL="0" rtl="0" algn="l">
+            <a:pPr marL="0" lvl="0" indent="0" algn="l" rtl="0">
               <a:spcBef>
                 <a:spcPts val="0"/>
               </a:spcBef>
@@ -1273,9 +1322,6 @@
               </a:spcAft>
               <a:buNone/>
             </a:pPr>
-            <a:r>
-              <a:t/>
-            </a:r>
             <a:endParaRPr/>
           </a:p>
         </p:txBody>
@@ -1289,11 +1335,11 @@
 </file>
 
 <file path=ppt/notesSlides/notesSlide7.xml><?xml version="1.0" encoding="utf-8"?>
-<p:notes xmlns:a="http://schemas.openxmlformats.org/drawingml/2006/main" xmlns:r="http://schemas.openxmlformats.org/officeDocument/2006/relationships" xmlns:mc="http://schemas.openxmlformats.org/markup-compatibility/2006" xmlns:mv="urn:schemas-microsoft-com:mac:vml" xmlns:p="http://schemas.openxmlformats.org/presentationml/2006/main" xmlns:c="http://schemas.openxmlformats.org/drawingml/2006/chart" xmlns:dgm="http://schemas.openxmlformats.org/drawingml/2006/diagram" xmlns:o="urn:schemas-microsoft-com:office:office" xmlns:v="urn:schemas-microsoft-com:vml" xmlns:pvml="urn:schemas-microsoft-com:office:powerpoint" xmlns:com="http://schemas.openxmlformats.org/drawingml/2006/compatibility" xmlns:p14="http://schemas.microsoft.com/office/powerpoint/2010/main" xmlns:p15="http://schemas.microsoft.com/office/powerpoint/2012/main" xmlns:ahyp="http://schemas.microsoft.com/office/drawing/2018/hyperlinkcolor" showMasterPhAnim="0" showMasterSp="0">
+<p:notes xmlns:a="http://schemas.openxmlformats.org/drawingml/2006/main" xmlns:r="http://schemas.openxmlformats.org/officeDocument/2006/relationships" xmlns:p="http://schemas.openxmlformats.org/presentationml/2006/main" showMasterSp="0" showMasterPhAnim="0">
   <p:cSld>
     <p:spTree>
       <p:nvGrpSpPr>
-        <p:cNvPr id="86" name="Shape 86"/>
+        <p:cNvPr id="1" name="Shape 86"/>
         <p:cNvGrpSpPr/>
         <p:nvPr/>
       </p:nvGrpSpPr>
@@ -1308,9 +1354,11 @@
       <p:sp>
         <p:nvSpPr>
           <p:cNvPr id="87" name="Google Shape;87;g243c4b6edd3_0_5:notes"/>
-          <p:cNvSpPr/>
+          <p:cNvSpPr>
+            <a:spLocks noGrp="1" noRot="1" noChangeAspect="1"/>
+          </p:cNvSpPr>
           <p:nvPr>
-            <p:ph idx="2" type="sldImg"/>
+            <p:ph type="sldImg" idx="2"/>
           </p:nvPr>
         </p:nvSpPr>
         <p:spPr>
@@ -1319,9 +1367,13 @@
             <a:ext cx="6096000" cy="3429000"/>
           </a:xfrm>
           <a:custGeom>
-            <a:rect b="b" l="l" r="r" t="t"/>
+            <a:avLst/>
+            <a:gdLst/>
+            <a:ahLst/>
+            <a:cxnLst/>
+            <a:rect l="l" t="t" r="r" b="b"/>
             <a:pathLst>
-              <a:path extrusionOk="0" h="120000" w="120000">
+              <a:path w="120000" h="120000" extrusionOk="0">
                 <a:moveTo>
                   <a:pt x="0" y="0"/>
                 </a:moveTo>
@@ -1343,9 +1395,11 @@
       <p:sp>
         <p:nvSpPr>
           <p:cNvPr id="88" name="Google Shape;88;g243c4b6edd3_0_5:notes"/>
-          <p:cNvSpPr txBox="1"/>
+          <p:cNvSpPr txBox="1">
+            <a:spLocks noGrp="1"/>
+          </p:cNvSpPr>
           <p:nvPr>
-            <p:ph idx="1" type="body"/>
+            <p:ph type="body" idx="1"/>
           </p:nvPr>
         </p:nvSpPr>
         <p:spPr>
@@ -1358,12 +1412,12 @@
           </a:prstGeom>
         </p:spPr>
         <p:txBody>
-          <a:bodyPr anchorCtr="0" anchor="t" bIns="91425" lIns="91425" spcFirstLastPara="1" rIns="91425" wrap="square" tIns="91425">
+          <a:bodyPr spcFirstLastPara="1" wrap="square" lIns="91425" tIns="91425" rIns="91425" bIns="91425" anchor="t" anchorCtr="0">
             <a:noAutofit/>
           </a:bodyPr>
           <a:lstStyle/>
           <a:p>
-            <a:pPr indent="0" lvl="0" marL="0" rtl="0" algn="l">
+            <a:pPr marL="0" lvl="0" indent="0" algn="l" rtl="0">
               <a:spcBef>
                 <a:spcPts val="0"/>
               </a:spcBef>
@@ -1372,9 +1426,6 @@
               </a:spcAft>
               <a:buNone/>
             </a:pPr>
-            <a:r>
-              <a:t/>
-            </a:r>
             <a:endParaRPr/>
           </a:p>
         </p:txBody>
@@ -1388,11 +1439,11 @@
 </file>
 
 <file path=ppt/notesSlides/notesSlide8.xml><?xml version="1.0" encoding="utf-8"?>
-<p:notes xmlns:a="http://schemas.openxmlformats.org/drawingml/2006/main" xmlns:r="http://schemas.openxmlformats.org/officeDocument/2006/relationships" xmlns:mc="http://schemas.openxmlformats.org/markup-compatibility/2006" xmlns:mv="urn:schemas-microsoft-com:mac:vml" xmlns:p="http://schemas.openxmlformats.org/presentationml/2006/main" xmlns:c="http://schemas.openxmlformats.org/drawingml/2006/chart" xmlns:dgm="http://schemas.openxmlformats.org/drawingml/2006/diagram" xmlns:o="urn:schemas-microsoft-com:office:office" xmlns:v="urn:schemas-microsoft-com:vml" xmlns:pvml="urn:schemas-microsoft-com:office:powerpoint" xmlns:com="http://schemas.openxmlformats.org/drawingml/2006/compatibility" xmlns:p14="http://schemas.microsoft.com/office/powerpoint/2010/main" xmlns:p15="http://schemas.microsoft.com/office/powerpoint/2012/main" xmlns:ahyp="http://schemas.microsoft.com/office/drawing/2018/hyperlinkcolor" showMasterPhAnim="0" showMasterSp="0">
+<p:notes xmlns:a="http://schemas.openxmlformats.org/drawingml/2006/main" xmlns:r="http://schemas.openxmlformats.org/officeDocument/2006/relationships" xmlns:p="http://schemas.openxmlformats.org/presentationml/2006/main" showMasterSp="0" showMasterPhAnim="0">
   <p:cSld>
     <p:spTree>
       <p:nvGrpSpPr>
-        <p:cNvPr id="92" name="Shape 92"/>
+        <p:cNvPr id="1" name="Shape 92"/>
         <p:cNvGrpSpPr/>
         <p:nvPr/>
       </p:nvGrpSpPr>
@@ -1407,9 +1458,11 @@
       <p:sp>
         <p:nvSpPr>
           <p:cNvPr id="93" name="Google Shape;93;g280619694fb_0_0:notes"/>
-          <p:cNvSpPr/>
+          <p:cNvSpPr>
+            <a:spLocks noGrp="1" noRot="1" noChangeAspect="1"/>
+          </p:cNvSpPr>
           <p:nvPr>
-            <p:ph idx="2" type="sldImg"/>
+            <p:ph type="sldImg" idx="2"/>
           </p:nvPr>
         </p:nvSpPr>
         <p:spPr>
@@ -1418,9 +1471,13 @@
             <a:ext cx="6096000" cy="3429000"/>
           </a:xfrm>
           <a:custGeom>
-            <a:rect b="b" l="l" r="r" t="t"/>
+            <a:avLst/>
+            <a:gdLst/>
+            <a:ahLst/>
+            <a:cxnLst/>
+            <a:rect l="l" t="t" r="r" b="b"/>
             <a:pathLst>
-              <a:path extrusionOk="0" h="120000" w="120000">
+              <a:path w="120000" h="120000" extrusionOk="0">
                 <a:moveTo>
                   <a:pt x="0" y="0"/>
                 </a:moveTo>
@@ -1442,9 +1499,11 @@
       <p:sp>
         <p:nvSpPr>
           <p:cNvPr id="94" name="Google Shape;94;g280619694fb_0_0:notes"/>
-          <p:cNvSpPr txBox="1"/>
+          <p:cNvSpPr txBox="1">
+            <a:spLocks noGrp="1"/>
+          </p:cNvSpPr>
           <p:nvPr>
-            <p:ph idx="1" type="body"/>
+            <p:ph type="body" idx="1"/>
           </p:nvPr>
         </p:nvSpPr>
         <p:spPr>
@@ -1457,12 +1516,12 @@
           </a:prstGeom>
         </p:spPr>
         <p:txBody>
-          <a:bodyPr anchorCtr="0" anchor="t" bIns="91425" lIns="91425" spcFirstLastPara="1" rIns="91425" wrap="square" tIns="91425">
+          <a:bodyPr spcFirstLastPara="1" wrap="square" lIns="91425" tIns="91425" rIns="91425" bIns="91425" anchor="t" anchorCtr="0">
             <a:noAutofit/>
           </a:bodyPr>
           <a:lstStyle/>
           <a:p>
-            <a:pPr indent="0" lvl="0" marL="0" rtl="0" algn="l">
+            <a:pPr marL="0" lvl="0" indent="0" algn="l" rtl="0">
               <a:spcBef>
                 <a:spcPts val="0"/>
               </a:spcBef>
@@ -1471,9 +1530,6 @@
               </a:spcAft>
               <a:buNone/>
             </a:pPr>
-            <a:r>
-              <a:t/>
-            </a:r>
             <a:endParaRPr/>
           </a:p>
         </p:txBody>
@@ -1487,11 +1543,11 @@
 </file>
 
 <file path=ppt/notesSlides/notesSlide9.xml><?xml version="1.0" encoding="utf-8"?>
-<p:notes xmlns:a="http://schemas.openxmlformats.org/drawingml/2006/main" xmlns:r="http://schemas.openxmlformats.org/officeDocument/2006/relationships" xmlns:mc="http://schemas.openxmlformats.org/markup-compatibility/2006" xmlns:mv="urn:schemas-microsoft-com:mac:vml" xmlns:p="http://schemas.openxmlformats.org/presentationml/2006/main" xmlns:c="http://schemas.openxmlformats.org/drawingml/2006/chart" xmlns:dgm="http://schemas.openxmlformats.org/drawingml/2006/diagram" xmlns:o="urn:schemas-microsoft-com:office:office" xmlns:v="urn:schemas-microsoft-com:vml" xmlns:pvml="urn:schemas-microsoft-com:office:powerpoint" xmlns:com="http://schemas.openxmlformats.org/drawingml/2006/compatibility" xmlns:p14="http://schemas.microsoft.com/office/powerpoint/2010/main" xmlns:p15="http://schemas.microsoft.com/office/powerpoint/2012/main" xmlns:ahyp="http://schemas.microsoft.com/office/drawing/2018/hyperlinkcolor" showMasterPhAnim="0" showMasterSp="0">
+<p:notes xmlns:a="http://schemas.openxmlformats.org/drawingml/2006/main" xmlns:r="http://schemas.openxmlformats.org/officeDocument/2006/relationships" xmlns:p="http://schemas.openxmlformats.org/presentationml/2006/main" showMasterSp="0" showMasterPhAnim="0">
   <p:cSld>
     <p:spTree>
       <p:nvGrpSpPr>
-        <p:cNvPr id="98" name="Shape 98"/>
+        <p:cNvPr id="1" name="Shape 98"/>
         <p:cNvGrpSpPr/>
         <p:nvPr/>
       </p:nvGrpSpPr>
@@ -1506,9 +1562,11 @@
       <p:sp>
         <p:nvSpPr>
           <p:cNvPr id="99" name="Google Shape;99;g2454e8de733_0_0:notes"/>
-          <p:cNvSpPr/>
+          <p:cNvSpPr>
+            <a:spLocks noGrp="1" noRot="1" noChangeAspect="1"/>
+          </p:cNvSpPr>
           <p:nvPr>
-            <p:ph idx="2" type="sldImg"/>
+            <p:ph type="sldImg" idx="2"/>
           </p:nvPr>
         </p:nvSpPr>
         <p:spPr>
@@ -1517,9 +1575,13 @@
             <a:ext cx="6096000" cy="3429000"/>
           </a:xfrm>
           <a:custGeom>
-            <a:rect b="b" l="l" r="r" t="t"/>
+            <a:avLst/>
+            <a:gdLst/>
+            <a:ahLst/>
+            <a:cxnLst/>
+            <a:rect l="l" t="t" r="r" b="b"/>
             <a:pathLst>
-              <a:path extrusionOk="0" h="120000" w="120000">
+              <a:path w="120000" h="120000" extrusionOk="0">
                 <a:moveTo>
                   <a:pt x="0" y="0"/>
                 </a:moveTo>
@@ -1541,9 +1603,11 @@
       <p:sp>
         <p:nvSpPr>
           <p:cNvPr id="100" name="Google Shape;100;g2454e8de733_0_0:notes"/>
-          <p:cNvSpPr txBox="1"/>
+          <p:cNvSpPr txBox="1">
+            <a:spLocks noGrp="1"/>
+          </p:cNvSpPr>
           <p:nvPr>
-            <p:ph idx="1" type="body"/>
+            <p:ph type="body" idx="1"/>
           </p:nvPr>
         </p:nvSpPr>
         <p:spPr>
@@ -1556,12 +1620,12 @@
           </a:prstGeom>
         </p:spPr>
         <p:txBody>
-          <a:bodyPr anchorCtr="0" anchor="t" bIns="91425" lIns="91425" spcFirstLastPara="1" rIns="91425" wrap="square" tIns="91425">
+          <a:bodyPr spcFirstLastPara="1" wrap="square" lIns="91425" tIns="91425" rIns="91425" bIns="91425" anchor="t" anchorCtr="0">
             <a:noAutofit/>
           </a:bodyPr>
           <a:lstStyle/>
           <a:p>
-            <a:pPr indent="0" lvl="0" marL="0" rtl="0" algn="l">
+            <a:pPr marL="0" lvl="0" indent="0" algn="l" rtl="0">
               <a:spcBef>
                 <a:spcPts val="0"/>
               </a:spcBef>
@@ -1570,9 +1634,6 @@
               </a:spcAft>
               <a:buNone/>
             </a:pPr>
-            <a:r>
-              <a:t/>
-            </a:r>
             <a:endParaRPr/>
           </a:p>
         </p:txBody>
@@ -1586,11 +1647,11 @@
 </file>
 
 <file path=ppt/slideLayouts/slideLayout1.xml><?xml version="1.0" encoding="utf-8"?>
-<p:sldLayout xmlns:a="http://schemas.openxmlformats.org/drawingml/2006/main" xmlns:r="http://schemas.openxmlformats.org/officeDocument/2006/relationships" xmlns:mc="http://schemas.openxmlformats.org/markup-compatibility/2006" xmlns:mv="urn:schemas-microsoft-com:mac:vml" xmlns:p="http://schemas.openxmlformats.org/presentationml/2006/main" xmlns:c="http://schemas.openxmlformats.org/drawingml/2006/chart" xmlns:dgm="http://schemas.openxmlformats.org/drawingml/2006/diagram" xmlns:o="urn:schemas-microsoft-com:office:office" xmlns:v="urn:schemas-microsoft-com:vml" xmlns:pvml="urn:schemas-microsoft-com:office:powerpoint" xmlns:com="http://schemas.openxmlformats.org/drawingml/2006/compatibility" xmlns:p14="http://schemas.microsoft.com/office/powerpoint/2010/main" xmlns:p15="http://schemas.microsoft.com/office/powerpoint/2012/main" xmlns:ahyp="http://schemas.microsoft.com/office/drawing/2018/hyperlinkcolor" matchingName="Title slide" type="title">
+<p:sldLayout xmlns:a="http://schemas.openxmlformats.org/drawingml/2006/main" xmlns:r="http://schemas.openxmlformats.org/officeDocument/2006/relationships" xmlns:p="http://schemas.openxmlformats.org/presentationml/2006/main" matchingName="Title slide" type="title">
   <p:cSld name="TITLE">
     <p:spTree>
       <p:nvGrpSpPr>
-        <p:cNvPr id="9" name="Shape 9"/>
+        <p:cNvPr id="1" name="Shape 9"/>
         <p:cNvGrpSpPr/>
         <p:nvPr/>
       </p:nvGrpSpPr>
@@ -1605,7 +1666,9 @@
       <p:sp>
         <p:nvSpPr>
           <p:cNvPr id="10" name="Google Shape;10;p2"/>
-          <p:cNvSpPr txBox="1"/>
+          <p:cNvSpPr txBox="1">
+            <a:spLocks noGrp="1"/>
+          </p:cNvSpPr>
           <p:nvPr>
             <p:ph type="ctrTitle"/>
           </p:nvPr>
@@ -1620,7 +1683,7 @@
           </a:prstGeom>
         </p:spPr>
         <p:txBody>
-          <a:bodyPr anchorCtr="0" anchor="b" bIns="91425" lIns="91425" spcFirstLastPara="1" rIns="91425" wrap="square" tIns="91425">
+          <a:bodyPr spcFirstLastPara="1" wrap="square" lIns="91425" tIns="91425" rIns="91425" bIns="91425" anchor="b" anchorCtr="0">
             <a:normAutofit/>
           </a:bodyPr>
           <a:lstStyle>
@@ -1724,15 +1787,19 @@
               <a:defRPr sz="5200"/>
             </a:lvl9pPr>
           </a:lstStyle>
-          <a:p/>
+          <a:p>
+            <a:endParaRPr/>
+          </a:p>
         </p:txBody>
       </p:sp>
       <p:sp>
         <p:nvSpPr>
           <p:cNvPr id="11" name="Google Shape;11;p2"/>
-          <p:cNvSpPr txBox="1"/>
+          <p:cNvSpPr txBox="1">
+            <a:spLocks noGrp="1"/>
+          </p:cNvSpPr>
           <p:nvPr>
-            <p:ph idx="1" type="subTitle"/>
+            <p:ph type="subTitle" idx="1"/>
           </p:nvPr>
         </p:nvSpPr>
         <p:spPr>
@@ -1745,7 +1812,7 @@
           </a:prstGeom>
         </p:spPr>
         <p:txBody>
-          <a:bodyPr anchorCtr="0" anchor="t" bIns="91425" lIns="91425" spcFirstLastPara="1" rIns="91425" wrap="square" tIns="91425">
+          <a:bodyPr spcFirstLastPara="1" wrap="square" lIns="91425" tIns="91425" rIns="91425" bIns="91425" anchor="t" anchorCtr="0">
             <a:normAutofit/>
           </a:bodyPr>
           <a:lstStyle>
@@ -1876,15 +1943,19 @@
               <a:defRPr sz="2800"/>
             </a:lvl9pPr>
           </a:lstStyle>
-          <a:p/>
+          <a:p>
+            <a:endParaRPr/>
+          </a:p>
         </p:txBody>
       </p:sp>
       <p:sp>
         <p:nvSpPr>
           <p:cNvPr id="12" name="Google Shape;12;p2"/>
-          <p:cNvSpPr txBox="1"/>
+          <p:cNvSpPr txBox="1">
+            <a:spLocks noGrp="1"/>
+          </p:cNvSpPr>
           <p:nvPr>
-            <p:ph idx="12" type="sldNum"/>
+            <p:ph type="sldNum" idx="12"/>
           </p:nvPr>
         </p:nvSpPr>
         <p:spPr>
@@ -1897,7 +1968,7 @@
           </a:prstGeom>
         </p:spPr>
         <p:txBody>
-          <a:bodyPr anchorCtr="0" anchor="ctr" bIns="91425" lIns="91425" spcFirstLastPara="1" rIns="91425" wrap="square" tIns="91425">
+          <a:bodyPr spcFirstLastPara="1" wrap="square" lIns="91425" tIns="91425" rIns="91425" bIns="91425" anchor="ctr" anchorCtr="0">
             <a:normAutofit/>
           </a:bodyPr>
           <a:lstStyle>
@@ -1939,7 +2010,7 @@
             </a:lvl9pPr>
           </a:lstStyle>
           <a:p>
-            <a:pPr indent="0" lvl="0" marL="0" rtl="0" algn="r">
+            <a:pPr marL="0" lvl="0" indent="0" algn="r" rtl="0">
               <a:spcBef>
                 <a:spcPts val="0"/>
               </a:spcBef>
@@ -1965,11 +2036,11 @@
 </file>
 
 <file path=ppt/slideLayouts/slideLayout10.xml><?xml version="1.0" encoding="utf-8"?>
-<p:sldLayout xmlns:a="http://schemas.openxmlformats.org/drawingml/2006/main" xmlns:r="http://schemas.openxmlformats.org/officeDocument/2006/relationships" xmlns:mc="http://schemas.openxmlformats.org/markup-compatibility/2006" xmlns:mv="urn:schemas-microsoft-com:mac:vml" xmlns:p="http://schemas.openxmlformats.org/presentationml/2006/main" xmlns:c="http://schemas.openxmlformats.org/drawingml/2006/chart" xmlns:dgm="http://schemas.openxmlformats.org/drawingml/2006/diagram" xmlns:o="urn:schemas-microsoft-com:office:office" xmlns:v="urn:schemas-microsoft-com:vml" xmlns:pvml="urn:schemas-microsoft-com:office:powerpoint" xmlns:com="http://schemas.openxmlformats.org/drawingml/2006/compatibility" xmlns:p14="http://schemas.microsoft.com/office/powerpoint/2010/main" xmlns:p15="http://schemas.microsoft.com/office/powerpoint/2012/main" xmlns:ahyp="http://schemas.microsoft.com/office/drawing/2018/hyperlinkcolor" matchingName="Big number">
+<p:sldLayout xmlns:a="http://schemas.openxmlformats.org/drawingml/2006/main" xmlns:r="http://schemas.openxmlformats.org/officeDocument/2006/relationships" xmlns:p="http://schemas.openxmlformats.org/presentationml/2006/main" matchingName="Big number">
   <p:cSld name="BIG_NUMBER">
     <p:spTree>
       <p:nvGrpSpPr>
-        <p:cNvPr id="44" name="Shape 44"/>
+        <p:cNvPr id="1" name="Shape 44"/>
         <p:cNvGrpSpPr/>
         <p:nvPr/>
       </p:nvGrpSpPr>
@@ -1984,9 +2055,11 @@
       <p:sp>
         <p:nvSpPr>
           <p:cNvPr id="45" name="Google Shape;45;p11"/>
-          <p:cNvSpPr txBox="1"/>
+          <p:cNvSpPr txBox="1">
+            <a:spLocks noGrp="1"/>
+          </p:cNvSpPr>
           <p:nvPr>
-            <p:ph hasCustomPrompt="1" type="title"/>
+            <p:ph type="title" hasCustomPrompt="1"/>
           </p:nvPr>
         </p:nvSpPr>
         <p:spPr>
@@ -1999,7 +2072,7 @@
           </a:prstGeom>
         </p:spPr>
         <p:txBody>
-          <a:bodyPr anchorCtr="0" anchor="b" bIns="91425" lIns="91425" spcFirstLastPara="1" rIns="91425" wrap="square" tIns="91425">
+          <a:bodyPr spcFirstLastPara="1" wrap="square" lIns="91425" tIns="91425" rIns="91425" bIns="91425" anchor="b" anchorCtr="0">
             <a:normAutofit/>
           </a:bodyPr>
           <a:lstStyle>
@@ -2113,9 +2186,11 @@
       <p:sp>
         <p:nvSpPr>
           <p:cNvPr id="46" name="Google Shape;46;p11"/>
-          <p:cNvSpPr txBox="1"/>
+          <p:cNvSpPr txBox="1">
+            <a:spLocks noGrp="1"/>
+          </p:cNvSpPr>
           <p:nvPr>
-            <p:ph idx="1" type="body"/>
+            <p:ph type="body" idx="1"/>
           </p:nvPr>
         </p:nvSpPr>
         <p:spPr>
@@ -2128,11 +2203,11 @@
           </a:prstGeom>
         </p:spPr>
         <p:txBody>
-          <a:bodyPr anchorCtr="0" anchor="t" bIns="91425" lIns="91425" spcFirstLastPara="1" rIns="91425" wrap="square" tIns="91425">
+          <a:bodyPr spcFirstLastPara="1" wrap="square" lIns="91425" tIns="91425" rIns="91425" bIns="91425" anchor="t" anchorCtr="0">
             <a:normAutofit/>
           </a:bodyPr>
           <a:lstStyle>
-            <a:lvl1pPr indent="-342900" lvl="0" marL="457200" algn="ctr">
+            <a:lvl1pPr marL="457200" lvl="0" indent="-342900" algn="ctr">
               <a:spcBef>
                 <a:spcPts val="0"/>
               </a:spcBef>
@@ -2143,7 +2218,7 @@
               <a:buChar char="●"/>
               <a:defRPr/>
             </a:lvl1pPr>
-            <a:lvl2pPr indent="-317500" lvl="1" marL="914400" algn="ctr">
+            <a:lvl2pPr marL="914400" lvl="1" indent="-317500" algn="ctr">
               <a:spcBef>
                 <a:spcPts val="0"/>
               </a:spcBef>
@@ -2154,7 +2229,7 @@
               <a:buChar char="○"/>
               <a:defRPr/>
             </a:lvl2pPr>
-            <a:lvl3pPr indent="-317500" lvl="2" marL="1371600" algn="ctr">
+            <a:lvl3pPr marL="1371600" lvl="2" indent="-317500" algn="ctr">
               <a:spcBef>
                 <a:spcPts val="0"/>
               </a:spcBef>
@@ -2165,7 +2240,7 @@
               <a:buChar char="■"/>
               <a:defRPr/>
             </a:lvl3pPr>
-            <a:lvl4pPr indent="-317500" lvl="3" marL="1828800" algn="ctr">
+            <a:lvl4pPr marL="1828800" lvl="3" indent="-317500" algn="ctr">
               <a:spcBef>
                 <a:spcPts val="0"/>
               </a:spcBef>
@@ -2176,7 +2251,7 @@
               <a:buChar char="●"/>
               <a:defRPr/>
             </a:lvl4pPr>
-            <a:lvl5pPr indent="-317500" lvl="4" marL="2286000" algn="ctr">
+            <a:lvl5pPr marL="2286000" lvl="4" indent="-317500" algn="ctr">
               <a:spcBef>
                 <a:spcPts val="0"/>
               </a:spcBef>
@@ -2187,7 +2262,7 @@
               <a:buChar char="○"/>
               <a:defRPr/>
             </a:lvl5pPr>
-            <a:lvl6pPr indent="-317500" lvl="5" marL="2743200" algn="ctr">
+            <a:lvl6pPr marL="2743200" lvl="5" indent="-317500" algn="ctr">
               <a:spcBef>
                 <a:spcPts val="0"/>
               </a:spcBef>
@@ -2198,7 +2273,7 @@
               <a:buChar char="■"/>
               <a:defRPr/>
             </a:lvl6pPr>
-            <a:lvl7pPr indent="-317500" lvl="6" marL="3200400" algn="ctr">
+            <a:lvl7pPr marL="3200400" lvl="6" indent="-317500" algn="ctr">
               <a:spcBef>
                 <a:spcPts val="0"/>
               </a:spcBef>
@@ -2209,7 +2284,7 @@
               <a:buChar char="●"/>
               <a:defRPr/>
             </a:lvl7pPr>
-            <a:lvl8pPr indent="-317500" lvl="7" marL="3657600" algn="ctr">
+            <a:lvl8pPr marL="3657600" lvl="7" indent="-317500" algn="ctr">
               <a:spcBef>
                 <a:spcPts val="0"/>
               </a:spcBef>
@@ -2220,7 +2295,7 @@
               <a:buChar char="○"/>
               <a:defRPr/>
             </a:lvl8pPr>
-            <a:lvl9pPr indent="-317500" lvl="8" marL="4114800" algn="ctr">
+            <a:lvl9pPr marL="4114800" lvl="8" indent="-317500" algn="ctr">
               <a:spcBef>
                 <a:spcPts val="0"/>
               </a:spcBef>
@@ -2232,15 +2307,19 @@
               <a:defRPr/>
             </a:lvl9pPr>
           </a:lstStyle>
-          <a:p/>
+          <a:p>
+            <a:endParaRPr/>
+          </a:p>
         </p:txBody>
       </p:sp>
       <p:sp>
         <p:nvSpPr>
           <p:cNvPr id="47" name="Google Shape;47;p11"/>
-          <p:cNvSpPr txBox="1"/>
+          <p:cNvSpPr txBox="1">
+            <a:spLocks noGrp="1"/>
+          </p:cNvSpPr>
           <p:nvPr>
-            <p:ph idx="12" type="sldNum"/>
+            <p:ph type="sldNum" idx="12"/>
           </p:nvPr>
         </p:nvSpPr>
         <p:spPr>
@@ -2253,7 +2332,7 @@
           </a:prstGeom>
         </p:spPr>
         <p:txBody>
-          <a:bodyPr anchorCtr="0" anchor="ctr" bIns="91425" lIns="91425" spcFirstLastPara="1" rIns="91425" wrap="square" tIns="91425">
+          <a:bodyPr spcFirstLastPara="1" wrap="square" lIns="91425" tIns="91425" rIns="91425" bIns="91425" anchor="ctr" anchorCtr="0">
             <a:normAutofit/>
           </a:bodyPr>
           <a:lstStyle>
@@ -2295,7 +2374,7 @@
             </a:lvl9pPr>
           </a:lstStyle>
           <a:p>
-            <a:pPr indent="0" lvl="0" marL="0" rtl="0" algn="r">
+            <a:pPr marL="0" lvl="0" indent="0" algn="r" rtl="0">
               <a:spcBef>
                 <a:spcPts val="0"/>
               </a:spcBef>
@@ -2321,11 +2400,11 @@
 </file>
 
 <file path=ppt/slideLayouts/slideLayout11.xml><?xml version="1.0" encoding="utf-8"?>
-<p:sldLayout xmlns:a="http://schemas.openxmlformats.org/drawingml/2006/main" xmlns:r="http://schemas.openxmlformats.org/officeDocument/2006/relationships" xmlns:mc="http://schemas.openxmlformats.org/markup-compatibility/2006" xmlns:mv="urn:schemas-microsoft-com:mac:vml" xmlns:p="http://schemas.openxmlformats.org/presentationml/2006/main" xmlns:c="http://schemas.openxmlformats.org/drawingml/2006/chart" xmlns:dgm="http://schemas.openxmlformats.org/drawingml/2006/diagram" xmlns:o="urn:schemas-microsoft-com:office:office" xmlns:v="urn:schemas-microsoft-com:vml" xmlns:pvml="urn:schemas-microsoft-com:office:powerpoint" xmlns:com="http://schemas.openxmlformats.org/drawingml/2006/compatibility" xmlns:p14="http://schemas.microsoft.com/office/powerpoint/2010/main" xmlns:p15="http://schemas.microsoft.com/office/powerpoint/2012/main" xmlns:ahyp="http://schemas.microsoft.com/office/drawing/2018/hyperlinkcolor" matchingName="Blank" type="blank">
+<p:sldLayout xmlns:a="http://schemas.openxmlformats.org/drawingml/2006/main" xmlns:r="http://schemas.openxmlformats.org/officeDocument/2006/relationships" xmlns:p="http://schemas.openxmlformats.org/presentationml/2006/main" matchingName="Blank" type="blank">
   <p:cSld name="BLANK">
     <p:spTree>
       <p:nvGrpSpPr>
-        <p:cNvPr id="48" name="Shape 48"/>
+        <p:cNvPr id="1" name="Shape 48"/>
         <p:cNvGrpSpPr/>
         <p:nvPr/>
       </p:nvGrpSpPr>
@@ -2340,9 +2419,11 @@
       <p:sp>
         <p:nvSpPr>
           <p:cNvPr id="49" name="Google Shape;49;p12"/>
-          <p:cNvSpPr txBox="1"/>
+          <p:cNvSpPr txBox="1">
+            <a:spLocks noGrp="1"/>
+          </p:cNvSpPr>
           <p:nvPr>
-            <p:ph idx="12" type="sldNum"/>
+            <p:ph type="sldNum" idx="12"/>
           </p:nvPr>
         </p:nvSpPr>
         <p:spPr>
@@ -2355,7 +2436,7 @@
           </a:prstGeom>
         </p:spPr>
         <p:txBody>
-          <a:bodyPr anchorCtr="0" anchor="ctr" bIns="91425" lIns="91425" spcFirstLastPara="1" rIns="91425" wrap="square" tIns="91425">
+          <a:bodyPr spcFirstLastPara="1" wrap="square" lIns="91425" tIns="91425" rIns="91425" bIns="91425" anchor="ctr" anchorCtr="0">
             <a:normAutofit/>
           </a:bodyPr>
           <a:lstStyle>
@@ -2397,7 +2478,7 @@
             </a:lvl9pPr>
           </a:lstStyle>
           <a:p>
-            <a:pPr indent="0" lvl="0" marL="0" rtl="0" algn="r">
+            <a:pPr marL="0" lvl="0" indent="0" algn="r" rtl="0">
               <a:spcBef>
                 <a:spcPts val="0"/>
               </a:spcBef>
@@ -2423,11 +2504,11 @@
 </file>
 
 <file path=ppt/slideLayouts/slideLayout2.xml><?xml version="1.0" encoding="utf-8"?>
-<p:sldLayout xmlns:a="http://schemas.openxmlformats.org/drawingml/2006/main" xmlns:r="http://schemas.openxmlformats.org/officeDocument/2006/relationships" xmlns:mc="http://schemas.openxmlformats.org/markup-compatibility/2006" xmlns:mv="urn:schemas-microsoft-com:mac:vml" xmlns:p="http://schemas.openxmlformats.org/presentationml/2006/main" xmlns:c="http://schemas.openxmlformats.org/drawingml/2006/chart" xmlns:dgm="http://schemas.openxmlformats.org/drawingml/2006/diagram" xmlns:o="urn:schemas-microsoft-com:office:office" xmlns:v="urn:schemas-microsoft-com:vml" xmlns:pvml="urn:schemas-microsoft-com:office:powerpoint" xmlns:com="http://schemas.openxmlformats.org/drawingml/2006/compatibility" xmlns:p14="http://schemas.microsoft.com/office/powerpoint/2010/main" xmlns:p15="http://schemas.microsoft.com/office/powerpoint/2012/main" xmlns:ahyp="http://schemas.microsoft.com/office/drawing/2018/hyperlinkcolor" matchingName="Section header" type="secHead">
+<p:sldLayout xmlns:a="http://schemas.openxmlformats.org/drawingml/2006/main" xmlns:r="http://schemas.openxmlformats.org/officeDocument/2006/relationships" xmlns:p="http://schemas.openxmlformats.org/presentationml/2006/main" matchingName="Section header" type="secHead">
   <p:cSld name="SECTION_HEADER">
     <p:spTree>
       <p:nvGrpSpPr>
-        <p:cNvPr id="13" name="Shape 13"/>
+        <p:cNvPr id="1" name="Shape 13"/>
         <p:cNvGrpSpPr/>
         <p:nvPr/>
       </p:nvGrpSpPr>
@@ -2442,7 +2523,9 @@
       <p:sp>
         <p:nvSpPr>
           <p:cNvPr id="14" name="Google Shape;14;p3"/>
-          <p:cNvSpPr txBox="1"/>
+          <p:cNvSpPr txBox="1">
+            <a:spLocks noGrp="1"/>
+          </p:cNvSpPr>
           <p:nvPr>
             <p:ph type="title"/>
           </p:nvPr>
@@ -2457,7 +2540,7 @@
           </a:prstGeom>
         </p:spPr>
         <p:txBody>
-          <a:bodyPr anchorCtr="0" anchor="ctr" bIns="91425" lIns="91425" spcFirstLastPara="1" rIns="91425" wrap="square" tIns="91425">
+          <a:bodyPr spcFirstLastPara="1" wrap="square" lIns="91425" tIns="91425" rIns="91425" bIns="91425" anchor="ctr" anchorCtr="0">
             <a:normAutofit/>
           </a:bodyPr>
           <a:lstStyle>
@@ -2561,15 +2644,19 @@
               <a:defRPr sz="3600"/>
             </a:lvl9pPr>
           </a:lstStyle>
-          <a:p/>
+          <a:p>
+            <a:endParaRPr/>
+          </a:p>
         </p:txBody>
       </p:sp>
       <p:sp>
         <p:nvSpPr>
           <p:cNvPr id="15" name="Google Shape;15;p3"/>
-          <p:cNvSpPr txBox="1"/>
+          <p:cNvSpPr txBox="1">
+            <a:spLocks noGrp="1"/>
+          </p:cNvSpPr>
           <p:nvPr>
-            <p:ph idx="12" type="sldNum"/>
+            <p:ph type="sldNum" idx="12"/>
           </p:nvPr>
         </p:nvSpPr>
         <p:spPr>
@@ -2582,7 +2669,7 @@
           </a:prstGeom>
         </p:spPr>
         <p:txBody>
-          <a:bodyPr anchorCtr="0" anchor="ctr" bIns="91425" lIns="91425" spcFirstLastPara="1" rIns="91425" wrap="square" tIns="91425">
+          <a:bodyPr spcFirstLastPara="1" wrap="square" lIns="91425" tIns="91425" rIns="91425" bIns="91425" anchor="ctr" anchorCtr="0">
             <a:normAutofit/>
           </a:bodyPr>
           <a:lstStyle>
@@ -2624,7 +2711,7 @@
             </a:lvl9pPr>
           </a:lstStyle>
           <a:p>
-            <a:pPr indent="0" lvl="0" marL="0" rtl="0" algn="r">
+            <a:pPr marL="0" lvl="0" indent="0" algn="r" rtl="0">
               <a:spcBef>
                 <a:spcPts val="0"/>
               </a:spcBef>
@@ -2650,11 +2737,11 @@
 </file>
 
 <file path=ppt/slideLayouts/slideLayout3.xml><?xml version="1.0" encoding="utf-8"?>
-<p:sldLayout xmlns:a="http://schemas.openxmlformats.org/drawingml/2006/main" xmlns:r="http://schemas.openxmlformats.org/officeDocument/2006/relationships" xmlns:mc="http://schemas.openxmlformats.org/markup-compatibility/2006" xmlns:mv="urn:schemas-microsoft-com:mac:vml" xmlns:p="http://schemas.openxmlformats.org/presentationml/2006/main" xmlns:c="http://schemas.openxmlformats.org/drawingml/2006/chart" xmlns:dgm="http://schemas.openxmlformats.org/drawingml/2006/diagram" xmlns:o="urn:schemas-microsoft-com:office:office" xmlns:v="urn:schemas-microsoft-com:vml" xmlns:pvml="urn:schemas-microsoft-com:office:powerpoint" xmlns:com="http://schemas.openxmlformats.org/drawingml/2006/compatibility" xmlns:p14="http://schemas.microsoft.com/office/powerpoint/2010/main" xmlns:p15="http://schemas.microsoft.com/office/powerpoint/2012/main" xmlns:ahyp="http://schemas.microsoft.com/office/drawing/2018/hyperlinkcolor" matchingName="Title and body" type="tx">
+<p:sldLayout xmlns:a="http://schemas.openxmlformats.org/drawingml/2006/main" xmlns:r="http://schemas.openxmlformats.org/officeDocument/2006/relationships" xmlns:p="http://schemas.openxmlformats.org/presentationml/2006/main" matchingName="Title and body" type="tx">
   <p:cSld name="TITLE_AND_BODY">
     <p:spTree>
       <p:nvGrpSpPr>
-        <p:cNvPr id="16" name="Shape 16"/>
+        <p:cNvPr id="1" name="Shape 16"/>
         <p:cNvGrpSpPr/>
         <p:nvPr/>
       </p:nvGrpSpPr>
@@ -2669,7 +2756,9 @@
       <p:sp>
         <p:nvSpPr>
           <p:cNvPr id="17" name="Google Shape;17;p4"/>
-          <p:cNvSpPr txBox="1"/>
+          <p:cNvSpPr txBox="1">
+            <a:spLocks noGrp="1"/>
+          </p:cNvSpPr>
           <p:nvPr>
             <p:ph type="title"/>
           </p:nvPr>
@@ -2684,7 +2773,7 @@
           </a:prstGeom>
         </p:spPr>
         <p:txBody>
-          <a:bodyPr anchorCtr="0" anchor="t" bIns="91425" lIns="91425" spcFirstLastPara="1" rIns="91425" wrap="square" tIns="91425">
+          <a:bodyPr spcFirstLastPara="1" wrap="square" lIns="91425" tIns="91425" rIns="91425" bIns="91425" anchor="t" anchorCtr="0">
             <a:normAutofit/>
           </a:bodyPr>
           <a:lstStyle>
@@ -2788,15 +2877,19 @@
               <a:defRPr/>
             </a:lvl9pPr>
           </a:lstStyle>
-          <a:p/>
+          <a:p>
+            <a:endParaRPr/>
+          </a:p>
         </p:txBody>
       </p:sp>
       <p:sp>
         <p:nvSpPr>
           <p:cNvPr id="18" name="Google Shape;18;p4"/>
-          <p:cNvSpPr txBox="1"/>
+          <p:cNvSpPr txBox="1">
+            <a:spLocks noGrp="1"/>
+          </p:cNvSpPr>
           <p:nvPr>
-            <p:ph idx="1" type="body"/>
+            <p:ph type="body" idx="1"/>
           </p:nvPr>
         </p:nvSpPr>
         <p:spPr>
@@ -2809,11 +2902,11 @@
           </a:prstGeom>
         </p:spPr>
         <p:txBody>
-          <a:bodyPr anchorCtr="0" anchor="t" bIns="91425" lIns="91425" spcFirstLastPara="1" rIns="91425" wrap="square" tIns="91425">
+          <a:bodyPr spcFirstLastPara="1" wrap="square" lIns="91425" tIns="91425" rIns="91425" bIns="91425" anchor="t" anchorCtr="0">
             <a:normAutofit/>
           </a:bodyPr>
           <a:lstStyle>
-            <a:lvl1pPr indent="-342900" lvl="0" marL="457200">
+            <a:lvl1pPr marL="457200" lvl="0" indent="-342900">
               <a:spcBef>
                 <a:spcPts val="0"/>
               </a:spcBef>
@@ -2824,7 +2917,7 @@
               <a:buChar char="●"/>
               <a:defRPr/>
             </a:lvl1pPr>
-            <a:lvl2pPr indent="-317500" lvl="1" marL="914400">
+            <a:lvl2pPr marL="914400" lvl="1" indent="-317500">
               <a:spcBef>
                 <a:spcPts val="0"/>
               </a:spcBef>
@@ -2835,7 +2928,7 @@
               <a:buChar char="○"/>
               <a:defRPr/>
             </a:lvl2pPr>
-            <a:lvl3pPr indent="-317500" lvl="2" marL="1371600">
+            <a:lvl3pPr marL="1371600" lvl="2" indent="-317500">
               <a:spcBef>
                 <a:spcPts val="0"/>
               </a:spcBef>
@@ -2846,7 +2939,7 @@
               <a:buChar char="■"/>
               <a:defRPr/>
             </a:lvl3pPr>
-            <a:lvl4pPr indent="-317500" lvl="3" marL="1828800">
+            <a:lvl4pPr marL="1828800" lvl="3" indent="-317500">
               <a:spcBef>
                 <a:spcPts val="0"/>
               </a:spcBef>
@@ -2857,7 +2950,7 @@
               <a:buChar char="●"/>
               <a:defRPr/>
             </a:lvl4pPr>
-            <a:lvl5pPr indent="-317500" lvl="4" marL="2286000">
+            <a:lvl5pPr marL="2286000" lvl="4" indent="-317500">
               <a:spcBef>
                 <a:spcPts val="0"/>
               </a:spcBef>
@@ -2868,7 +2961,7 @@
               <a:buChar char="○"/>
               <a:defRPr/>
             </a:lvl5pPr>
-            <a:lvl6pPr indent="-317500" lvl="5" marL="2743200">
+            <a:lvl6pPr marL="2743200" lvl="5" indent="-317500">
               <a:spcBef>
                 <a:spcPts val="0"/>
               </a:spcBef>
@@ -2879,7 +2972,7 @@
               <a:buChar char="■"/>
               <a:defRPr/>
             </a:lvl6pPr>
-            <a:lvl7pPr indent="-317500" lvl="6" marL="3200400">
+            <a:lvl7pPr marL="3200400" lvl="6" indent="-317500">
               <a:spcBef>
                 <a:spcPts val="0"/>
               </a:spcBef>
@@ -2890,7 +2983,7 @@
               <a:buChar char="●"/>
               <a:defRPr/>
             </a:lvl7pPr>
-            <a:lvl8pPr indent="-317500" lvl="7" marL="3657600">
+            <a:lvl8pPr marL="3657600" lvl="7" indent="-317500">
               <a:spcBef>
                 <a:spcPts val="0"/>
               </a:spcBef>
@@ -2901,7 +2994,7 @@
               <a:buChar char="○"/>
               <a:defRPr/>
             </a:lvl8pPr>
-            <a:lvl9pPr indent="-317500" lvl="8" marL="4114800">
+            <a:lvl9pPr marL="4114800" lvl="8" indent="-317500">
               <a:spcBef>
                 <a:spcPts val="0"/>
               </a:spcBef>
@@ -2913,15 +3006,19 @@
               <a:defRPr/>
             </a:lvl9pPr>
           </a:lstStyle>
-          <a:p/>
+          <a:p>
+            <a:endParaRPr/>
+          </a:p>
         </p:txBody>
       </p:sp>
       <p:sp>
         <p:nvSpPr>
           <p:cNvPr id="19" name="Google Shape;19;p4"/>
-          <p:cNvSpPr txBox="1"/>
+          <p:cNvSpPr txBox="1">
+            <a:spLocks noGrp="1"/>
+          </p:cNvSpPr>
           <p:nvPr>
-            <p:ph idx="12" type="sldNum"/>
+            <p:ph type="sldNum" idx="12"/>
           </p:nvPr>
         </p:nvSpPr>
         <p:spPr>
@@ -2934,7 +3031,7 @@
           </a:prstGeom>
         </p:spPr>
         <p:txBody>
-          <a:bodyPr anchorCtr="0" anchor="ctr" bIns="91425" lIns="91425" spcFirstLastPara="1" rIns="91425" wrap="square" tIns="91425">
+          <a:bodyPr spcFirstLastPara="1" wrap="square" lIns="91425" tIns="91425" rIns="91425" bIns="91425" anchor="ctr" anchorCtr="0">
             <a:normAutofit/>
           </a:bodyPr>
           <a:lstStyle>
@@ -2976,7 +3073,7 @@
             </a:lvl9pPr>
           </a:lstStyle>
           <a:p>
-            <a:pPr indent="0" lvl="0" marL="0" rtl="0" algn="r">
+            <a:pPr marL="0" lvl="0" indent="0" algn="r" rtl="0">
               <a:spcBef>
                 <a:spcPts val="0"/>
               </a:spcBef>
@@ -3002,11 +3099,11 @@
 </file>
 
 <file path=ppt/slideLayouts/slideLayout4.xml><?xml version="1.0" encoding="utf-8"?>
-<p:sldLayout xmlns:a="http://schemas.openxmlformats.org/drawingml/2006/main" xmlns:r="http://schemas.openxmlformats.org/officeDocument/2006/relationships" xmlns:mc="http://schemas.openxmlformats.org/markup-compatibility/2006" xmlns:mv="urn:schemas-microsoft-com:mac:vml" xmlns:p="http://schemas.openxmlformats.org/presentationml/2006/main" xmlns:c="http://schemas.openxmlformats.org/drawingml/2006/chart" xmlns:dgm="http://schemas.openxmlformats.org/drawingml/2006/diagram" xmlns:o="urn:schemas-microsoft-com:office:office" xmlns:v="urn:schemas-microsoft-com:vml" xmlns:pvml="urn:schemas-microsoft-com:office:powerpoint" xmlns:com="http://schemas.openxmlformats.org/drawingml/2006/compatibility" xmlns:p14="http://schemas.microsoft.com/office/powerpoint/2010/main" xmlns:p15="http://schemas.microsoft.com/office/powerpoint/2012/main" xmlns:ahyp="http://schemas.microsoft.com/office/drawing/2018/hyperlinkcolor" matchingName="Title and two columns" type="twoColTx">
+<p:sldLayout xmlns:a="http://schemas.openxmlformats.org/drawingml/2006/main" xmlns:r="http://schemas.openxmlformats.org/officeDocument/2006/relationships" xmlns:p="http://schemas.openxmlformats.org/presentationml/2006/main" matchingName="Title and two columns" type="twoColTx">
   <p:cSld name="TITLE_AND_TWO_COLUMNS">
     <p:spTree>
       <p:nvGrpSpPr>
-        <p:cNvPr id="20" name="Shape 20"/>
+        <p:cNvPr id="1" name="Shape 20"/>
         <p:cNvGrpSpPr/>
         <p:nvPr/>
       </p:nvGrpSpPr>
@@ -3021,7 +3118,9 @@
       <p:sp>
         <p:nvSpPr>
           <p:cNvPr id="21" name="Google Shape;21;p5"/>
-          <p:cNvSpPr txBox="1"/>
+          <p:cNvSpPr txBox="1">
+            <a:spLocks noGrp="1"/>
+          </p:cNvSpPr>
           <p:nvPr>
             <p:ph type="title"/>
           </p:nvPr>
@@ -3036,7 +3135,7 @@
           </a:prstGeom>
         </p:spPr>
         <p:txBody>
-          <a:bodyPr anchorCtr="0" anchor="t" bIns="91425" lIns="91425" spcFirstLastPara="1" rIns="91425" wrap="square" tIns="91425">
+          <a:bodyPr spcFirstLastPara="1" wrap="square" lIns="91425" tIns="91425" rIns="91425" bIns="91425" anchor="t" anchorCtr="0">
             <a:normAutofit/>
           </a:bodyPr>
           <a:lstStyle>
@@ -3140,15 +3239,19 @@
               <a:defRPr/>
             </a:lvl9pPr>
           </a:lstStyle>
-          <a:p/>
+          <a:p>
+            <a:endParaRPr/>
+          </a:p>
         </p:txBody>
       </p:sp>
       <p:sp>
         <p:nvSpPr>
           <p:cNvPr id="22" name="Google Shape;22;p5"/>
-          <p:cNvSpPr txBox="1"/>
+          <p:cNvSpPr txBox="1">
+            <a:spLocks noGrp="1"/>
+          </p:cNvSpPr>
           <p:nvPr>
-            <p:ph idx="1" type="body"/>
+            <p:ph type="body" idx="1"/>
           </p:nvPr>
         </p:nvSpPr>
         <p:spPr>
@@ -3161,11 +3264,11 @@
           </a:prstGeom>
         </p:spPr>
         <p:txBody>
-          <a:bodyPr anchorCtr="0" anchor="t" bIns="91425" lIns="91425" spcFirstLastPara="1" rIns="91425" wrap="square" tIns="91425">
+          <a:bodyPr spcFirstLastPara="1" wrap="square" lIns="91425" tIns="91425" rIns="91425" bIns="91425" anchor="t" anchorCtr="0">
             <a:normAutofit/>
           </a:bodyPr>
           <a:lstStyle>
-            <a:lvl1pPr indent="-317500" lvl="0" marL="457200">
+            <a:lvl1pPr marL="457200" lvl="0" indent="-317500">
               <a:spcBef>
                 <a:spcPts val="0"/>
               </a:spcBef>
@@ -3176,7 +3279,7 @@
               <a:buChar char="●"/>
               <a:defRPr sz="1400"/>
             </a:lvl1pPr>
-            <a:lvl2pPr indent="-304800" lvl="1" marL="914400">
+            <a:lvl2pPr marL="914400" lvl="1" indent="-304800">
               <a:spcBef>
                 <a:spcPts val="0"/>
               </a:spcBef>
@@ -3187,7 +3290,7 @@
               <a:buChar char="○"/>
               <a:defRPr sz="1200"/>
             </a:lvl2pPr>
-            <a:lvl3pPr indent="-304800" lvl="2" marL="1371600">
+            <a:lvl3pPr marL="1371600" lvl="2" indent="-304800">
               <a:spcBef>
                 <a:spcPts val="0"/>
               </a:spcBef>
@@ -3198,7 +3301,7 @@
               <a:buChar char="■"/>
               <a:defRPr sz="1200"/>
             </a:lvl3pPr>
-            <a:lvl4pPr indent="-304800" lvl="3" marL="1828800">
+            <a:lvl4pPr marL="1828800" lvl="3" indent="-304800">
               <a:spcBef>
                 <a:spcPts val="0"/>
               </a:spcBef>
@@ -3209,7 +3312,7 @@
               <a:buChar char="●"/>
               <a:defRPr sz="1200"/>
             </a:lvl4pPr>
-            <a:lvl5pPr indent="-304800" lvl="4" marL="2286000">
+            <a:lvl5pPr marL="2286000" lvl="4" indent="-304800">
               <a:spcBef>
                 <a:spcPts val="0"/>
               </a:spcBef>
@@ -3220,7 +3323,7 @@
               <a:buChar char="○"/>
               <a:defRPr sz="1200"/>
             </a:lvl5pPr>
-            <a:lvl6pPr indent="-304800" lvl="5" marL="2743200">
+            <a:lvl6pPr marL="2743200" lvl="5" indent="-304800">
               <a:spcBef>
                 <a:spcPts val="0"/>
               </a:spcBef>
@@ -3231,7 +3334,7 @@
               <a:buChar char="■"/>
               <a:defRPr sz="1200"/>
             </a:lvl6pPr>
-            <a:lvl7pPr indent="-304800" lvl="6" marL="3200400">
+            <a:lvl7pPr marL="3200400" lvl="6" indent="-304800">
               <a:spcBef>
                 <a:spcPts val="0"/>
               </a:spcBef>
@@ -3242,7 +3345,7 @@
               <a:buChar char="●"/>
               <a:defRPr sz="1200"/>
             </a:lvl7pPr>
-            <a:lvl8pPr indent="-304800" lvl="7" marL="3657600">
+            <a:lvl8pPr marL="3657600" lvl="7" indent="-304800">
               <a:spcBef>
                 <a:spcPts val="0"/>
               </a:spcBef>
@@ -3253,7 +3356,7 @@
               <a:buChar char="○"/>
               <a:defRPr sz="1200"/>
             </a:lvl8pPr>
-            <a:lvl9pPr indent="-304800" lvl="8" marL="4114800">
+            <a:lvl9pPr marL="4114800" lvl="8" indent="-304800">
               <a:spcBef>
                 <a:spcPts val="0"/>
               </a:spcBef>
@@ -3265,15 +3368,19 @@
               <a:defRPr sz="1200"/>
             </a:lvl9pPr>
           </a:lstStyle>
-          <a:p/>
+          <a:p>
+            <a:endParaRPr/>
+          </a:p>
         </p:txBody>
       </p:sp>
       <p:sp>
         <p:nvSpPr>
           <p:cNvPr id="23" name="Google Shape;23;p5"/>
-          <p:cNvSpPr txBox="1"/>
+          <p:cNvSpPr txBox="1">
+            <a:spLocks noGrp="1"/>
+          </p:cNvSpPr>
           <p:nvPr>
-            <p:ph idx="2" type="body"/>
+            <p:ph type="body" idx="2"/>
           </p:nvPr>
         </p:nvSpPr>
         <p:spPr>
@@ -3286,11 +3393,11 @@
           </a:prstGeom>
         </p:spPr>
         <p:txBody>
-          <a:bodyPr anchorCtr="0" anchor="t" bIns="91425" lIns="91425" spcFirstLastPara="1" rIns="91425" wrap="square" tIns="91425">
+          <a:bodyPr spcFirstLastPara="1" wrap="square" lIns="91425" tIns="91425" rIns="91425" bIns="91425" anchor="t" anchorCtr="0">
             <a:normAutofit/>
           </a:bodyPr>
           <a:lstStyle>
-            <a:lvl1pPr indent="-317500" lvl="0" marL="457200">
+            <a:lvl1pPr marL="457200" lvl="0" indent="-317500">
               <a:spcBef>
                 <a:spcPts val="0"/>
               </a:spcBef>
@@ -3301,7 +3408,7 @@
               <a:buChar char="●"/>
               <a:defRPr sz="1400"/>
             </a:lvl1pPr>
-            <a:lvl2pPr indent="-304800" lvl="1" marL="914400">
+            <a:lvl2pPr marL="914400" lvl="1" indent="-304800">
               <a:spcBef>
                 <a:spcPts val="0"/>
               </a:spcBef>
@@ -3312,7 +3419,7 @@
               <a:buChar char="○"/>
               <a:defRPr sz="1200"/>
             </a:lvl2pPr>
-            <a:lvl3pPr indent="-304800" lvl="2" marL="1371600">
+            <a:lvl3pPr marL="1371600" lvl="2" indent="-304800">
               <a:spcBef>
                 <a:spcPts val="0"/>
               </a:spcBef>
@@ -3323,7 +3430,7 @@
               <a:buChar char="■"/>
               <a:defRPr sz="1200"/>
             </a:lvl3pPr>
-            <a:lvl4pPr indent="-304800" lvl="3" marL="1828800">
+            <a:lvl4pPr marL="1828800" lvl="3" indent="-304800">
               <a:spcBef>
                 <a:spcPts val="0"/>
               </a:spcBef>
@@ -3334,7 +3441,7 @@
               <a:buChar char="●"/>
               <a:defRPr sz="1200"/>
             </a:lvl4pPr>
-            <a:lvl5pPr indent="-304800" lvl="4" marL="2286000">
+            <a:lvl5pPr marL="2286000" lvl="4" indent="-304800">
               <a:spcBef>
                 <a:spcPts val="0"/>
               </a:spcBef>
@@ -3345,7 +3452,7 @@
               <a:buChar char="○"/>
               <a:defRPr sz="1200"/>
             </a:lvl5pPr>
-            <a:lvl6pPr indent="-304800" lvl="5" marL="2743200">
+            <a:lvl6pPr marL="2743200" lvl="5" indent="-304800">
               <a:spcBef>
                 <a:spcPts val="0"/>
               </a:spcBef>
@@ -3356,7 +3463,7 @@
               <a:buChar char="■"/>
               <a:defRPr sz="1200"/>
             </a:lvl6pPr>
-            <a:lvl7pPr indent="-304800" lvl="6" marL="3200400">
+            <a:lvl7pPr marL="3200400" lvl="6" indent="-304800">
               <a:spcBef>
                 <a:spcPts val="0"/>
               </a:spcBef>
@@ -3367,7 +3474,7 @@
               <a:buChar char="●"/>
               <a:defRPr sz="1200"/>
             </a:lvl7pPr>
-            <a:lvl8pPr indent="-304800" lvl="7" marL="3657600">
+            <a:lvl8pPr marL="3657600" lvl="7" indent="-304800">
               <a:spcBef>
                 <a:spcPts val="0"/>
               </a:spcBef>
@@ -3378,7 +3485,7 @@
               <a:buChar char="○"/>
               <a:defRPr sz="1200"/>
             </a:lvl8pPr>
-            <a:lvl9pPr indent="-304800" lvl="8" marL="4114800">
+            <a:lvl9pPr marL="4114800" lvl="8" indent="-304800">
               <a:spcBef>
                 <a:spcPts val="0"/>
               </a:spcBef>
@@ -3390,15 +3497,19 @@
               <a:defRPr sz="1200"/>
             </a:lvl9pPr>
           </a:lstStyle>
-          <a:p/>
+          <a:p>
+            <a:endParaRPr/>
+          </a:p>
         </p:txBody>
       </p:sp>
       <p:sp>
         <p:nvSpPr>
           <p:cNvPr id="24" name="Google Shape;24;p5"/>
-          <p:cNvSpPr txBox="1"/>
+          <p:cNvSpPr txBox="1">
+            <a:spLocks noGrp="1"/>
+          </p:cNvSpPr>
           <p:nvPr>
-            <p:ph idx="12" type="sldNum"/>
+            <p:ph type="sldNum" idx="12"/>
           </p:nvPr>
         </p:nvSpPr>
         <p:spPr>
@@ -3411,7 +3522,7 @@
           </a:prstGeom>
         </p:spPr>
         <p:txBody>
-          <a:bodyPr anchorCtr="0" anchor="ctr" bIns="91425" lIns="91425" spcFirstLastPara="1" rIns="91425" wrap="square" tIns="91425">
+          <a:bodyPr spcFirstLastPara="1" wrap="square" lIns="91425" tIns="91425" rIns="91425" bIns="91425" anchor="ctr" anchorCtr="0">
             <a:normAutofit/>
           </a:bodyPr>
           <a:lstStyle>
@@ -3453,7 +3564,7 @@
             </a:lvl9pPr>
           </a:lstStyle>
           <a:p>
-            <a:pPr indent="0" lvl="0" marL="0" rtl="0" algn="r">
+            <a:pPr marL="0" lvl="0" indent="0" algn="r" rtl="0">
               <a:spcBef>
                 <a:spcPts val="0"/>
               </a:spcBef>
@@ -3479,11 +3590,11 @@
 </file>
 
 <file path=ppt/slideLayouts/slideLayout5.xml><?xml version="1.0" encoding="utf-8"?>
-<p:sldLayout xmlns:a="http://schemas.openxmlformats.org/drawingml/2006/main" xmlns:r="http://schemas.openxmlformats.org/officeDocument/2006/relationships" xmlns:mc="http://schemas.openxmlformats.org/markup-compatibility/2006" xmlns:mv="urn:schemas-microsoft-com:mac:vml" xmlns:p="http://schemas.openxmlformats.org/presentationml/2006/main" xmlns:c="http://schemas.openxmlformats.org/drawingml/2006/chart" xmlns:dgm="http://schemas.openxmlformats.org/drawingml/2006/diagram" xmlns:o="urn:schemas-microsoft-com:office:office" xmlns:v="urn:schemas-microsoft-com:vml" xmlns:pvml="urn:schemas-microsoft-com:office:powerpoint" xmlns:com="http://schemas.openxmlformats.org/drawingml/2006/compatibility" xmlns:p14="http://schemas.microsoft.com/office/powerpoint/2010/main" xmlns:p15="http://schemas.microsoft.com/office/powerpoint/2012/main" xmlns:ahyp="http://schemas.microsoft.com/office/drawing/2018/hyperlinkcolor" matchingName="Title only" type="titleOnly">
+<p:sldLayout xmlns:a="http://schemas.openxmlformats.org/drawingml/2006/main" xmlns:r="http://schemas.openxmlformats.org/officeDocument/2006/relationships" xmlns:p="http://schemas.openxmlformats.org/presentationml/2006/main" matchingName="Title only" type="titleOnly">
   <p:cSld name="TITLE_ONLY">
     <p:spTree>
       <p:nvGrpSpPr>
-        <p:cNvPr id="25" name="Shape 25"/>
+        <p:cNvPr id="1" name="Shape 25"/>
         <p:cNvGrpSpPr/>
         <p:nvPr/>
       </p:nvGrpSpPr>
@@ -3498,7 +3609,9 @@
       <p:sp>
         <p:nvSpPr>
           <p:cNvPr id="26" name="Google Shape;26;p6"/>
-          <p:cNvSpPr txBox="1"/>
+          <p:cNvSpPr txBox="1">
+            <a:spLocks noGrp="1"/>
+          </p:cNvSpPr>
           <p:nvPr>
             <p:ph type="title"/>
           </p:nvPr>
@@ -3513,7 +3626,7 @@
           </a:prstGeom>
         </p:spPr>
         <p:txBody>
-          <a:bodyPr anchorCtr="0" anchor="t" bIns="91425" lIns="91425" spcFirstLastPara="1" rIns="91425" wrap="square" tIns="91425">
+          <a:bodyPr spcFirstLastPara="1" wrap="square" lIns="91425" tIns="91425" rIns="91425" bIns="91425" anchor="t" anchorCtr="0">
             <a:normAutofit/>
           </a:bodyPr>
           <a:lstStyle>
@@ -3617,15 +3730,19 @@
               <a:defRPr/>
             </a:lvl9pPr>
           </a:lstStyle>
-          <a:p/>
+          <a:p>
+            <a:endParaRPr/>
+          </a:p>
         </p:txBody>
       </p:sp>
       <p:sp>
         <p:nvSpPr>
           <p:cNvPr id="27" name="Google Shape;27;p6"/>
-          <p:cNvSpPr txBox="1"/>
+          <p:cNvSpPr txBox="1">
+            <a:spLocks noGrp="1"/>
+          </p:cNvSpPr>
           <p:nvPr>
-            <p:ph idx="12" type="sldNum"/>
+            <p:ph type="sldNum" idx="12"/>
           </p:nvPr>
         </p:nvSpPr>
         <p:spPr>
@@ -3638,7 +3755,7 @@
           </a:prstGeom>
         </p:spPr>
         <p:txBody>
-          <a:bodyPr anchorCtr="0" anchor="ctr" bIns="91425" lIns="91425" spcFirstLastPara="1" rIns="91425" wrap="square" tIns="91425">
+          <a:bodyPr spcFirstLastPara="1" wrap="square" lIns="91425" tIns="91425" rIns="91425" bIns="91425" anchor="ctr" anchorCtr="0">
             <a:normAutofit/>
           </a:bodyPr>
           <a:lstStyle>
@@ -3680,7 +3797,7 @@
             </a:lvl9pPr>
           </a:lstStyle>
           <a:p>
-            <a:pPr indent="0" lvl="0" marL="0" rtl="0" algn="r">
+            <a:pPr marL="0" lvl="0" indent="0" algn="r" rtl="0">
               <a:spcBef>
                 <a:spcPts val="0"/>
               </a:spcBef>
@@ -3706,11 +3823,11 @@
 </file>
 
 <file path=ppt/slideLayouts/slideLayout6.xml><?xml version="1.0" encoding="utf-8"?>
-<p:sldLayout xmlns:a="http://schemas.openxmlformats.org/drawingml/2006/main" xmlns:r="http://schemas.openxmlformats.org/officeDocument/2006/relationships" xmlns:mc="http://schemas.openxmlformats.org/markup-compatibility/2006" xmlns:mv="urn:schemas-microsoft-com:mac:vml" xmlns:p="http://schemas.openxmlformats.org/presentationml/2006/main" xmlns:c="http://schemas.openxmlformats.org/drawingml/2006/chart" xmlns:dgm="http://schemas.openxmlformats.org/drawingml/2006/diagram" xmlns:o="urn:schemas-microsoft-com:office:office" xmlns:v="urn:schemas-microsoft-com:vml" xmlns:pvml="urn:schemas-microsoft-com:office:powerpoint" xmlns:com="http://schemas.openxmlformats.org/drawingml/2006/compatibility" xmlns:p14="http://schemas.microsoft.com/office/powerpoint/2010/main" xmlns:p15="http://schemas.microsoft.com/office/powerpoint/2012/main" xmlns:ahyp="http://schemas.microsoft.com/office/drawing/2018/hyperlinkcolor" matchingName="One column text">
+<p:sldLayout xmlns:a="http://schemas.openxmlformats.org/drawingml/2006/main" xmlns:r="http://schemas.openxmlformats.org/officeDocument/2006/relationships" xmlns:p="http://schemas.openxmlformats.org/presentationml/2006/main" matchingName="One column text">
   <p:cSld name="ONE_COLUMN_TEXT">
     <p:spTree>
       <p:nvGrpSpPr>
-        <p:cNvPr id="28" name="Shape 28"/>
+        <p:cNvPr id="1" name="Shape 28"/>
         <p:cNvGrpSpPr/>
         <p:nvPr/>
       </p:nvGrpSpPr>
@@ -3725,7 +3842,9 @@
       <p:sp>
         <p:nvSpPr>
           <p:cNvPr id="29" name="Google Shape;29;p7"/>
-          <p:cNvSpPr txBox="1"/>
+          <p:cNvSpPr txBox="1">
+            <a:spLocks noGrp="1"/>
+          </p:cNvSpPr>
           <p:nvPr>
             <p:ph type="title"/>
           </p:nvPr>
@@ -3740,7 +3859,7 @@
           </a:prstGeom>
         </p:spPr>
         <p:txBody>
-          <a:bodyPr anchorCtr="0" anchor="b" bIns="91425" lIns="91425" spcFirstLastPara="1" rIns="91425" wrap="square" tIns="91425">
+          <a:bodyPr spcFirstLastPara="1" wrap="square" lIns="91425" tIns="91425" rIns="91425" bIns="91425" anchor="b" anchorCtr="0">
             <a:normAutofit/>
           </a:bodyPr>
           <a:lstStyle>
@@ -3844,15 +3963,19 @@
               <a:defRPr sz="2400"/>
             </a:lvl9pPr>
           </a:lstStyle>
-          <a:p/>
+          <a:p>
+            <a:endParaRPr/>
+          </a:p>
         </p:txBody>
       </p:sp>
       <p:sp>
         <p:nvSpPr>
           <p:cNvPr id="30" name="Google Shape;30;p7"/>
-          <p:cNvSpPr txBox="1"/>
+          <p:cNvSpPr txBox="1">
+            <a:spLocks noGrp="1"/>
+          </p:cNvSpPr>
           <p:nvPr>
-            <p:ph idx="1" type="body"/>
+            <p:ph type="body" idx="1"/>
           </p:nvPr>
         </p:nvSpPr>
         <p:spPr>
@@ -3865,11 +3988,11 @@
           </a:prstGeom>
         </p:spPr>
         <p:txBody>
-          <a:bodyPr anchorCtr="0" anchor="t" bIns="91425" lIns="91425" spcFirstLastPara="1" rIns="91425" wrap="square" tIns="91425">
+          <a:bodyPr spcFirstLastPara="1" wrap="square" lIns="91425" tIns="91425" rIns="91425" bIns="91425" anchor="t" anchorCtr="0">
             <a:normAutofit/>
           </a:bodyPr>
           <a:lstStyle>
-            <a:lvl1pPr indent="-304800" lvl="0" marL="457200">
+            <a:lvl1pPr marL="457200" lvl="0" indent="-304800">
               <a:spcBef>
                 <a:spcPts val="0"/>
               </a:spcBef>
@@ -3880,7 +4003,7 @@
               <a:buChar char="●"/>
               <a:defRPr sz="1200"/>
             </a:lvl1pPr>
-            <a:lvl2pPr indent="-304800" lvl="1" marL="914400">
+            <a:lvl2pPr marL="914400" lvl="1" indent="-304800">
               <a:spcBef>
                 <a:spcPts val="0"/>
               </a:spcBef>
@@ -3891,7 +4014,7 @@
               <a:buChar char="○"/>
               <a:defRPr sz="1200"/>
             </a:lvl2pPr>
-            <a:lvl3pPr indent="-304800" lvl="2" marL="1371600">
+            <a:lvl3pPr marL="1371600" lvl="2" indent="-304800">
               <a:spcBef>
                 <a:spcPts val="0"/>
               </a:spcBef>
@@ -3902,7 +4025,7 @@
               <a:buChar char="■"/>
               <a:defRPr sz="1200"/>
             </a:lvl3pPr>
-            <a:lvl4pPr indent="-304800" lvl="3" marL="1828800">
+            <a:lvl4pPr marL="1828800" lvl="3" indent="-304800">
               <a:spcBef>
                 <a:spcPts val="0"/>
               </a:spcBef>
@@ -3913,7 +4036,7 @@
               <a:buChar char="●"/>
               <a:defRPr sz="1200"/>
             </a:lvl4pPr>
-            <a:lvl5pPr indent="-304800" lvl="4" marL="2286000">
+            <a:lvl5pPr marL="2286000" lvl="4" indent="-304800">
               <a:spcBef>
                 <a:spcPts val="0"/>
               </a:spcBef>
@@ -3924,7 +4047,7 @@
               <a:buChar char="○"/>
               <a:defRPr sz="1200"/>
             </a:lvl5pPr>
-            <a:lvl6pPr indent="-304800" lvl="5" marL="2743200">
+            <a:lvl6pPr marL="2743200" lvl="5" indent="-304800">
               <a:spcBef>
                 <a:spcPts val="0"/>
               </a:spcBef>
@@ -3935,7 +4058,7 @@
               <a:buChar char="■"/>
               <a:defRPr sz="1200"/>
             </a:lvl6pPr>
-            <a:lvl7pPr indent="-304800" lvl="6" marL="3200400">
+            <a:lvl7pPr marL="3200400" lvl="6" indent="-304800">
               <a:spcBef>
                 <a:spcPts val="0"/>
               </a:spcBef>
@@ -3946,7 +4069,7 @@
               <a:buChar char="●"/>
               <a:defRPr sz="1200"/>
             </a:lvl7pPr>
-            <a:lvl8pPr indent="-304800" lvl="7" marL="3657600">
+            <a:lvl8pPr marL="3657600" lvl="7" indent="-304800">
               <a:spcBef>
                 <a:spcPts val="0"/>
               </a:spcBef>
@@ -3957,7 +4080,7 @@
               <a:buChar char="○"/>
               <a:defRPr sz="1200"/>
             </a:lvl8pPr>
-            <a:lvl9pPr indent="-304800" lvl="8" marL="4114800">
+            <a:lvl9pPr marL="4114800" lvl="8" indent="-304800">
               <a:spcBef>
                 <a:spcPts val="0"/>
               </a:spcBef>
@@ -3969,15 +4092,19 @@
               <a:defRPr sz="1200"/>
             </a:lvl9pPr>
           </a:lstStyle>
-          <a:p/>
+          <a:p>
+            <a:endParaRPr/>
+          </a:p>
         </p:txBody>
       </p:sp>
       <p:sp>
         <p:nvSpPr>
           <p:cNvPr id="31" name="Google Shape;31;p7"/>
-          <p:cNvSpPr txBox="1"/>
+          <p:cNvSpPr txBox="1">
+            <a:spLocks noGrp="1"/>
+          </p:cNvSpPr>
           <p:nvPr>
-            <p:ph idx="12" type="sldNum"/>
+            <p:ph type="sldNum" idx="12"/>
           </p:nvPr>
         </p:nvSpPr>
         <p:spPr>
@@ -3990,7 +4117,7 @@
           </a:prstGeom>
         </p:spPr>
         <p:txBody>
-          <a:bodyPr anchorCtr="0" anchor="ctr" bIns="91425" lIns="91425" spcFirstLastPara="1" rIns="91425" wrap="square" tIns="91425">
+          <a:bodyPr spcFirstLastPara="1" wrap="square" lIns="91425" tIns="91425" rIns="91425" bIns="91425" anchor="ctr" anchorCtr="0">
             <a:normAutofit/>
           </a:bodyPr>
           <a:lstStyle>
@@ -4032,7 +4159,7 @@
             </a:lvl9pPr>
           </a:lstStyle>
           <a:p>
-            <a:pPr indent="0" lvl="0" marL="0" rtl="0" algn="r">
+            <a:pPr marL="0" lvl="0" indent="0" algn="r" rtl="0">
               <a:spcBef>
                 <a:spcPts val="0"/>
               </a:spcBef>
@@ -4058,11 +4185,11 @@
 </file>
 
 <file path=ppt/slideLayouts/slideLayout7.xml><?xml version="1.0" encoding="utf-8"?>
-<p:sldLayout xmlns:a="http://schemas.openxmlformats.org/drawingml/2006/main" xmlns:r="http://schemas.openxmlformats.org/officeDocument/2006/relationships" xmlns:mc="http://schemas.openxmlformats.org/markup-compatibility/2006" xmlns:mv="urn:schemas-microsoft-com:mac:vml" xmlns:p="http://schemas.openxmlformats.org/presentationml/2006/main" xmlns:c="http://schemas.openxmlformats.org/drawingml/2006/chart" xmlns:dgm="http://schemas.openxmlformats.org/drawingml/2006/diagram" xmlns:o="urn:schemas-microsoft-com:office:office" xmlns:v="urn:schemas-microsoft-com:vml" xmlns:pvml="urn:schemas-microsoft-com:office:powerpoint" xmlns:com="http://schemas.openxmlformats.org/drawingml/2006/compatibility" xmlns:p14="http://schemas.microsoft.com/office/powerpoint/2010/main" xmlns:p15="http://schemas.microsoft.com/office/powerpoint/2012/main" xmlns:ahyp="http://schemas.microsoft.com/office/drawing/2018/hyperlinkcolor" matchingName="Main point">
+<p:sldLayout xmlns:a="http://schemas.openxmlformats.org/drawingml/2006/main" xmlns:r="http://schemas.openxmlformats.org/officeDocument/2006/relationships" xmlns:p="http://schemas.openxmlformats.org/presentationml/2006/main" matchingName="Main point">
   <p:cSld name="MAIN_POINT">
     <p:spTree>
       <p:nvGrpSpPr>
-        <p:cNvPr id="32" name="Shape 32"/>
+        <p:cNvPr id="1" name="Shape 32"/>
         <p:cNvGrpSpPr/>
         <p:nvPr/>
       </p:nvGrpSpPr>
@@ -4077,7 +4204,9 @@
       <p:sp>
         <p:nvSpPr>
           <p:cNvPr id="33" name="Google Shape;33;p8"/>
-          <p:cNvSpPr txBox="1"/>
+          <p:cNvSpPr txBox="1">
+            <a:spLocks noGrp="1"/>
+          </p:cNvSpPr>
           <p:nvPr>
             <p:ph type="title"/>
           </p:nvPr>
@@ -4092,7 +4221,7 @@
           </a:prstGeom>
         </p:spPr>
         <p:txBody>
-          <a:bodyPr anchorCtr="0" anchor="ctr" bIns="91425" lIns="91425" spcFirstLastPara="1" rIns="91425" wrap="square" tIns="91425">
+          <a:bodyPr spcFirstLastPara="1" wrap="square" lIns="91425" tIns="91425" rIns="91425" bIns="91425" anchor="ctr" anchorCtr="0">
             <a:normAutofit/>
           </a:bodyPr>
           <a:lstStyle>
@@ -4196,15 +4325,19 @@
               <a:defRPr sz="4800"/>
             </a:lvl9pPr>
           </a:lstStyle>
-          <a:p/>
+          <a:p>
+            <a:endParaRPr/>
+          </a:p>
         </p:txBody>
       </p:sp>
       <p:sp>
         <p:nvSpPr>
           <p:cNvPr id="34" name="Google Shape;34;p8"/>
-          <p:cNvSpPr txBox="1"/>
+          <p:cNvSpPr txBox="1">
+            <a:spLocks noGrp="1"/>
+          </p:cNvSpPr>
           <p:nvPr>
-            <p:ph idx="12" type="sldNum"/>
+            <p:ph type="sldNum" idx="12"/>
           </p:nvPr>
         </p:nvSpPr>
         <p:spPr>
@@ -4217,7 +4350,7 @@
           </a:prstGeom>
         </p:spPr>
         <p:txBody>
-          <a:bodyPr anchorCtr="0" anchor="ctr" bIns="91425" lIns="91425" spcFirstLastPara="1" rIns="91425" wrap="square" tIns="91425">
+          <a:bodyPr spcFirstLastPara="1" wrap="square" lIns="91425" tIns="91425" rIns="91425" bIns="91425" anchor="ctr" anchorCtr="0">
             <a:normAutofit/>
           </a:bodyPr>
           <a:lstStyle>
@@ -4259,7 +4392,7 @@
             </a:lvl9pPr>
           </a:lstStyle>
           <a:p>
-            <a:pPr indent="0" lvl="0" marL="0" rtl="0" algn="r">
+            <a:pPr marL="0" lvl="0" indent="0" algn="r" rtl="0">
               <a:spcBef>
                 <a:spcPts val="0"/>
               </a:spcBef>
@@ -4285,11 +4418,11 @@
 </file>
 
 <file path=ppt/slideLayouts/slideLayout8.xml><?xml version="1.0" encoding="utf-8"?>
-<p:sldLayout xmlns:a="http://schemas.openxmlformats.org/drawingml/2006/main" xmlns:r="http://schemas.openxmlformats.org/officeDocument/2006/relationships" xmlns:mc="http://schemas.openxmlformats.org/markup-compatibility/2006" xmlns:mv="urn:schemas-microsoft-com:mac:vml" xmlns:p="http://schemas.openxmlformats.org/presentationml/2006/main" xmlns:c="http://schemas.openxmlformats.org/drawingml/2006/chart" xmlns:dgm="http://schemas.openxmlformats.org/drawingml/2006/diagram" xmlns:o="urn:schemas-microsoft-com:office:office" xmlns:v="urn:schemas-microsoft-com:vml" xmlns:pvml="urn:schemas-microsoft-com:office:powerpoint" xmlns:com="http://schemas.openxmlformats.org/drawingml/2006/compatibility" xmlns:p14="http://schemas.microsoft.com/office/powerpoint/2010/main" xmlns:p15="http://schemas.microsoft.com/office/powerpoint/2012/main" xmlns:ahyp="http://schemas.microsoft.com/office/drawing/2018/hyperlinkcolor" matchingName="Section title and description">
+<p:sldLayout xmlns:a="http://schemas.openxmlformats.org/drawingml/2006/main" xmlns:r="http://schemas.openxmlformats.org/officeDocument/2006/relationships" xmlns:p="http://schemas.openxmlformats.org/presentationml/2006/main" matchingName="Section title and description">
   <p:cSld name="SECTION_TITLE_AND_DESCRIPTION">
     <p:spTree>
       <p:nvGrpSpPr>
-        <p:cNvPr id="35" name="Shape 35"/>
+        <p:cNvPr id="1" name="Shape 35"/>
         <p:cNvGrpSpPr/>
         <p:nvPr/>
       </p:nvGrpSpPr>
@@ -4323,12 +4456,12 @@
           </a:ln>
         </p:spPr>
         <p:txBody>
-          <a:bodyPr anchorCtr="0" anchor="ctr" bIns="91425" lIns="91425" spcFirstLastPara="1" rIns="91425" wrap="square" tIns="91425">
+          <a:bodyPr spcFirstLastPara="1" wrap="square" lIns="91425" tIns="91425" rIns="91425" bIns="91425" anchor="ctr" anchorCtr="0">
             <a:noAutofit/>
           </a:bodyPr>
           <a:lstStyle/>
           <a:p>
-            <a:pPr indent="0" lvl="0" marL="0" rtl="0" algn="l">
+            <a:pPr marL="0" lvl="0" indent="0" algn="l" rtl="0">
               <a:spcBef>
                 <a:spcPts val="0"/>
               </a:spcBef>
@@ -4337,9 +4470,6 @@
               </a:spcAft>
               <a:buNone/>
             </a:pPr>
-            <a:r>
-              <a:t/>
-            </a:r>
             <a:endParaRPr/>
           </a:p>
         </p:txBody>
@@ -4347,7 +4477,9 @@
       <p:sp>
         <p:nvSpPr>
           <p:cNvPr id="37" name="Google Shape;37;p9"/>
-          <p:cNvSpPr txBox="1"/>
+          <p:cNvSpPr txBox="1">
+            <a:spLocks noGrp="1"/>
+          </p:cNvSpPr>
           <p:nvPr>
             <p:ph type="title"/>
           </p:nvPr>
@@ -4362,7 +4494,7 @@
           </a:prstGeom>
         </p:spPr>
         <p:txBody>
-          <a:bodyPr anchorCtr="0" anchor="b" bIns="91425" lIns="91425" spcFirstLastPara="1" rIns="91425" wrap="square" tIns="91425">
+          <a:bodyPr spcFirstLastPara="1" wrap="square" lIns="91425" tIns="91425" rIns="91425" bIns="91425" anchor="b" anchorCtr="0">
             <a:normAutofit/>
           </a:bodyPr>
           <a:lstStyle>
@@ -4466,15 +4598,19 @@
               <a:defRPr sz="4200"/>
             </a:lvl9pPr>
           </a:lstStyle>
-          <a:p/>
+          <a:p>
+            <a:endParaRPr/>
+          </a:p>
         </p:txBody>
       </p:sp>
       <p:sp>
         <p:nvSpPr>
           <p:cNvPr id="38" name="Google Shape;38;p9"/>
-          <p:cNvSpPr txBox="1"/>
+          <p:cNvSpPr txBox="1">
+            <a:spLocks noGrp="1"/>
+          </p:cNvSpPr>
           <p:nvPr>
-            <p:ph idx="1" type="subTitle"/>
+            <p:ph type="subTitle" idx="1"/>
           </p:nvPr>
         </p:nvSpPr>
         <p:spPr>
@@ -4487,7 +4623,7 @@
           </a:prstGeom>
         </p:spPr>
         <p:txBody>
-          <a:bodyPr anchorCtr="0" anchor="t" bIns="91425" lIns="91425" spcFirstLastPara="1" rIns="91425" wrap="square" tIns="91425">
+          <a:bodyPr spcFirstLastPara="1" wrap="square" lIns="91425" tIns="91425" rIns="91425" bIns="91425" anchor="t" anchorCtr="0">
             <a:normAutofit/>
           </a:bodyPr>
           <a:lstStyle>
@@ -4618,15 +4754,19 @@
               <a:defRPr sz="2100"/>
             </a:lvl9pPr>
           </a:lstStyle>
-          <a:p/>
+          <a:p>
+            <a:endParaRPr/>
+          </a:p>
         </p:txBody>
       </p:sp>
       <p:sp>
         <p:nvSpPr>
           <p:cNvPr id="39" name="Google Shape;39;p9"/>
-          <p:cNvSpPr txBox="1"/>
+          <p:cNvSpPr txBox="1">
+            <a:spLocks noGrp="1"/>
+          </p:cNvSpPr>
           <p:nvPr>
-            <p:ph idx="2" type="body"/>
+            <p:ph type="body" idx="2"/>
           </p:nvPr>
         </p:nvSpPr>
         <p:spPr>
@@ -4639,11 +4779,11 @@
           </a:prstGeom>
         </p:spPr>
         <p:txBody>
-          <a:bodyPr anchorCtr="0" anchor="ctr" bIns="91425" lIns="91425" spcFirstLastPara="1" rIns="91425" wrap="square" tIns="91425">
+          <a:bodyPr spcFirstLastPara="1" wrap="square" lIns="91425" tIns="91425" rIns="91425" bIns="91425" anchor="ctr" anchorCtr="0">
             <a:normAutofit/>
           </a:bodyPr>
           <a:lstStyle>
-            <a:lvl1pPr indent="-342900" lvl="0" marL="457200">
+            <a:lvl1pPr marL="457200" lvl="0" indent="-342900">
               <a:spcBef>
                 <a:spcPts val="0"/>
               </a:spcBef>
@@ -4654,7 +4794,7 @@
               <a:buChar char="●"/>
               <a:defRPr/>
             </a:lvl1pPr>
-            <a:lvl2pPr indent="-317500" lvl="1" marL="914400">
+            <a:lvl2pPr marL="914400" lvl="1" indent="-317500">
               <a:spcBef>
                 <a:spcPts val="0"/>
               </a:spcBef>
@@ -4665,7 +4805,7 @@
               <a:buChar char="○"/>
               <a:defRPr/>
             </a:lvl2pPr>
-            <a:lvl3pPr indent="-317500" lvl="2" marL="1371600">
+            <a:lvl3pPr marL="1371600" lvl="2" indent="-317500">
               <a:spcBef>
                 <a:spcPts val="0"/>
               </a:spcBef>
@@ -4676,7 +4816,7 @@
               <a:buChar char="■"/>
               <a:defRPr/>
             </a:lvl3pPr>
-            <a:lvl4pPr indent="-317500" lvl="3" marL="1828800">
+            <a:lvl4pPr marL="1828800" lvl="3" indent="-317500">
               <a:spcBef>
                 <a:spcPts val="0"/>
               </a:spcBef>
@@ -4687,7 +4827,7 @@
               <a:buChar char="●"/>
               <a:defRPr/>
             </a:lvl4pPr>
-            <a:lvl5pPr indent="-317500" lvl="4" marL="2286000">
+            <a:lvl5pPr marL="2286000" lvl="4" indent="-317500">
               <a:spcBef>
                 <a:spcPts val="0"/>
               </a:spcBef>
@@ -4698,7 +4838,7 @@
               <a:buChar char="○"/>
               <a:defRPr/>
             </a:lvl5pPr>
-            <a:lvl6pPr indent="-317500" lvl="5" marL="2743200">
+            <a:lvl6pPr marL="2743200" lvl="5" indent="-317500">
               <a:spcBef>
                 <a:spcPts val="0"/>
               </a:spcBef>
@@ -4709,7 +4849,7 @@
               <a:buChar char="■"/>
               <a:defRPr/>
             </a:lvl6pPr>
-            <a:lvl7pPr indent="-317500" lvl="6" marL="3200400">
+            <a:lvl7pPr marL="3200400" lvl="6" indent="-317500">
               <a:spcBef>
                 <a:spcPts val="0"/>
               </a:spcBef>
@@ -4720,7 +4860,7 @@
               <a:buChar char="●"/>
               <a:defRPr/>
             </a:lvl7pPr>
-            <a:lvl8pPr indent="-317500" lvl="7" marL="3657600">
+            <a:lvl8pPr marL="3657600" lvl="7" indent="-317500">
               <a:spcBef>
                 <a:spcPts val="0"/>
               </a:spcBef>
@@ -4731,7 +4871,7 @@
               <a:buChar char="○"/>
               <a:defRPr/>
             </a:lvl8pPr>
-            <a:lvl9pPr indent="-317500" lvl="8" marL="4114800">
+            <a:lvl9pPr marL="4114800" lvl="8" indent="-317500">
               <a:spcBef>
                 <a:spcPts val="0"/>
               </a:spcBef>
@@ -4743,15 +4883,19 @@
               <a:defRPr/>
             </a:lvl9pPr>
           </a:lstStyle>
-          <a:p/>
+          <a:p>
+            <a:endParaRPr/>
+          </a:p>
         </p:txBody>
       </p:sp>
       <p:sp>
         <p:nvSpPr>
           <p:cNvPr id="40" name="Google Shape;40;p9"/>
-          <p:cNvSpPr txBox="1"/>
+          <p:cNvSpPr txBox="1">
+            <a:spLocks noGrp="1"/>
+          </p:cNvSpPr>
           <p:nvPr>
-            <p:ph idx="12" type="sldNum"/>
+            <p:ph type="sldNum" idx="12"/>
           </p:nvPr>
         </p:nvSpPr>
         <p:spPr>
@@ -4764,7 +4908,7 @@
           </a:prstGeom>
         </p:spPr>
         <p:txBody>
-          <a:bodyPr anchorCtr="0" anchor="ctr" bIns="91425" lIns="91425" spcFirstLastPara="1" rIns="91425" wrap="square" tIns="91425">
+          <a:bodyPr spcFirstLastPara="1" wrap="square" lIns="91425" tIns="91425" rIns="91425" bIns="91425" anchor="ctr" anchorCtr="0">
             <a:normAutofit/>
           </a:bodyPr>
           <a:lstStyle>
@@ -4806,7 +4950,7 @@
             </a:lvl9pPr>
           </a:lstStyle>
           <a:p>
-            <a:pPr indent="0" lvl="0" marL="0" rtl="0" algn="r">
+            <a:pPr marL="0" lvl="0" indent="0" algn="r" rtl="0">
               <a:spcBef>
                 <a:spcPts val="0"/>
               </a:spcBef>
@@ -4832,11 +4976,11 @@
 </file>
 
 <file path=ppt/slideLayouts/slideLayout9.xml><?xml version="1.0" encoding="utf-8"?>
-<p:sldLayout xmlns:a="http://schemas.openxmlformats.org/drawingml/2006/main" xmlns:r="http://schemas.openxmlformats.org/officeDocument/2006/relationships" xmlns:mc="http://schemas.openxmlformats.org/markup-compatibility/2006" xmlns:mv="urn:schemas-microsoft-com:mac:vml" xmlns:p="http://schemas.openxmlformats.org/presentationml/2006/main" xmlns:c="http://schemas.openxmlformats.org/drawingml/2006/chart" xmlns:dgm="http://schemas.openxmlformats.org/drawingml/2006/diagram" xmlns:o="urn:schemas-microsoft-com:office:office" xmlns:v="urn:schemas-microsoft-com:vml" xmlns:pvml="urn:schemas-microsoft-com:office:powerpoint" xmlns:com="http://schemas.openxmlformats.org/drawingml/2006/compatibility" xmlns:p14="http://schemas.microsoft.com/office/powerpoint/2010/main" xmlns:p15="http://schemas.microsoft.com/office/powerpoint/2012/main" xmlns:ahyp="http://schemas.microsoft.com/office/drawing/2018/hyperlinkcolor" matchingName="Caption">
+<p:sldLayout xmlns:a="http://schemas.openxmlformats.org/drawingml/2006/main" xmlns:r="http://schemas.openxmlformats.org/officeDocument/2006/relationships" xmlns:p="http://schemas.openxmlformats.org/presentationml/2006/main" matchingName="Caption">
   <p:cSld name="CAPTION_ONLY">
     <p:spTree>
       <p:nvGrpSpPr>
-        <p:cNvPr id="41" name="Shape 41"/>
+        <p:cNvPr id="1" name="Shape 41"/>
         <p:cNvGrpSpPr/>
         <p:nvPr/>
       </p:nvGrpSpPr>
@@ -4851,9 +4995,11 @@
       <p:sp>
         <p:nvSpPr>
           <p:cNvPr id="42" name="Google Shape;42;p10"/>
-          <p:cNvSpPr txBox="1"/>
+          <p:cNvSpPr txBox="1">
+            <a:spLocks noGrp="1"/>
+          </p:cNvSpPr>
           <p:nvPr>
-            <p:ph idx="1" type="body"/>
+            <p:ph type="body" idx="1"/>
           </p:nvPr>
         </p:nvSpPr>
         <p:spPr>
@@ -4866,11 +5012,11 @@
           </a:prstGeom>
         </p:spPr>
         <p:txBody>
-          <a:bodyPr anchorCtr="0" anchor="ctr" bIns="91425" lIns="91425" spcFirstLastPara="1" rIns="91425" wrap="square" tIns="91425">
+          <a:bodyPr spcFirstLastPara="1" wrap="square" lIns="91425" tIns="91425" rIns="91425" bIns="91425" anchor="ctr" anchorCtr="0">
             <a:normAutofit/>
           </a:bodyPr>
           <a:lstStyle>
-            <a:lvl1pPr indent="-228600" lvl="0" marL="457200">
+            <a:lvl1pPr marL="457200" lvl="0" indent="-228600">
               <a:lnSpc>
                 <a:spcPct val="100000"/>
               </a:lnSpc>
@@ -4885,15 +5031,19 @@
               <a:defRPr/>
             </a:lvl1pPr>
           </a:lstStyle>
-          <a:p/>
+          <a:p>
+            <a:endParaRPr/>
+          </a:p>
         </p:txBody>
       </p:sp>
       <p:sp>
         <p:nvSpPr>
           <p:cNvPr id="43" name="Google Shape;43;p10"/>
-          <p:cNvSpPr txBox="1"/>
+          <p:cNvSpPr txBox="1">
+            <a:spLocks noGrp="1"/>
+          </p:cNvSpPr>
           <p:nvPr>
-            <p:ph idx="12" type="sldNum"/>
+            <p:ph type="sldNum" idx="12"/>
           </p:nvPr>
         </p:nvSpPr>
         <p:spPr>
@@ -4906,7 +5056,7 @@
           </a:prstGeom>
         </p:spPr>
         <p:txBody>
-          <a:bodyPr anchorCtr="0" anchor="ctr" bIns="91425" lIns="91425" spcFirstLastPara="1" rIns="91425" wrap="square" tIns="91425">
+          <a:bodyPr spcFirstLastPara="1" wrap="square" lIns="91425" tIns="91425" rIns="91425" bIns="91425" anchor="ctr" anchorCtr="0">
             <a:normAutofit/>
           </a:bodyPr>
           <a:lstStyle>
@@ -4948,7 +5098,7 @@
             </a:lvl9pPr>
           </a:lstStyle>
           <a:p>
-            <a:pPr indent="0" lvl="0" marL="0" rtl="0" algn="r">
+            <a:pPr marL="0" lvl="0" indent="0" algn="r" rtl="0">
               <a:spcBef>
                 <a:spcPts val="0"/>
               </a:spcBef>
@@ -4974,18 +5124,19 @@
 </file>
 
 <file path=ppt/slideMasters/slideMaster1.xml><?xml version="1.0" encoding="utf-8"?>
-<p:sldMaster xmlns:a="http://schemas.openxmlformats.org/drawingml/2006/main" xmlns:r="http://schemas.openxmlformats.org/officeDocument/2006/relationships" xmlns:mc="http://schemas.openxmlformats.org/markup-compatibility/2006" xmlns:mv="urn:schemas-microsoft-com:mac:vml" xmlns:p="http://schemas.openxmlformats.org/presentationml/2006/main" xmlns:c="http://schemas.openxmlformats.org/drawingml/2006/chart" xmlns:dgm="http://schemas.openxmlformats.org/drawingml/2006/diagram" xmlns:o="urn:schemas-microsoft-com:office:office" xmlns:v="urn:schemas-microsoft-com:vml" xmlns:pvml="urn:schemas-microsoft-com:office:powerpoint" xmlns:com="http://schemas.openxmlformats.org/drawingml/2006/compatibility" xmlns:p14="http://schemas.microsoft.com/office/powerpoint/2010/main" xmlns:p15="http://schemas.microsoft.com/office/powerpoint/2012/main" xmlns:ahyp="http://schemas.microsoft.com/office/drawing/2018/hyperlinkcolor">
+<p:sldMaster xmlns:a="http://schemas.openxmlformats.org/drawingml/2006/main" xmlns:r="http://schemas.openxmlformats.org/officeDocument/2006/relationships" xmlns:p="http://schemas.openxmlformats.org/presentationml/2006/main">
   <p:cSld name="simple-light-2">
     <p:bg>
       <p:bgPr>
         <a:solidFill>
           <a:schemeClr val="lt1"/>
         </a:solidFill>
+        <a:effectLst/>
       </p:bgPr>
     </p:bg>
     <p:spTree>
       <p:nvGrpSpPr>
-        <p:cNvPr id="5" name="Shape 5"/>
+        <p:cNvPr id="1" name="Shape 5"/>
         <p:cNvGrpSpPr/>
         <p:nvPr/>
       </p:nvGrpSpPr>
@@ -5000,7 +5151,9 @@
       <p:sp>
         <p:nvSpPr>
           <p:cNvPr id="6" name="Google Shape;6;p1"/>
-          <p:cNvSpPr txBox="1"/>
+          <p:cNvSpPr txBox="1">
+            <a:spLocks noGrp="1"/>
+          </p:cNvSpPr>
           <p:nvPr>
             <p:ph type="title"/>
           </p:nvPr>
@@ -5019,7 +5172,7 @@
           </a:ln>
         </p:spPr>
         <p:txBody>
-          <a:bodyPr anchorCtr="0" anchor="t" bIns="91425" lIns="91425" spcFirstLastPara="1" rIns="91425" wrap="square" tIns="91425">
+          <a:bodyPr spcFirstLastPara="1" wrap="square" lIns="91425" tIns="91425" rIns="91425" bIns="91425" anchor="t" anchorCtr="0">
             <a:normAutofit/>
           </a:bodyPr>
           <a:lstStyle>
@@ -5186,15 +5339,19 @@
               </a:defRPr>
             </a:lvl9pPr>
           </a:lstStyle>
-          <a:p/>
+          <a:p>
+            <a:endParaRPr/>
+          </a:p>
         </p:txBody>
       </p:sp>
       <p:sp>
         <p:nvSpPr>
           <p:cNvPr id="7" name="Google Shape;7;p1"/>
-          <p:cNvSpPr txBox="1"/>
+          <p:cNvSpPr txBox="1">
+            <a:spLocks noGrp="1"/>
+          </p:cNvSpPr>
           <p:nvPr>
-            <p:ph idx="1" type="body"/>
+            <p:ph type="body" idx="1"/>
           </p:nvPr>
         </p:nvSpPr>
         <p:spPr>
@@ -5211,11 +5368,11 @@
           </a:ln>
         </p:spPr>
         <p:txBody>
-          <a:bodyPr anchorCtr="0" anchor="t" bIns="91425" lIns="91425" spcFirstLastPara="1" rIns="91425" wrap="square" tIns="91425">
+          <a:bodyPr spcFirstLastPara="1" wrap="square" lIns="91425" tIns="91425" rIns="91425" bIns="91425" anchor="t" anchorCtr="0">
             <a:normAutofit/>
           </a:bodyPr>
           <a:lstStyle>
-            <a:lvl1pPr indent="-342900" lvl="0" marL="457200">
+            <a:lvl1pPr marL="457200" lvl="0" indent="-342900">
               <a:lnSpc>
                 <a:spcPct val="115000"/>
               </a:lnSpc>
@@ -5236,7 +5393,7 @@
                 </a:solidFill>
               </a:defRPr>
             </a:lvl1pPr>
-            <a:lvl2pPr indent="-317500" lvl="1" marL="914400">
+            <a:lvl2pPr marL="914400" lvl="1" indent="-317500">
               <a:lnSpc>
                 <a:spcPct val="115000"/>
               </a:lnSpc>
@@ -5257,7 +5414,7 @@
                 </a:solidFill>
               </a:defRPr>
             </a:lvl2pPr>
-            <a:lvl3pPr indent="-317500" lvl="2" marL="1371600">
+            <a:lvl3pPr marL="1371600" lvl="2" indent="-317500">
               <a:lnSpc>
                 <a:spcPct val="115000"/>
               </a:lnSpc>
@@ -5278,7 +5435,7 @@
                 </a:solidFill>
               </a:defRPr>
             </a:lvl3pPr>
-            <a:lvl4pPr indent="-317500" lvl="3" marL="1828800">
+            <a:lvl4pPr marL="1828800" lvl="3" indent="-317500">
               <a:lnSpc>
                 <a:spcPct val="115000"/>
               </a:lnSpc>
@@ -5299,7 +5456,7 @@
                 </a:solidFill>
               </a:defRPr>
             </a:lvl4pPr>
-            <a:lvl5pPr indent="-317500" lvl="4" marL="2286000">
+            <a:lvl5pPr marL="2286000" lvl="4" indent="-317500">
               <a:lnSpc>
                 <a:spcPct val="115000"/>
               </a:lnSpc>
@@ -5320,7 +5477,7 @@
                 </a:solidFill>
               </a:defRPr>
             </a:lvl5pPr>
-            <a:lvl6pPr indent="-317500" lvl="5" marL="2743200">
+            <a:lvl6pPr marL="2743200" lvl="5" indent="-317500">
               <a:lnSpc>
                 <a:spcPct val="115000"/>
               </a:lnSpc>
@@ -5341,7 +5498,7 @@
                 </a:solidFill>
               </a:defRPr>
             </a:lvl6pPr>
-            <a:lvl7pPr indent="-317500" lvl="6" marL="3200400">
+            <a:lvl7pPr marL="3200400" lvl="6" indent="-317500">
               <a:lnSpc>
                 <a:spcPct val="115000"/>
               </a:lnSpc>
@@ -5362,7 +5519,7 @@
                 </a:solidFill>
               </a:defRPr>
             </a:lvl7pPr>
-            <a:lvl8pPr indent="-317500" lvl="7" marL="3657600">
+            <a:lvl8pPr marL="3657600" lvl="7" indent="-317500">
               <a:lnSpc>
                 <a:spcPct val="115000"/>
               </a:lnSpc>
@@ -5383,7 +5540,7 @@
                 </a:solidFill>
               </a:defRPr>
             </a:lvl8pPr>
-            <a:lvl9pPr indent="-317500" lvl="8" marL="4114800">
+            <a:lvl9pPr marL="4114800" lvl="8" indent="-317500">
               <a:lnSpc>
                 <a:spcPct val="115000"/>
               </a:lnSpc>
@@ -5405,15 +5562,19 @@
               </a:defRPr>
             </a:lvl9pPr>
           </a:lstStyle>
-          <a:p/>
+          <a:p>
+            <a:endParaRPr/>
+          </a:p>
         </p:txBody>
       </p:sp>
       <p:sp>
         <p:nvSpPr>
           <p:cNvPr id="8" name="Google Shape;8;p1"/>
-          <p:cNvSpPr txBox="1"/>
+          <p:cNvSpPr txBox="1">
+            <a:spLocks noGrp="1"/>
+          </p:cNvSpPr>
           <p:nvPr>
-            <p:ph idx="12" type="sldNum"/>
+            <p:ph type="sldNum" idx="12"/>
           </p:nvPr>
         </p:nvSpPr>
         <p:spPr>
@@ -5430,7 +5591,7 @@
           </a:ln>
         </p:spPr>
         <p:txBody>
-          <a:bodyPr anchorCtr="0" anchor="ctr" bIns="91425" lIns="91425" spcFirstLastPara="1" rIns="91425" wrap="square" tIns="91425">
+          <a:bodyPr spcFirstLastPara="1" wrap="square" lIns="91425" tIns="91425" rIns="91425" bIns="91425" anchor="ctr" anchorCtr="0">
             <a:normAutofit/>
           </a:bodyPr>
           <a:lstStyle>
@@ -5508,7 +5669,7 @@
             </a:lvl9pPr>
           </a:lstStyle>
           <a:p>
-            <a:pPr indent="0" lvl="0" marL="0" rtl="0" algn="r">
+            <a:pPr marL="0" lvl="0" indent="0" algn="r" rtl="0">
               <a:spcBef>
                 <a:spcPts val="0"/>
               </a:spcBef>
@@ -5527,7 +5688,7 @@
       </p:sp>
     </p:spTree>
   </p:cSld>
-  <p:clrMap accent1="accent1" accent2="accent2" accent3="accent3" accent4="accent4" accent5="accent5" accent6="accent6" bg1="lt1" bg2="dk2" tx1="dk1" tx2="lt2" folHlink="folHlink" hlink="hlink"/>
+  <p:clrMap bg1="lt1" tx1="dk1" bg2="dk2" tx2="lt2" accent1="accent1" accent2="accent2" accent3="accent3" accent4="accent4" accent5="accent5" accent6="accent6" hlink="hlink" folHlink="folHlink"/>
   <p:sldLayoutIdLst>
     <p:sldLayoutId id="2147483648" r:id="rId1"/>
     <p:sldLayoutId id="2147483649" r:id="rId2"/>
@@ -5541,10 +5702,10 @@
     <p:sldLayoutId id="2147483657" r:id="rId10"/>
     <p:sldLayoutId id="2147483658" r:id="rId11"/>
   </p:sldLayoutIdLst>
-  <p:hf dt="0" ftr="0" hdr="0" sldNum="0"/>
+  <p:hf sldNum="0" hdr="0" ftr="0" dt="0"/>
   <p:txStyles>
     <p:titleStyle>
-      <a:defPPr lvl="0" marR="0" rtl="0" algn="l">
+      <a:defPPr marR="0" lvl="0" algn="l" rtl="0">
         <a:lnSpc>
           <a:spcPct val="100000"/>
         </a:lnSpc>
@@ -5555,7 +5716,7 @@
           <a:spcPts val="0"/>
         </a:spcAft>
       </a:defPPr>
-      <a:lvl1pPr lvl="0" marR="0" rtl="0" algn="l">
+      <a:lvl1pPr marR="0" lvl="0" algn="l" rtl="0">
         <a:lnSpc>
           <a:spcPct val="100000"/>
         </a:lnSpc>
@@ -5569,7 +5730,7 @@
           <a:srgbClr val="000000"/>
         </a:buClr>
         <a:buFont typeface="Arial"/>
-        <a:defRPr b="0" i="0" sz="1400" u="none" cap="none" strike="noStrike">
+        <a:defRPr sz="1400" b="0" i="0" u="none" strike="noStrike" cap="none">
           <a:solidFill>
             <a:srgbClr val="000000"/>
           </a:solidFill>
@@ -5579,7 +5740,7 @@
           <a:sym typeface="Arial"/>
         </a:defRPr>
       </a:lvl1pPr>
-      <a:lvl2pPr lvl="1" marR="0" rtl="0" algn="l">
+      <a:lvl2pPr marR="0" lvl="1" algn="l" rtl="0">
         <a:lnSpc>
           <a:spcPct val="100000"/>
         </a:lnSpc>
@@ -5593,7 +5754,7 @@
           <a:srgbClr val="000000"/>
         </a:buClr>
         <a:buFont typeface="Arial"/>
-        <a:defRPr b="0" i="0" sz="1400" u="none" cap="none" strike="noStrike">
+        <a:defRPr sz="1400" b="0" i="0" u="none" strike="noStrike" cap="none">
           <a:solidFill>
             <a:srgbClr val="000000"/>
           </a:solidFill>
@@ -5603,7 +5764,7 @@
           <a:sym typeface="Arial"/>
         </a:defRPr>
       </a:lvl2pPr>
-      <a:lvl3pPr lvl="2" marR="0" rtl="0" algn="l">
+      <a:lvl3pPr marR="0" lvl="2" algn="l" rtl="0">
         <a:lnSpc>
           <a:spcPct val="100000"/>
         </a:lnSpc>
@@ -5617,7 +5778,7 @@
           <a:srgbClr val="000000"/>
         </a:buClr>
         <a:buFont typeface="Arial"/>
-        <a:defRPr b="0" i="0" sz="1400" u="none" cap="none" strike="noStrike">
+        <a:defRPr sz="1400" b="0" i="0" u="none" strike="noStrike" cap="none">
           <a:solidFill>
             <a:srgbClr val="000000"/>
           </a:solidFill>
@@ -5627,7 +5788,7 @@
           <a:sym typeface="Arial"/>
         </a:defRPr>
       </a:lvl3pPr>
-      <a:lvl4pPr lvl="3" marR="0" rtl="0" algn="l">
+      <a:lvl4pPr marR="0" lvl="3" algn="l" rtl="0">
         <a:lnSpc>
           <a:spcPct val="100000"/>
         </a:lnSpc>
@@ -5641,7 +5802,7 @@
           <a:srgbClr val="000000"/>
         </a:buClr>
         <a:buFont typeface="Arial"/>
-        <a:defRPr b="0" i="0" sz="1400" u="none" cap="none" strike="noStrike">
+        <a:defRPr sz="1400" b="0" i="0" u="none" strike="noStrike" cap="none">
           <a:solidFill>
             <a:srgbClr val="000000"/>
           </a:solidFill>
@@ -5651,7 +5812,7 @@
           <a:sym typeface="Arial"/>
         </a:defRPr>
       </a:lvl4pPr>
-      <a:lvl5pPr lvl="4" marR="0" rtl="0" algn="l">
+      <a:lvl5pPr marR="0" lvl="4" algn="l" rtl="0">
         <a:lnSpc>
           <a:spcPct val="100000"/>
         </a:lnSpc>
@@ -5665,7 +5826,7 @@
           <a:srgbClr val="000000"/>
         </a:buClr>
         <a:buFont typeface="Arial"/>
-        <a:defRPr b="0" i="0" sz="1400" u="none" cap="none" strike="noStrike">
+        <a:defRPr sz="1400" b="0" i="0" u="none" strike="noStrike" cap="none">
           <a:solidFill>
             <a:srgbClr val="000000"/>
           </a:solidFill>
@@ -5675,7 +5836,7 @@
           <a:sym typeface="Arial"/>
         </a:defRPr>
       </a:lvl5pPr>
-      <a:lvl6pPr lvl="5" marR="0" rtl="0" algn="l">
+      <a:lvl6pPr marR="0" lvl="5" algn="l" rtl="0">
         <a:lnSpc>
           <a:spcPct val="100000"/>
         </a:lnSpc>
@@ -5689,7 +5850,7 @@
           <a:srgbClr val="000000"/>
         </a:buClr>
         <a:buFont typeface="Arial"/>
-        <a:defRPr b="0" i="0" sz="1400" u="none" cap="none" strike="noStrike">
+        <a:defRPr sz="1400" b="0" i="0" u="none" strike="noStrike" cap="none">
           <a:solidFill>
             <a:srgbClr val="000000"/>
           </a:solidFill>
@@ -5699,7 +5860,7 @@
           <a:sym typeface="Arial"/>
         </a:defRPr>
       </a:lvl6pPr>
-      <a:lvl7pPr lvl="6" marR="0" rtl="0" algn="l">
+      <a:lvl7pPr marR="0" lvl="6" algn="l" rtl="0">
         <a:lnSpc>
           <a:spcPct val="100000"/>
         </a:lnSpc>
@@ -5713,7 +5874,7 @@
           <a:srgbClr val="000000"/>
         </a:buClr>
         <a:buFont typeface="Arial"/>
-        <a:defRPr b="0" i="0" sz="1400" u="none" cap="none" strike="noStrike">
+        <a:defRPr sz="1400" b="0" i="0" u="none" strike="noStrike" cap="none">
           <a:solidFill>
             <a:srgbClr val="000000"/>
           </a:solidFill>
@@ -5723,7 +5884,7 @@
           <a:sym typeface="Arial"/>
         </a:defRPr>
       </a:lvl7pPr>
-      <a:lvl8pPr lvl="7" marR="0" rtl="0" algn="l">
+      <a:lvl8pPr marR="0" lvl="7" algn="l" rtl="0">
         <a:lnSpc>
           <a:spcPct val="100000"/>
         </a:lnSpc>
@@ -5737,7 +5898,7 @@
           <a:srgbClr val="000000"/>
         </a:buClr>
         <a:buFont typeface="Arial"/>
-        <a:defRPr b="0" i="0" sz="1400" u="none" cap="none" strike="noStrike">
+        <a:defRPr sz="1400" b="0" i="0" u="none" strike="noStrike" cap="none">
           <a:solidFill>
             <a:srgbClr val="000000"/>
           </a:solidFill>
@@ -5747,7 +5908,7 @@
           <a:sym typeface="Arial"/>
         </a:defRPr>
       </a:lvl8pPr>
-      <a:lvl9pPr lvl="8" marR="0" rtl="0" algn="l">
+      <a:lvl9pPr marR="0" lvl="8" algn="l" rtl="0">
         <a:lnSpc>
           <a:spcPct val="100000"/>
         </a:lnSpc>
@@ -5761,7 +5922,7 @@
           <a:srgbClr val="000000"/>
         </a:buClr>
         <a:buFont typeface="Arial"/>
-        <a:defRPr b="0" i="0" sz="1400" u="none" cap="none" strike="noStrike">
+        <a:defRPr sz="1400" b="0" i="0" u="none" strike="noStrike" cap="none">
           <a:solidFill>
             <a:srgbClr val="000000"/>
           </a:solidFill>
@@ -5773,7 +5934,7 @@
       </a:lvl9pPr>
     </p:titleStyle>
     <p:bodyStyle>
-      <a:defPPr lvl="0" marR="0" rtl="0" algn="l">
+      <a:defPPr marR="0" lvl="0" algn="l" rtl="0">
         <a:lnSpc>
           <a:spcPct val="100000"/>
         </a:lnSpc>
@@ -5784,7 +5945,7 @@
           <a:spcPts val="0"/>
         </a:spcAft>
       </a:defPPr>
-      <a:lvl1pPr lvl="0" marR="0" rtl="0" algn="l">
+      <a:lvl1pPr marR="0" lvl="0" algn="l" rtl="0">
         <a:lnSpc>
           <a:spcPct val="100000"/>
         </a:lnSpc>
@@ -5798,7 +5959,7 @@
           <a:srgbClr val="000000"/>
         </a:buClr>
         <a:buFont typeface="Arial"/>
-        <a:defRPr b="0" i="0" sz="1400" u="none" cap="none" strike="noStrike">
+        <a:defRPr sz="1400" b="0" i="0" u="none" strike="noStrike" cap="none">
           <a:solidFill>
             <a:srgbClr val="000000"/>
           </a:solidFill>
@@ -5808,7 +5969,7 @@
           <a:sym typeface="Arial"/>
         </a:defRPr>
       </a:lvl1pPr>
-      <a:lvl2pPr lvl="1" marR="0" rtl="0" algn="l">
+      <a:lvl2pPr marR="0" lvl="1" algn="l" rtl="0">
         <a:lnSpc>
           <a:spcPct val="100000"/>
         </a:lnSpc>
@@ -5822,7 +5983,7 @@
           <a:srgbClr val="000000"/>
         </a:buClr>
         <a:buFont typeface="Arial"/>
-        <a:defRPr b="0" i="0" sz="1400" u="none" cap="none" strike="noStrike">
+        <a:defRPr sz="1400" b="0" i="0" u="none" strike="noStrike" cap="none">
           <a:solidFill>
             <a:srgbClr val="000000"/>
           </a:solidFill>
@@ -5832,7 +5993,7 @@
           <a:sym typeface="Arial"/>
         </a:defRPr>
       </a:lvl2pPr>
-      <a:lvl3pPr lvl="2" marR="0" rtl="0" algn="l">
+      <a:lvl3pPr marR="0" lvl="2" algn="l" rtl="0">
         <a:lnSpc>
           <a:spcPct val="100000"/>
         </a:lnSpc>
@@ -5846,7 +6007,7 @@
           <a:srgbClr val="000000"/>
         </a:buClr>
         <a:buFont typeface="Arial"/>
-        <a:defRPr b="0" i="0" sz="1400" u="none" cap="none" strike="noStrike">
+        <a:defRPr sz="1400" b="0" i="0" u="none" strike="noStrike" cap="none">
           <a:solidFill>
             <a:srgbClr val="000000"/>
           </a:solidFill>
@@ -5856,7 +6017,7 @@
           <a:sym typeface="Arial"/>
         </a:defRPr>
       </a:lvl3pPr>
-      <a:lvl4pPr lvl="3" marR="0" rtl="0" algn="l">
+      <a:lvl4pPr marR="0" lvl="3" algn="l" rtl="0">
         <a:lnSpc>
           <a:spcPct val="100000"/>
         </a:lnSpc>
@@ -5870,7 +6031,7 @@
           <a:srgbClr val="000000"/>
         </a:buClr>
         <a:buFont typeface="Arial"/>
-        <a:defRPr b="0" i="0" sz="1400" u="none" cap="none" strike="noStrike">
+        <a:defRPr sz="1400" b="0" i="0" u="none" strike="noStrike" cap="none">
           <a:solidFill>
             <a:srgbClr val="000000"/>
           </a:solidFill>
@@ -5880,7 +6041,7 @@
           <a:sym typeface="Arial"/>
         </a:defRPr>
       </a:lvl4pPr>
-      <a:lvl5pPr lvl="4" marR="0" rtl="0" algn="l">
+      <a:lvl5pPr marR="0" lvl="4" algn="l" rtl="0">
         <a:lnSpc>
           <a:spcPct val="100000"/>
         </a:lnSpc>
@@ -5894,7 +6055,7 @@
           <a:srgbClr val="000000"/>
         </a:buClr>
         <a:buFont typeface="Arial"/>
-        <a:defRPr b="0" i="0" sz="1400" u="none" cap="none" strike="noStrike">
+        <a:defRPr sz="1400" b="0" i="0" u="none" strike="noStrike" cap="none">
           <a:solidFill>
             <a:srgbClr val="000000"/>
           </a:solidFill>
@@ -5904,7 +6065,7 @@
           <a:sym typeface="Arial"/>
         </a:defRPr>
       </a:lvl5pPr>
-      <a:lvl6pPr lvl="5" marR="0" rtl="0" algn="l">
+      <a:lvl6pPr marR="0" lvl="5" algn="l" rtl="0">
         <a:lnSpc>
           <a:spcPct val="100000"/>
         </a:lnSpc>
@@ -5918,7 +6079,7 @@
           <a:srgbClr val="000000"/>
         </a:buClr>
         <a:buFont typeface="Arial"/>
-        <a:defRPr b="0" i="0" sz="1400" u="none" cap="none" strike="noStrike">
+        <a:defRPr sz="1400" b="0" i="0" u="none" strike="noStrike" cap="none">
           <a:solidFill>
             <a:srgbClr val="000000"/>
           </a:solidFill>
@@ -5928,7 +6089,7 @@
           <a:sym typeface="Arial"/>
         </a:defRPr>
       </a:lvl6pPr>
-      <a:lvl7pPr lvl="6" marR="0" rtl="0" algn="l">
+      <a:lvl7pPr marR="0" lvl="6" algn="l" rtl="0">
         <a:lnSpc>
           <a:spcPct val="100000"/>
         </a:lnSpc>
@@ -5942,7 +6103,7 @@
           <a:srgbClr val="000000"/>
         </a:buClr>
         <a:buFont typeface="Arial"/>
-        <a:defRPr b="0" i="0" sz="1400" u="none" cap="none" strike="noStrike">
+        <a:defRPr sz="1400" b="0" i="0" u="none" strike="noStrike" cap="none">
           <a:solidFill>
             <a:srgbClr val="000000"/>
           </a:solidFill>
@@ -5952,7 +6113,7 @@
           <a:sym typeface="Arial"/>
         </a:defRPr>
       </a:lvl7pPr>
-      <a:lvl8pPr lvl="7" marR="0" rtl="0" algn="l">
+      <a:lvl8pPr marR="0" lvl="7" algn="l" rtl="0">
         <a:lnSpc>
           <a:spcPct val="100000"/>
         </a:lnSpc>
@@ -5966,7 +6127,7 @@
           <a:srgbClr val="000000"/>
         </a:buClr>
         <a:buFont typeface="Arial"/>
-        <a:defRPr b="0" i="0" sz="1400" u="none" cap="none" strike="noStrike">
+        <a:defRPr sz="1400" b="0" i="0" u="none" strike="noStrike" cap="none">
           <a:solidFill>
             <a:srgbClr val="000000"/>
           </a:solidFill>
@@ -5976,7 +6137,7 @@
           <a:sym typeface="Arial"/>
         </a:defRPr>
       </a:lvl8pPr>
-      <a:lvl9pPr lvl="8" marR="0" rtl="0" algn="l">
+      <a:lvl9pPr marR="0" lvl="8" algn="l" rtl="0">
         <a:lnSpc>
           <a:spcPct val="100000"/>
         </a:lnSpc>
@@ -5990,7 +6151,7 @@
           <a:srgbClr val="000000"/>
         </a:buClr>
         <a:buFont typeface="Arial"/>
-        <a:defRPr b="0" i="0" sz="1400" u="none" cap="none" strike="noStrike">
+        <a:defRPr sz="1400" b="0" i="0" u="none" strike="noStrike" cap="none">
           <a:solidFill>
             <a:srgbClr val="000000"/>
           </a:solidFill>
@@ -6002,7 +6163,7 @@
       </a:lvl9pPr>
     </p:bodyStyle>
     <p:otherStyle>
-      <a:defPPr lvl="0" marR="0" rtl="0" algn="l">
+      <a:defPPr marR="0" lvl="0" algn="l" rtl="0">
         <a:lnSpc>
           <a:spcPct val="100000"/>
         </a:lnSpc>
@@ -6013,7 +6174,7 @@
           <a:spcPts val="0"/>
         </a:spcAft>
       </a:defPPr>
-      <a:lvl1pPr lvl="0" marR="0" rtl="0" algn="l">
+      <a:lvl1pPr marR="0" lvl="0" algn="l" rtl="0">
         <a:lnSpc>
           <a:spcPct val="100000"/>
         </a:lnSpc>
@@ -6027,7 +6188,7 @@
           <a:srgbClr val="000000"/>
         </a:buClr>
         <a:buFont typeface="Arial"/>
-        <a:defRPr b="0" i="0" sz="1400" u="none" cap="none" strike="noStrike">
+        <a:defRPr sz="1400" b="0" i="0" u="none" strike="noStrike" cap="none">
           <a:solidFill>
             <a:srgbClr val="000000"/>
           </a:solidFill>
@@ -6037,7 +6198,7 @@
           <a:sym typeface="Arial"/>
         </a:defRPr>
       </a:lvl1pPr>
-      <a:lvl2pPr lvl="1" marR="0" rtl="0" algn="l">
+      <a:lvl2pPr marR="0" lvl="1" algn="l" rtl="0">
         <a:lnSpc>
           <a:spcPct val="100000"/>
         </a:lnSpc>
@@ -6051,7 +6212,7 @@
           <a:srgbClr val="000000"/>
         </a:buClr>
         <a:buFont typeface="Arial"/>
-        <a:defRPr b="0" i="0" sz="1400" u="none" cap="none" strike="noStrike">
+        <a:defRPr sz="1400" b="0" i="0" u="none" strike="noStrike" cap="none">
           <a:solidFill>
             <a:srgbClr val="000000"/>
           </a:solidFill>
@@ -6061,7 +6222,7 @@
           <a:sym typeface="Arial"/>
         </a:defRPr>
       </a:lvl2pPr>
-      <a:lvl3pPr lvl="2" marR="0" rtl="0" algn="l">
+      <a:lvl3pPr marR="0" lvl="2" algn="l" rtl="0">
         <a:lnSpc>
           <a:spcPct val="100000"/>
         </a:lnSpc>
@@ -6075,7 +6236,7 @@
           <a:srgbClr val="000000"/>
         </a:buClr>
         <a:buFont typeface="Arial"/>
-        <a:defRPr b="0" i="0" sz="1400" u="none" cap="none" strike="noStrike">
+        <a:defRPr sz="1400" b="0" i="0" u="none" strike="noStrike" cap="none">
           <a:solidFill>
             <a:srgbClr val="000000"/>
           </a:solidFill>
@@ -6085,7 +6246,7 @@
           <a:sym typeface="Arial"/>
         </a:defRPr>
       </a:lvl3pPr>
-      <a:lvl4pPr lvl="3" marR="0" rtl="0" algn="l">
+      <a:lvl4pPr marR="0" lvl="3" algn="l" rtl="0">
         <a:lnSpc>
           <a:spcPct val="100000"/>
         </a:lnSpc>
@@ -6099,7 +6260,7 @@
           <a:srgbClr val="000000"/>
         </a:buClr>
         <a:buFont typeface="Arial"/>
-        <a:defRPr b="0" i="0" sz="1400" u="none" cap="none" strike="noStrike">
+        <a:defRPr sz="1400" b="0" i="0" u="none" strike="noStrike" cap="none">
           <a:solidFill>
             <a:srgbClr val="000000"/>
           </a:solidFill>
@@ -6109,7 +6270,7 @@
           <a:sym typeface="Arial"/>
         </a:defRPr>
       </a:lvl4pPr>
-      <a:lvl5pPr lvl="4" marR="0" rtl="0" algn="l">
+      <a:lvl5pPr marR="0" lvl="4" algn="l" rtl="0">
         <a:lnSpc>
           <a:spcPct val="100000"/>
         </a:lnSpc>
@@ -6123,7 +6284,7 @@
           <a:srgbClr val="000000"/>
         </a:buClr>
         <a:buFont typeface="Arial"/>
-        <a:defRPr b="0" i="0" sz="1400" u="none" cap="none" strike="noStrike">
+        <a:defRPr sz="1400" b="0" i="0" u="none" strike="noStrike" cap="none">
           <a:solidFill>
             <a:srgbClr val="000000"/>
           </a:solidFill>
@@ -6133,7 +6294,7 @@
           <a:sym typeface="Arial"/>
         </a:defRPr>
       </a:lvl5pPr>
-      <a:lvl6pPr lvl="5" marR="0" rtl="0" algn="l">
+      <a:lvl6pPr marR="0" lvl="5" algn="l" rtl="0">
         <a:lnSpc>
           <a:spcPct val="100000"/>
         </a:lnSpc>
@@ -6147,7 +6308,7 @@
           <a:srgbClr val="000000"/>
         </a:buClr>
         <a:buFont typeface="Arial"/>
-        <a:defRPr b="0" i="0" sz="1400" u="none" cap="none" strike="noStrike">
+        <a:defRPr sz="1400" b="0" i="0" u="none" strike="noStrike" cap="none">
           <a:solidFill>
             <a:srgbClr val="000000"/>
           </a:solidFill>
@@ -6157,7 +6318,7 @@
           <a:sym typeface="Arial"/>
         </a:defRPr>
       </a:lvl6pPr>
-      <a:lvl7pPr lvl="6" marR="0" rtl="0" algn="l">
+      <a:lvl7pPr marR="0" lvl="6" algn="l" rtl="0">
         <a:lnSpc>
           <a:spcPct val="100000"/>
         </a:lnSpc>
@@ -6171,7 +6332,7 @@
           <a:srgbClr val="000000"/>
         </a:buClr>
         <a:buFont typeface="Arial"/>
-        <a:defRPr b="0" i="0" sz="1400" u="none" cap="none" strike="noStrike">
+        <a:defRPr sz="1400" b="0" i="0" u="none" strike="noStrike" cap="none">
           <a:solidFill>
             <a:srgbClr val="000000"/>
           </a:solidFill>
@@ -6181,7 +6342,7 @@
           <a:sym typeface="Arial"/>
         </a:defRPr>
       </a:lvl7pPr>
-      <a:lvl8pPr lvl="7" marR="0" rtl="0" algn="l">
+      <a:lvl8pPr marR="0" lvl="7" algn="l" rtl="0">
         <a:lnSpc>
           <a:spcPct val="100000"/>
         </a:lnSpc>
@@ -6195,7 +6356,7 @@
           <a:srgbClr val="000000"/>
         </a:buClr>
         <a:buFont typeface="Arial"/>
-        <a:defRPr b="0" i="0" sz="1400" u="none" cap="none" strike="noStrike">
+        <a:defRPr sz="1400" b="0" i="0" u="none" strike="noStrike" cap="none">
           <a:solidFill>
             <a:srgbClr val="000000"/>
           </a:solidFill>
@@ -6205,7 +6366,7 @@
           <a:sym typeface="Arial"/>
         </a:defRPr>
       </a:lvl8pPr>
-      <a:lvl9pPr lvl="8" marR="0" rtl="0" algn="l">
+      <a:lvl9pPr marR="0" lvl="8" algn="l" rtl="0">
         <a:lnSpc>
           <a:spcPct val="100000"/>
         </a:lnSpc>
@@ -6219,7 +6380,7 @@
           <a:srgbClr val="000000"/>
         </a:buClr>
         <a:buFont typeface="Arial"/>
-        <a:defRPr b="0" i="0" sz="1400" u="none" cap="none" strike="noStrike">
+        <a:defRPr sz="1400" b="0" i="0" u="none" strike="noStrike" cap="none">
           <a:solidFill>
             <a:srgbClr val="000000"/>
           </a:solidFill>
@@ -6235,11 +6396,11 @@
 </file>
 
 <file path=ppt/slides/slide1.xml><?xml version="1.0" encoding="utf-8"?>
-<p:sld xmlns:a="http://schemas.openxmlformats.org/drawingml/2006/main" xmlns:r="http://schemas.openxmlformats.org/officeDocument/2006/relationships" xmlns:mc="http://schemas.openxmlformats.org/markup-compatibility/2006" xmlns:mv="urn:schemas-microsoft-com:mac:vml" xmlns:p="http://schemas.openxmlformats.org/presentationml/2006/main" xmlns:c="http://schemas.openxmlformats.org/drawingml/2006/chart" xmlns:dgm="http://schemas.openxmlformats.org/drawingml/2006/diagram" xmlns:o="urn:schemas-microsoft-com:office:office" xmlns:v="urn:schemas-microsoft-com:vml" xmlns:pvml="urn:schemas-microsoft-com:office:powerpoint" xmlns:com="http://schemas.openxmlformats.org/drawingml/2006/compatibility" xmlns:p14="http://schemas.microsoft.com/office/powerpoint/2010/main" xmlns:p15="http://schemas.microsoft.com/office/powerpoint/2012/main" xmlns:ahyp="http://schemas.microsoft.com/office/drawing/2018/hyperlinkcolor">
+<p:sld xmlns:a="http://schemas.openxmlformats.org/drawingml/2006/main" xmlns:r="http://schemas.openxmlformats.org/officeDocument/2006/relationships" xmlns:p="http://schemas.openxmlformats.org/presentationml/2006/main">
   <p:cSld>
     <p:spTree>
       <p:nvGrpSpPr>
-        <p:cNvPr id="53" name="Shape 53"/>
+        <p:cNvPr id="1" name="Shape 53"/>
         <p:cNvGrpSpPr/>
         <p:nvPr/>
       </p:nvGrpSpPr>
@@ -6254,7 +6415,9 @@
       <p:sp>
         <p:nvSpPr>
           <p:cNvPr id="54" name="Google Shape;54;p13"/>
-          <p:cNvSpPr txBox="1"/>
+          <p:cNvSpPr txBox="1">
+            <a:spLocks noGrp="1"/>
+          </p:cNvSpPr>
           <p:nvPr>
             <p:ph type="ctrTitle"/>
           </p:nvPr>
@@ -6269,12 +6432,12 @@
           </a:prstGeom>
         </p:spPr>
         <p:txBody>
-          <a:bodyPr anchorCtr="0" anchor="b" bIns="91425" lIns="91425" spcFirstLastPara="1" rIns="91425" wrap="square" tIns="91425">
+          <a:bodyPr spcFirstLastPara="1" wrap="square" lIns="91425" tIns="91425" rIns="91425" bIns="91425" anchor="b" anchorCtr="0">
             <a:normAutofit/>
           </a:bodyPr>
           <a:lstStyle/>
           <a:p>
-            <a:pPr indent="0" lvl="0" marL="0" rtl="0" algn="ctr">
+            <a:pPr marL="0" lvl="0" indent="0" algn="ctr" rtl="0">
               <a:spcBef>
                 <a:spcPts val="0"/>
               </a:spcBef>
@@ -6294,9 +6457,11 @@
       <p:sp>
         <p:nvSpPr>
           <p:cNvPr id="55" name="Google Shape;55;p13"/>
-          <p:cNvSpPr txBox="1"/>
+          <p:cNvSpPr txBox="1">
+            <a:spLocks noGrp="1"/>
+          </p:cNvSpPr>
           <p:nvPr>
-            <p:ph idx="1" type="subTitle"/>
+            <p:ph type="subTitle" idx="1"/>
           </p:nvPr>
         </p:nvSpPr>
         <p:spPr>
@@ -6309,12 +6474,12 @@
           </a:prstGeom>
         </p:spPr>
         <p:txBody>
-          <a:bodyPr anchorCtr="0" anchor="t" bIns="91425" lIns="91425" spcFirstLastPara="1" rIns="91425" wrap="square" tIns="91425">
+          <a:bodyPr spcFirstLastPara="1" wrap="square" lIns="91425" tIns="91425" rIns="91425" bIns="91425" anchor="t" anchorCtr="0">
             <a:normAutofit/>
           </a:bodyPr>
           <a:lstStyle/>
           <a:p>
-            <a:pPr indent="0" lvl="0" marL="0" rtl="0" algn="ctr">
+            <a:pPr marL="0" lvl="0" indent="0" algn="ctr" rtl="0">
               <a:spcBef>
                 <a:spcPts val="0"/>
               </a:spcBef>
@@ -6326,6 +6491,183 @@
             <a:r>
               <a:rPr lang="en-GB"/>
               <a:t>Arun Rajayogan</a:t>
+            </a:r>
+            <a:endParaRPr/>
+          </a:p>
+        </p:txBody>
+      </p:sp>
+    </p:spTree>
+  </p:cSld>
+  <p:clrMapOvr>
+    <a:masterClrMapping/>
+  </p:clrMapOvr>
+</p:sld>
+</file>
+
+<file path=ppt/slides/slide10.xml><?xml version="1.0" encoding="utf-8"?>
+<p:sld xmlns:a="http://schemas.openxmlformats.org/drawingml/2006/main" xmlns:r="http://schemas.openxmlformats.org/officeDocument/2006/relationships" xmlns:p="http://schemas.openxmlformats.org/presentationml/2006/main">
+  <p:cSld>
+    <p:spTree>
+      <p:nvGrpSpPr>
+        <p:cNvPr id="1" name="Shape 101"/>
+        <p:cNvGrpSpPr/>
+        <p:nvPr/>
+      </p:nvGrpSpPr>
+      <p:grpSpPr>
+        <a:xfrm>
+          <a:off x="0" y="0"/>
+          <a:ext cx="0" cy="0"/>
+          <a:chOff x="0" y="0"/>
+          <a:chExt cx="0" cy="0"/>
+        </a:xfrm>
+      </p:grpSpPr>
+      <p:sp>
+        <p:nvSpPr>
+          <p:cNvPr id="102" name="Google Shape;102;p21"/>
+          <p:cNvSpPr txBox="1">
+            <a:spLocks noGrp="1"/>
+          </p:cNvSpPr>
+          <p:nvPr>
+            <p:ph type="title"/>
+          </p:nvPr>
+        </p:nvSpPr>
+        <p:spPr>
+          <a:xfrm>
+            <a:off x="311700" y="445025"/>
+            <a:ext cx="8520600" cy="572700"/>
+          </a:xfrm>
+          <a:prstGeom prst="rect">
+            <a:avLst/>
+          </a:prstGeom>
+        </p:spPr>
+        <p:txBody>
+          <a:bodyPr spcFirstLastPara="1" wrap="square" lIns="91425" tIns="91425" rIns="91425" bIns="91425" anchor="t" anchorCtr="0">
+            <a:normAutofit fontScale="90000"/>
+          </a:bodyPr>
+          <a:lstStyle/>
+          <a:p>
+            <a:pPr marL="0" lvl="0" indent="0" algn="l" rtl="0">
+              <a:spcBef>
+                <a:spcPts val="0"/>
+              </a:spcBef>
+              <a:spcAft>
+                <a:spcPts val="0"/>
+              </a:spcAft>
+              <a:buNone/>
+            </a:pPr>
+            <a:r>
+              <a:rPr lang="en-GB"/>
+              <a:t>Parallel and perpendicular lines</a:t>
+            </a:r>
+            <a:endParaRPr/>
+          </a:p>
+        </p:txBody>
+      </p:sp>
+      <p:sp>
+        <p:nvSpPr>
+          <p:cNvPr id="103" name="Google Shape;103;p21"/>
+          <p:cNvSpPr txBox="1">
+            <a:spLocks noGrp="1"/>
+          </p:cNvSpPr>
+          <p:nvPr>
+            <p:ph type="body" idx="1"/>
+          </p:nvPr>
+        </p:nvSpPr>
+        <p:spPr>
+          <a:xfrm>
+            <a:off x="311700" y="1152475"/>
+            <a:ext cx="8520600" cy="3416400"/>
+          </a:xfrm>
+          <a:prstGeom prst="rect">
+            <a:avLst/>
+          </a:prstGeom>
+        </p:spPr>
+        <p:txBody>
+          <a:bodyPr spcFirstLastPara="1" wrap="square" lIns="91425" tIns="91425" rIns="91425" bIns="91425" anchor="t" anchorCtr="0">
+            <a:normAutofit/>
+          </a:bodyPr>
+          <a:lstStyle/>
+          <a:p>
+            <a:pPr marL="457200" lvl="0" indent="-342900" algn="l" rtl="0">
+              <a:spcBef>
+                <a:spcPts val="0"/>
+              </a:spcBef>
+              <a:spcAft>
+                <a:spcPts val="0"/>
+              </a:spcAft>
+              <a:buSzPts val="1800"/>
+              <a:buChar char="-"/>
+            </a:pPr>
+            <a:r>
+              <a:rPr lang="en-GB"/>
+              <a:t>Gradients for parallel lines will be the same</a:t>
+            </a:r>
+            <a:endParaRPr/>
+          </a:p>
+          <a:p>
+            <a:pPr marL="457200" lvl="0" indent="-342900" algn="l" rtl="0">
+              <a:spcBef>
+                <a:spcPts val="0"/>
+              </a:spcBef>
+              <a:spcAft>
+                <a:spcPts val="0"/>
+              </a:spcAft>
+              <a:buSzPts val="1800"/>
+              <a:buChar char="-"/>
+            </a:pPr>
+            <a:r>
+              <a:rPr lang="en-GB"/>
+              <a:t>Gradients of perpendicular lines multiply to -1</a:t>
+            </a:r>
+            <a:endParaRPr/>
+          </a:p>
+          <a:p>
+            <a:pPr marL="457200" lvl="0" indent="-342900" algn="l" rtl="0">
+              <a:spcBef>
+                <a:spcPts val="0"/>
+              </a:spcBef>
+              <a:spcAft>
+                <a:spcPts val="0"/>
+              </a:spcAft>
+              <a:buSzPts val="1800"/>
+              <a:buChar char="-"/>
+            </a:pPr>
+            <a:r>
+              <a:rPr lang="en-GB"/>
+              <a:t>As we are given coordinates, finding the gradient is easy through</a:t>
+            </a:r>
+            <a:endParaRPr/>
+          </a:p>
+          <a:p>
+            <a:pPr marL="914400" lvl="1" indent="-317500" algn="l" rtl="0">
+              <a:spcBef>
+                <a:spcPts val="0"/>
+              </a:spcBef>
+              <a:spcAft>
+                <a:spcPts val="0"/>
+              </a:spcAft>
+              <a:buSzPts val="1400"/>
+              <a:buChar char="-"/>
+            </a:pPr>
+            <a:r>
+              <a:rPr lang="en-GB"/>
+              <a:t>m = (y2-y1)/(x2-x1)</a:t>
+            </a:r>
+            <a:endParaRPr/>
+          </a:p>
+          <a:p>
+            <a:pPr marL="0" lvl="0" indent="0" algn="l" rtl="0">
+              <a:spcBef>
+                <a:spcPts val="1200"/>
+              </a:spcBef>
+              <a:spcAft>
+                <a:spcPts val="1200"/>
+              </a:spcAft>
+              <a:buNone/>
+            </a:pPr>
+            <a:r>
+              <a:rPr lang="en-GB"/>
+              <a:t>(x1, x2) and (y1, y2) were the coordinates</a:t>
             </a:r>
             <a:endParaRPr/>
           </a:p>
@@ -6340,11 +6682,11 @@
 </file>
 
 <file path=ppt/slides/slide2.xml><?xml version="1.0" encoding="utf-8"?>
-<p:sld xmlns:a="http://schemas.openxmlformats.org/drawingml/2006/main" xmlns:r="http://schemas.openxmlformats.org/officeDocument/2006/relationships" xmlns:mc="http://schemas.openxmlformats.org/markup-compatibility/2006" xmlns:mv="urn:schemas-microsoft-com:mac:vml" xmlns:p="http://schemas.openxmlformats.org/presentationml/2006/main" xmlns:c="http://schemas.openxmlformats.org/drawingml/2006/chart" xmlns:dgm="http://schemas.openxmlformats.org/drawingml/2006/diagram" xmlns:o="urn:schemas-microsoft-com:office:office" xmlns:v="urn:schemas-microsoft-com:vml" xmlns:pvml="urn:schemas-microsoft-com:office:powerpoint" xmlns:com="http://schemas.openxmlformats.org/drawingml/2006/compatibility" xmlns:p14="http://schemas.microsoft.com/office/powerpoint/2010/main" xmlns:p15="http://schemas.microsoft.com/office/powerpoint/2012/main" xmlns:ahyp="http://schemas.microsoft.com/office/drawing/2018/hyperlinkcolor">
+<p:sld xmlns:a="http://schemas.openxmlformats.org/drawingml/2006/main" xmlns:r="http://schemas.openxmlformats.org/officeDocument/2006/relationships" xmlns:p="http://schemas.openxmlformats.org/presentationml/2006/main">
   <p:cSld>
     <p:spTree>
       <p:nvGrpSpPr>
-        <p:cNvPr id="59" name="Shape 59"/>
+        <p:cNvPr id="1" name="Shape 59"/>
         <p:cNvGrpSpPr/>
         <p:nvPr/>
       </p:nvGrpSpPr>
@@ -6359,7 +6701,9 @@
       <p:sp>
         <p:nvSpPr>
           <p:cNvPr id="60" name="Google Shape;60;p14"/>
-          <p:cNvSpPr txBox="1"/>
+          <p:cNvSpPr txBox="1">
+            <a:spLocks noGrp="1"/>
+          </p:cNvSpPr>
           <p:nvPr>
             <p:ph type="title"/>
           </p:nvPr>
@@ -6374,12 +6718,12 @@
           </a:prstGeom>
         </p:spPr>
         <p:txBody>
-          <a:bodyPr anchorCtr="0" anchor="t" bIns="91425" lIns="91425" spcFirstLastPara="1" rIns="91425" wrap="square" tIns="91425">
+          <a:bodyPr spcFirstLastPara="1" wrap="square" lIns="91425" tIns="91425" rIns="91425" bIns="91425" anchor="t" anchorCtr="0">
             <a:normAutofit fontScale="90000"/>
           </a:bodyPr>
           <a:lstStyle/>
           <a:p>
-            <a:pPr indent="0" lvl="0" marL="0" rtl="0" algn="l">
+            <a:pPr marL="0" lvl="0" indent="0" algn="l" rtl="0">
               <a:spcBef>
                 <a:spcPts val="0"/>
               </a:spcBef>
@@ -6399,9 +6743,11 @@
       <p:sp>
         <p:nvSpPr>
           <p:cNvPr id="61" name="Google Shape;61;p14"/>
-          <p:cNvSpPr txBox="1"/>
+          <p:cNvSpPr txBox="1">
+            <a:spLocks noGrp="1"/>
+          </p:cNvSpPr>
           <p:nvPr>
-            <p:ph idx="1" type="body"/>
+            <p:ph type="body" idx="1"/>
           </p:nvPr>
         </p:nvSpPr>
         <p:spPr>
@@ -6414,12 +6760,12 @@
           </a:prstGeom>
         </p:spPr>
         <p:txBody>
-          <a:bodyPr anchorCtr="0" anchor="t" bIns="91425" lIns="91425" spcFirstLastPara="1" rIns="91425" wrap="square" tIns="91425">
+          <a:bodyPr spcFirstLastPara="1" wrap="square" lIns="91425" tIns="91425" rIns="91425" bIns="91425" anchor="t" anchorCtr="0">
             <a:normAutofit/>
           </a:bodyPr>
           <a:lstStyle/>
           <a:p>
-            <a:pPr indent="-342900" lvl="0" marL="457200" rtl="0" algn="l">
+            <a:pPr marL="457200" lvl="0" indent="-342900" algn="l" rtl="0">
               <a:spcBef>
                 <a:spcPts val="0"/>
               </a:spcBef>
@@ -6436,7 +6782,7 @@
             <a:endParaRPr/>
           </a:p>
           <a:p>
-            <a:pPr indent="-342900" lvl="0" marL="457200" rtl="0" algn="l">
+            <a:pPr marL="457200" lvl="0" indent="-342900" algn="l" rtl="0">
               <a:spcBef>
                 <a:spcPts val="0"/>
               </a:spcBef>
@@ -6453,7 +6799,7 @@
             <a:endParaRPr/>
           </a:p>
           <a:p>
-            <a:pPr indent="-342900" lvl="0" marL="457200" rtl="0" algn="l">
+            <a:pPr marL="457200" lvl="0" indent="-342900" algn="l" rtl="0">
               <a:spcBef>
                 <a:spcPts val="0"/>
               </a:spcBef>
@@ -6470,7 +6816,7 @@
             <a:endParaRPr/>
           </a:p>
           <a:p>
-            <a:pPr indent="0" lvl="0" marL="0" rtl="0" algn="l">
+            <a:pPr marL="0" lvl="0" indent="0" algn="l" rtl="0">
               <a:spcBef>
                 <a:spcPts val="1200"/>
               </a:spcBef>
@@ -6479,9 +6825,6 @@
               </a:spcAft>
               <a:buNone/>
             </a:pPr>
-            <a:r>
-              <a:t/>
-            </a:r>
             <a:endParaRPr/>
           </a:p>
         </p:txBody>
@@ -6495,11 +6838,11 @@
 </file>
 
 <file path=ppt/slides/slide3.xml><?xml version="1.0" encoding="utf-8"?>
-<p:sld xmlns:a="http://schemas.openxmlformats.org/drawingml/2006/main" xmlns:r="http://schemas.openxmlformats.org/officeDocument/2006/relationships" xmlns:mc="http://schemas.openxmlformats.org/markup-compatibility/2006" xmlns:mv="urn:schemas-microsoft-com:mac:vml" xmlns:p="http://schemas.openxmlformats.org/presentationml/2006/main" xmlns:c="http://schemas.openxmlformats.org/drawingml/2006/chart" xmlns:dgm="http://schemas.openxmlformats.org/drawingml/2006/diagram" xmlns:o="urn:schemas-microsoft-com:office:office" xmlns:v="urn:schemas-microsoft-com:vml" xmlns:pvml="urn:schemas-microsoft-com:office:powerpoint" xmlns:com="http://schemas.openxmlformats.org/drawingml/2006/compatibility" xmlns:p14="http://schemas.microsoft.com/office/powerpoint/2010/main" xmlns:p15="http://schemas.microsoft.com/office/powerpoint/2012/main" xmlns:ahyp="http://schemas.microsoft.com/office/drawing/2018/hyperlinkcolor">
+<p:sld xmlns:a="http://schemas.openxmlformats.org/drawingml/2006/main" xmlns:r="http://schemas.openxmlformats.org/officeDocument/2006/relationships" xmlns:p="http://schemas.openxmlformats.org/presentationml/2006/main">
   <p:cSld>
     <p:spTree>
       <p:nvGrpSpPr>
-        <p:cNvPr id="65" name="Shape 65"/>
+        <p:cNvPr id="1" name="Shape 65"/>
         <p:cNvGrpSpPr/>
         <p:nvPr/>
       </p:nvGrpSpPr>
@@ -6514,7 +6857,9 @@
       <p:sp>
         <p:nvSpPr>
           <p:cNvPr id="66" name="Google Shape;66;p15"/>
-          <p:cNvSpPr txBox="1"/>
+          <p:cNvSpPr txBox="1">
+            <a:spLocks noGrp="1"/>
+          </p:cNvSpPr>
           <p:nvPr>
             <p:ph type="title"/>
           </p:nvPr>
@@ -6529,12 +6874,12 @@
           </a:prstGeom>
         </p:spPr>
         <p:txBody>
-          <a:bodyPr anchorCtr="0" anchor="t" bIns="91425" lIns="91425" spcFirstLastPara="1" rIns="91425" wrap="square" tIns="91425">
+          <a:bodyPr spcFirstLastPara="1" wrap="square" lIns="91425" tIns="91425" rIns="91425" bIns="91425" anchor="t" anchorCtr="0">
             <a:normAutofit fontScale="90000"/>
           </a:bodyPr>
           <a:lstStyle/>
           <a:p>
-            <a:pPr indent="0" lvl="0" marL="0" rtl="0" algn="l">
+            <a:pPr marL="0" lvl="0" indent="0" algn="l" rtl="0">
               <a:spcBef>
                 <a:spcPts val="0"/>
               </a:spcBef>
@@ -6588,11 +6933,11 @@
 </file>
 
 <file path=ppt/slides/slide4.xml><?xml version="1.0" encoding="utf-8"?>
-<p:sld xmlns:a="http://schemas.openxmlformats.org/drawingml/2006/main" xmlns:r="http://schemas.openxmlformats.org/officeDocument/2006/relationships" xmlns:mc="http://schemas.openxmlformats.org/markup-compatibility/2006" xmlns:mv="urn:schemas-microsoft-com:mac:vml" xmlns:p="http://schemas.openxmlformats.org/presentationml/2006/main" xmlns:c="http://schemas.openxmlformats.org/drawingml/2006/chart" xmlns:dgm="http://schemas.openxmlformats.org/drawingml/2006/diagram" xmlns:o="urn:schemas-microsoft-com:office:office" xmlns:v="urn:schemas-microsoft-com:vml" xmlns:pvml="urn:schemas-microsoft-com:office:powerpoint" xmlns:com="http://schemas.openxmlformats.org/drawingml/2006/compatibility" xmlns:p14="http://schemas.microsoft.com/office/powerpoint/2010/main" xmlns:p15="http://schemas.microsoft.com/office/powerpoint/2012/main" xmlns:ahyp="http://schemas.microsoft.com/office/drawing/2018/hyperlinkcolor">
+<p:sld xmlns:a="http://schemas.openxmlformats.org/drawingml/2006/main" xmlns:r="http://schemas.openxmlformats.org/officeDocument/2006/relationships" xmlns:p="http://schemas.openxmlformats.org/presentationml/2006/main">
   <p:cSld>
     <p:spTree>
       <p:nvGrpSpPr>
-        <p:cNvPr id="71" name="Shape 71"/>
+        <p:cNvPr id="1" name="Shape 71"/>
         <p:cNvGrpSpPr/>
         <p:nvPr/>
       </p:nvGrpSpPr>
@@ -6607,7 +6952,9 @@
       <p:sp>
         <p:nvSpPr>
           <p:cNvPr id="72" name="Google Shape;72;p16"/>
-          <p:cNvSpPr txBox="1"/>
+          <p:cNvSpPr txBox="1">
+            <a:spLocks noGrp="1"/>
+          </p:cNvSpPr>
           <p:nvPr>
             <p:ph type="title"/>
           </p:nvPr>
@@ -6622,12 +6969,12 @@
           </a:prstGeom>
         </p:spPr>
         <p:txBody>
-          <a:bodyPr anchorCtr="0" anchor="t" bIns="91425" lIns="91425" spcFirstLastPara="1" rIns="91425" wrap="square" tIns="91425">
+          <a:bodyPr spcFirstLastPara="1" wrap="square" lIns="91425" tIns="91425" rIns="91425" bIns="91425" anchor="t" anchorCtr="0">
             <a:normAutofit fontScale="90000"/>
           </a:bodyPr>
           <a:lstStyle/>
           <a:p>
-            <a:pPr indent="0" lvl="0" marL="0" rtl="0" algn="l">
+            <a:pPr marL="0" lvl="0" indent="0" algn="l" rtl="0">
               <a:spcBef>
                 <a:spcPts val="0"/>
               </a:spcBef>
@@ -6647,9 +6994,11 @@
       <p:sp>
         <p:nvSpPr>
           <p:cNvPr id="73" name="Google Shape;73;p16"/>
-          <p:cNvSpPr txBox="1"/>
+          <p:cNvSpPr txBox="1">
+            <a:spLocks noGrp="1"/>
+          </p:cNvSpPr>
           <p:nvPr>
-            <p:ph idx="1" type="body"/>
+            <p:ph type="body" idx="1"/>
           </p:nvPr>
         </p:nvSpPr>
         <p:spPr>
@@ -6662,12 +7011,12 @@
           </a:prstGeom>
         </p:spPr>
         <p:txBody>
-          <a:bodyPr anchorCtr="0" anchor="t" bIns="91425" lIns="91425" spcFirstLastPara="1" rIns="91425" wrap="square" tIns="91425">
+          <a:bodyPr spcFirstLastPara="1" wrap="square" lIns="91425" tIns="91425" rIns="91425" bIns="91425" anchor="t" anchorCtr="0">
             <a:normAutofit/>
           </a:bodyPr>
           <a:lstStyle/>
           <a:p>
-            <a:pPr indent="0" lvl="0" marL="0" rtl="0" algn="l">
+            <a:pPr marL="0" lvl="0" indent="0" algn="l" rtl="0">
               <a:spcBef>
                 <a:spcPts val="0"/>
               </a:spcBef>
@@ -6683,7 +7032,7 @@
             <a:endParaRPr/>
           </a:p>
           <a:p>
-            <a:pPr indent="0" lvl="0" marL="0" rtl="0" algn="l">
+            <a:pPr marL="0" lvl="0" indent="0" algn="l" rtl="0">
               <a:spcBef>
                 <a:spcPts val="1200"/>
               </a:spcBef>
@@ -6699,7 +7048,7 @@
             <a:endParaRPr/>
           </a:p>
           <a:p>
-            <a:pPr indent="0" lvl="0" marL="0" rtl="0" algn="l">
+            <a:pPr marL="0" lvl="0" indent="0" algn="l" rtl="0">
               <a:spcBef>
                 <a:spcPts val="1200"/>
               </a:spcBef>
@@ -6715,7 +7064,7 @@
             <a:endParaRPr/>
           </a:p>
           <a:p>
-            <a:pPr indent="0" lvl="0" marL="0" rtl="0" algn="l">
+            <a:pPr marL="0" lvl="0" indent="0" algn="l" rtl="0">
               <a:spcBef>
                 <a:spcPts val="1200"/>
               </a:spcBef>
@@ -6731,7 +7080,7 @@
             <a:endParaRPr/>
           </a:p>
           <a:p>
-            <a:pPr indent="0" lvl="0" marL="0" rtl="0" algn="l">
+            <a:pPr marL="0" lvl="0" indent="0" algn="l" rtl="0">
               <a:spcBef>
                 <a:spcPts val="1200"/>
               </a:spcBef>
@@ -6757,11 +7106,112 @@
 </file>
 
 <file path=ppt/slides/slide5.xml><?xml version="1.0" encoding="utf-8"?>
-<p:sld xmlns:a="http://schemas.openxmlformats.org/drawingml/2006/main" xmlns:r="http://schemas.openxmlformats.org/officeDocument/2006/relationships" xmlns:mc="http://schemas.openxmlformats.org/markup-compatibility/2006" xmlns:mv="urn:schemas-microsoft-com:mac:vml" xmlns:p="http://schemas.openxmlformats.org/presentationml/2006/main" xmlns:c="http://schemas.openxmlformats.org/drawingml/2006/chart" xmlns:dgm="http://schemas.openxmlformats.org/drawingml/2006/diagram" xmlns:o="urn:schemas-microsoft-com:office:office" xmlns:v="urn:schemas-microsoft-com:vml" xmlns:pvml="urn:schemas-microsoft-com:office:powerpoint" xmlns:com="http://schemas.openxmlformats.org/drawingml/2006/compatibility" xmlns:p14="http://schemas.microsoft.com/office/powerpoint/2010/main" xmlns:p15="http://schemas.microsoft.com/office/powerpoint/2012/main" xmlns:ahyp="http://schemas.microsoft.com/office/drawing/2018/hyperlinkcolor">
+<p:sld xmlns:a="http://schemas.openxmlformats.org/drawingml/2006/main" xmlns:r="http://schemas.openxmlformats.org/officeDocument/2006/relationships" xmlns:p="http://schemas.openxmlformats.org/presentationml/2006/main">
   <p:cSld>
     <p:spTree>
       <p:nvGrpSpPr>
-        <p:cNvPr id="77" name="Shape 77"/>
+        <p:cNvPr id="1" name=""/>
+        <p:cNvGrpSpPr/>
+        <p:nvPr/>
+      </p:nvGrpSpPr>
+      <p:grpSpPr>
+        <a:xfrm>
+          <a:off x="0" y="0"/>
+          <a:ext cx="0" cy="0"/>
+          <a:chOff x="0" y="0"/>
+          <a:chExt cx="0" cy="0"/>
+        </a:xfrm>
+      </p:grpSpPr>
+      <p:sp>
+        <p:nvSpPr>
+          <p:cNvPr id="2" name="Title 1">
+            <a:extLst>
+              <a:ext uri="{FF2B5EF4-FFF2-40B4-BE49-F238E27FC236}">
+                <a16:creationId xmlns:a16="http://schemas.microsoft.com/office/drawing/2014/main" id="{44F3865E-E63B-60F6-5998-7C31D6F30951}"/>
+              </a:ext>
+            </a:extLst>
+          </p:cNvPr>
+          <p:cNvSpPr>
+            <a:spLocks noGrp="1"/>
+          </p:cNvSpPr>
+          <p:nvPr>
+            <p:ph type="title"/>
+          </p:nvPr>
+        </p:nvSpPr>
+        <p:spPr/>
+        <p:txBody>
+          <a:bodyPr>
+            <a:normAutofit fontScale="90000"/>
+          </a:bodyPr>
+          <a:lstStyle/>
+          <a:p>
+            <a:r>
+              <a:rPr lang="en-US" dirty="0"/>
+              <a:t>Helpful</a:t>
+            </a:r>
+            <a:endParaRPr lang="en-AU" dirty="0"/>
+          </a:p>
+        </p:txBody>
+      </p:sp>
+      <p:sp>
+        <p:nvSpPr>
+          <p:cNvPr id="3" name="Text Placeholder 2">
+            <a:extLst>
+              <a:ext uri="{FF2B5EF4-FFF2-40B4-BE49-F238E27FC236}">
+                <a16:creationId xmlns:a16="http://schemas.microsoft.com/office/drawing/2014/main" id="{BE7DC5FB-83A7-AC2A-BE06-B7FADCE6EAF6}"/>
+              </a:ext>
+            </a:extLst>
+          </p:cNvPr>
+          <p:cNvSpPr>
+            <a:spLocks noGrp="1"/>
+          </p:cNvSpPr>
+          <p:nvPr>
+            <p:ph type="body" idx="1"/>
+          </p:nvPr>
+        </p:nvSpPr>
+        <p:spPr/>
+        <p:txBody>
+          <a:bodyPr/>
+          <a:lstStyle/>
+          <a:p>
+            <a:r>
+              <a:rPr lang="en-US" dirty="0"/>
+              <a:t>Most properties in the table are built from previous properties.</a:t>
+            </a:r>
+          </a:p>
+          <a:p>
+            <a:r>
+              <a:rPr lang="en-US" dirty="0"/>
+              <a:t>Only a small amount of actual math would be done</a:t>
+            </a:r>
+          </a:p>
+          <a:p>
+            <a:r>
+              <a:rPr lang="en-US" dirty="0"/>
+              <a:t>Helps make everything very modular by approaching it this way</a:t>
+            </a:r>
+          </a:p>
+        </p:txBody>
+      </p:sp>
+    </p:spTree>
+    <p:extLst>
+      <p:ext uri="{BB962C8B-B14F-4D97-AF65-F5344CB8AC3E}">
+        <p14:creationId xmlns:p14="http://schemas.microsoft.com/office/powerpoint/2010/main" val="3626566976"/>
+      </p:ext>
+    </p:extLst>
+  </p:cSld>
+  <p:clrMapOvr>
+    <a:masterClrMapping/>
+  </p:clrMapOvr>
+</p:sld>
+</file>
+
+<file path=ppt/slides/slide6.xml><?xml version="1.0" encoding="utf-8"?>
+<p:sld xmlns:a="http://schemas.openxmlformats.org/drawingml/2006/main" xmlns:r="http://schemas.openxmlformats.org/officeDocument/2006/relationships" xmlns:p="http://schemas.openxmlformats.org/presentationml/2006/main">
+  <p:cSld>
+    <p:spTree>
+      <p:nvGrpSpPr>
+        <p:cNvPr id="1" name="Shape 77"/>
         <p:cNvGrpSpPr/>
         <p:nvPr/>
       </p:nvGrpSpPr>
@@ -6776,7 +7226,9 @@
       <p:sp>
         <p:nvSpPr>
           <p:cNvPr id="78" name="Google Shape;78;p17"/>
-          <p:cNvSpPr txBox="1"/>
+          <p:cNvSpPr txBox="1">
+            <a:spLocks noGrp="1"/>
+          </p:cNvSpPr>
           <p:nvPr>
             <p:ph type="title"/>
           </p:nvPr>
@@ -6791,12 +7243,12 @@
           </a:prstGeom>
         </p:spPr>
         <p:txBody>
-          <a:bodyPr anchorCtr="0" anchor="t" bIns="91425" lIns="91425" spcFirstLastPara="1" rIns="91425" wrap="square" tIns="91425">
+          <a:bodyPr spcFirstLastPara="1" wrap="square" lIns="91425" tIns="91425" rIns="91425" bIns="91425" anchor="t" anchorCtr="0">
             <a:normAutofit fontScale="90000"/>
           </a:bodyPr>
           <a:lstStyle/>
           <a:p>
-            <a:pPr indent="0" lvl="0" marL="0" rtl="0" algn="l">
+            <a:pPr marL="0" lvl="0" indent="0" algn="l" rtl="0">
               <a:spcBef>
                 <a:spcPts val="0"/>
               </a:spcBef>
@@ -6816,9 +7268,11 @@
       <p:sp>
         <p:nvSpPr>
           <p:cNvPr id="79" name="Google Shape;79;p17"/>
-          <p:cNvSpPr txBox="1"/>
+          <p:cNvSpPr txBox="1">
+            <a:spLocks noGrp="1"/>
+          </p:cNvSpPr>
           <p:nvPr>
-            <p:ph idx="1" type="body"/>
+            <p:ph type="body" idx="1"/>
           </p:nvPr>
         </p:nvSpPr>
         <p:spPr>
@@ -6831,12 +7285,12 @@
           </a:prstGeom>
         </p:spPr>
         <p:txBody>
-          <a:bodyPr anchorCtr="0" anchor="t" bIns="91425" lIns="91425" spcFirstLastPara="1" rIns="91425" wrap="square" tIns="91425">
+          <a:bodyPr spcFirstLastPara="1" wrap="square" lIns="91425" tIns="91425" rIns="91425" bIns="91425" anchor="t" anchorCtr="0">
             <a:normAutofit fontScale="85000" lnSpcReduction="20000"/>
           </a:bodyPr>
           <a:lstStyle/>
           <a:p>
-            <a:pPr indent="0" lvl="0" marL="0" rtl="0" algn="l">
+            <a:pPr marL="0" lvl="0" indent="0" algn="l" rtl="0">
               <a:spcBef>
                 <a:spcPts val="0"/>
               </a:spcBef>
@@ -6852,7 +7306,7 @@
             <a:endParaRPr/>
           </a:p>
           <a:p>
-            <a:pPr indent="0" lvl="0" marL="0" rtl="0" algn="l">
+            <a:pPr marL="0" lvl="0" indent="0" algn="l" rtl="0">
               <a:spcBef>
                 <a:spcPts val="1200"/>
               </a:spcBef>
@@ -6868,7 +7322,7 @@
             <a:endParaRPr/>
           </a:p>
           <a:p>
-            <a:pPr indent="457200" lvl="0" marL="0" rtl="0" algn="l">
+            <a:pPr marL="0" lvl="0" indent="457200" algn="l" rtl="0">
               <a:spcBef>
                 <a:spcPts val="1200"/>
               </a:spcBef>
@@ -6884,7 +7338,7 @@
             <a:endParaRPr/>
           </a:p>
           <a:p>
-            <a:pPr indent="457200" lvl="0" marL="0" rtl="0" algn="l">
+            <a:pPr marL="0" lvl="0" indent="457200" algn="l" rtl="0">
               <a:spcBef>
                 <a:spcPts val="1200"/>
               </a:spcBef>
@@ -6900,7 +7354,7 @@
             <a:endParaRPr/>
           </a:p>
           <a:p>
-            <a:pPr indent="457200" lvl="0" marL="0" rtl="0" algn="l">
+            <a:pPr marL="0" lvl="0" indent="457200" algn="l" rtl="0">
               <a:spcBef>
                 <a:spcPts val="1200"/>
               </a:spcBef>
@@ -6916,7 +7370,7 @@
             <a:endParaRPr/>
           </a:p>
           <a:p>
-            <a:pPr indent="457200" lvl="0" marL="0" rtl="0" algn="l">
+            <a:pPr marL="0" lvl="0" indent="457200" algn="l" rtl="0">
               <a:spcBef>
                 <a:spcPts val="1200"/>
               </a:spcBef>
@@ -6932,7 +7386,7 @@
             <a:endParaRPr/>
           </a:p>
           <a:p>
-            <a:pPr indent="0" lvl="0" marL="0" rtl="0" algn="l">
+            <a:pPr marL="0" lvl="0" indent="0" algn="l" rtl="0">
               <a:spcBef>
                 <a:spcPts val="1200"/>
               </a:spcBef>
@@ -6948,7 +7402,7 @@
             <a:endParaRPr/>
           </a:p>
           <a:p>
-            <a:pPr indent="0" lvl="0" marL="0" rtl="0" algn="l">
+            <a:pPr marL="0" lvl="0" indent="0" algn="l" rtl="0">
               <a:spcBef>
                 <a:spcPts val="1200"/>
               </a:spcBef>
@@ -6964,7 +7418,7 @@
             <a:endParaRPr/>
           </a:p>
           <a:p>
-            <a:pPr indent="0" lvl="0" marL="0" rtl="0" algn="l">
+            <a:pPr marL="0" lvl="0" indent="0" algn="l" rtl="0">
               <a:spcBef>
                 <a:spcPts val="1200"/>
               </a:spcBef>
@@ -6973,9 +7427,6 @@
               </a:spcAft>
               <a:buNone/>
             </a:pPr>
-            <a:r>
-              <a:t/>
-            </a:r>
             <a:endParaRPr/>
           </a:p>
         </p:txBody>
@@ -6988,12 +7439,12 @@
 </p:sld>
 </file>
 
-<file path=ppt/slides/slide6.xml><?xml version="1.0" encoding="utf-8"?>
-<p:sld xmlns:a="http://schemas.openxmlformats.org/drawingml/2006/main" xmlns:r="http://schemas.openxmlformats.org/officeDocument/2006/relationships" xmlns:mc="http://schemas.openxmlformats.org/markup-compatibility/2006" xmlns:mv="urn:schemas-microsoft-com:mac:vml" xmlns:p="http://schemas.openxmlformats.org/presentationml/2006/main" xmlns:c="http://schemas.openxmlformats.org/drawingml/2006/chart" xmlns:dgm="http://schemas.openxmlformats.org/drawingml/2006/diagram" xmlns:o="urn:schemas-microsoft-com:office:office" xmlns:v="urn:schemas-microsoft-com:vml" xmlns:pvml="urn:schemas-microsoft-com:office:powerpoint" xmlns:com="http://schemas.openxmlformats.org/drawingml/2006/compatibility" xmlns:p14="http://schemas.microsoft.com/office/powerpoint/2010/main" xmlns:p15="http://schemas.microsoft.com/office/powerpoint/2012/main" xmlns:ahyp="http://schemas.microsoft.com/office/drawing/2018/hyperlinkcolor">
+<file path=ppt/slides/slide7.xml><?xml version="1.0" encoding="utf-8"?>
+<p:sld xmlns:a="http://schemas.openxmlformats.org/drawingml/2006/main" xmlns:r="http://schemas.openxmlformats.org/officeDocument/2006/relationships" xmlns:p="http://schemas.openxmlformats.org/presentationml/2006/main">
   <p:cSld>
     <p:spTree>
       <p:nvGrpSpPr>
-        <p:cNvPr id="83" name="Shape 83"/>
+        <p:cNvPr id="1" name="Shape 83"/>
         <p:cNvGrpSpPr/>
         <p:nvPr/>
       </p:nvGrpSpPr>
@@ -7008,7 +7459,9 @@
       <p:sp>
         <p:nvSpPr>
           <p:cNvPr id="84" name="Google Shape;84;p18"/>
-          <p:cNvSpPr txBox="1"/>
+          <p:cNvSpPr txBox="1">
+            <a:spLocks noGrp="1"/>
+          </p:cNvSpPr>
           <p:nvPr>
             <p:ph type="title"/>
           </p:nvPr>
@@ -7023,12 +7476,12 @@
           </a:prstGeom>
         </p:spPr>
         <p:txBody>
-          <a:bodyPr anchorCtr="0" anchor="t" bIns="91425" lIns="91425" spcFirstLastPara="1" rIns="91425" wrap="square" tIns="91425">
+          <a:bodyPr spcFirstLastPara="1" wrap="square" lIns="91425" tIns="91425" rIns="91425" bIns="91425" anchor="t" anchorCtr="0">
             <a:normAutofit fontScale="90000"/>
           </a:bodyPr>
           <a:lstStyle/>
           <a:p>
-            <a:pPr indent="0" lvl="0" marL="0" rtl="0" algn="l">
+            <a:pPr marL="0" lvl="0" indent="0" algn="l" rtl="0">
               <a:spcBef>
                 <a:spcPts val="0"/>
               </a:spcBef>
@@ -7048,9 +7501,11 @@
       <p:sp>
         <p:nvSpPr>
           <p:cNvPr id="85" name="Google Shape;85;p18"/>
-          <p:cNvSpPr txBox="1"/>
+          <p:cNvSpPr txBox="1">
+            <a:spLocks noGrp="1"/>
+          </p:cNvSpPr>
           <p:nvPr>
-            <p:ph idx="1" type="body"/>
+            <p:ph type="body" idx="1"/>
           </p:nvPr>
         </p:nvSpPr>
         <p:spPr>
@@ -7063,12 +7518,12 @@
           </a:prstGeom>
         </p:spPr>
         <p:txBody>
-          <a:bodyPr anchorCtr="0" anchor="t" bIns="91425" lIns="91425" spcFirstLastPara="1" rIns="91425" wrap="square" tIns="91425">
+          <a:bodyPr spcFirstLastPara="1" wrap="square" lIns="91425" tIns="91425" rIns="91425" bIns="91425" anchor="t" anchorCtr="0">
             <a:normAutofit/>
           </a:bodyPr>
           <a:lstStyle/>
           <a:p>
-            <a:pPr indent="-342900" lvl="0" marL="457200" rtl="0" algn="l">
+            <a:pPr marL="457200" lvl="0" indent="-342900" algn="l" rtl="0">
               <a:spcBef>
                 <a:spcPts val="0"/>
               </a:spcBef>
@@ -7085,7 +7540,7 @@
             <a:endParaRPr/>
           </a:p>
           <a:p>
-            <a:pPr indent="-342900" lvl="0" marL="457200" rtl="0" algn="l">
+            <a:pPr marL="457200" lvl="0" indent="-342900" algn="l" rtl="0">
               <a:spcBef>
                 <a:spcPts val="0"/>
               </a:spcBef>
@@ -7102,7 +7557,7 @@
             <a:endParaRPr/>
           </a:p>
           <a:p>
-            <a:pPr indent="-342900" lvl="0" marL="457200" rtl="0" algn="l">
+            <a:pPr marL="457200" lvl="0" indent="-342900" algn="l" rtl="0">
               <a:spcBef>
                 <a:spcPts val="0"/>
               </a:spcBef>
@@ -7119,7 +7574,7 @@
             <a:endParaRPr/>
           </a:p>
           <a:p>
-            <a:pPr indent="0" lvl="0" marL="457200" rtl="0" algn="l">
+            <a:pPr marL="457200" lvl="0" indent="0" algn="l" rtl="0">
               <a:spcBef>
                 <a:spcPts val="1200"/>
               </a:spcBef>
@@ -7128,9 +7583,6 @@
               </a:spcAft>
               <a:buNone/>
             </a:pPr>
-            <a:r>
-              <a:t/>
-            </a:r>
             <a:endParaRPr/>
           </a:p>
         </p:txBody>
@@ -7143,12 +7595,12 @@
 </p:sld>
 </file>
 
-<file path=ppt/slides/slide7.xml><?xml version="1.0" encoding="utf-8"?>
-<p:sld xmlns:a="http://schemas.openxmlformats.org/drawingml/2006/main" xmlns:r="http://schemas.openxmlformats.org/officeDocument/2006/relationships" xmlns:mc="http://schemas.openxmlformats.org/markup-compatibility/2006" xmlns:mv="urn:schemas-microsoft-com:mac:vml" xmlns:p="http://schemas.openxmlformats.org/presentationml/2006/main" xmlns:c="http://schemas.openxmlformats.org/drawingml/2006/chart" xmlns:dgm="http://schemas.openxmlformats.org/drawingml/2006/diagram" xmlns:o="urn:schemas-microsoft-com:office:office" xmlns:v="urn:schemas-microsoft-com:vml" xmlns:pvml="urn:schemas-microsoft-com:office:powerpoint" xmlns:com="http://schemas.openxmlformats.org/drawingml/2006/compatibility" xmlns:p14="http://schemas.microsoft.com/office/powerpoint/2010/main" xmlns:p15="http://schemas.microsoft.com/office/powerpoint/2012/main" xmlns:ahyp="http://schemas.microsoft.com/office/drawing/2018/hyperlinkcolor">
+<file path=ppt/slides/slide8.xml><?xml version="1.0" encoding="utf-8"?>
+<p:sld xmlns:a="http://schemas.openxmlformats.org/drawingml/2006/main" xmlns:r="http://schemas.openxmlformats.org/officeDocument/2006/relationships" xmlns:p="http://schemas.openxmlformats.org/presentationml/2006/main">
   <p:cSld>
     <p:spTree>
       <p:nvGrpSpPr>
-        <p:cNvPr id="89" name="Shape 89"/>
+        <p:cNvPr id="1" name="Shape 89"/>
         <p:cNvGrpSpPr/>
         <p:nvPr/>
       </p:nvGrpSpPr>
@@ -7163,7 +7615,9 @@
       <p:sp>
         <p:nvSpPr>
           <p:cNvPr id="90" name="Google Shape;90;p19"/>
-          <p:cNvSpPr txBox="1"/>
+          <p:cNvSpPr txBox="1">
+            <a:spLocks noGrp="1"/>
+          </p:cNvSpPr>
           <p:nvPr>
             <p:ph type="title"/>
           </p:nvPr>
@@ -7178,12 +7632,12 @@
           </a:prstGeom>
         </p:spPr>
         <p:txBody>
-          <a:bodyPr anchorCtr="0" anchor="t" bIns="91425" lIns="91425" spcFirstLastPara="1" rIns="91425" wrap="square" tIns="91425">
+          <a:bodyPr spcFirstLastPara="1" wrap="square" lIns="91425" tIns="91425" rIns="91425" bIns="91425" anchor="t" anchorCtr="0">
             <a:normAutofit fontScale="90000"/>
           </a:bodyPr>
           <a:lstStyle/>
           <a:p>
-            <a:pPr indent="0" lvl="0" marL="0" rtl="0" algn="l">
+            <a:pPr marL="0" lvl="0" indent="0" algn="l" rtl="0">
               <a:spcBef>
                 <a:spcPts val="0"/>
               </a:spcBef>
@@ -7203,9 +7657,11 @@
       <p:sp>
         <p:nvSpPr>
           <p:cNvPr id="91" name="Google Shape;91;p19"/>
-          <p:cNvSpPr txBox="1"/>
+          <p:cNvSpPr txBox="1">
+            <a:spLocks noGrp="1"/>
+          </p:cNvSpPr>
           <p:nvPr>
-            <p:ph idx="1" type="body"/>
+            <p:ph type="body" idx="1"/>
           </p:nvPr>
         </p:nvSpPr>
         <p:spPr>
@@ -7218,12 +7674,12 @@
           </a:prstGeom>
         </p:spPr>
         <p:txBody>
-          <a:bodyPr anchorCtr="0" anchor="t" bIns="91425" lIns="91425" spcFirstLastPara="1" rIns="91425" wrap="square" tIns="91425">
+          <a:bodyPr spcFirstLastPara="1" wrap="square" lIns="91425" tIns="91425" rIns="91425" bIns="91425" anchor="t" anchorCtr="0">
             <a:normAutofit/>
           </a:bodyPr>
           <a:lstStyle/>
           <a:p>
-            <a:pPr indent="-342900" lvl="0" marL="457200" rtl="0" algn="l">
+            <a:pPr marL="457200" lvl="0" indent="-342900" algn="l" rtl="0">
               <a:spcBef>
                 <a:spcPts val="0"/>
               </a:spcBef>
@@ -7240,7 +7696,7 @@
             <a:endParaRPr/>
           </a:p>
           <a:p>
-            <a:pPr indent="-342900" lvl="0" marL="457200" rtl="0" algn="l">
+            <a:pPr marL="457200" lvl="0" indent="-342900" algn="l" rtl="0">
               <a:spcBef>
                 <a:spcPts val="0"/>
               </a:spcBef>
@@ -7257,7 +7713,7 @@
             <a:endParaRPr/>
           </a:p>
           <a:p>
-            <a:pPr indent="-342900" lvl="0" marL="457200" rtl="0" algn="l">
+            <a:pPr marL="457200" lvl="0" indent="-342900" algn="l" rtl="0">
               <a:spcBef>
                 <a:spcPts val="0"/>
               </a:spcBef>
@@ -7283,12 +7739,12 @@
 </p:sld>
 </file>
 
-<file path=ppt/slides/slide8.xml><?xml version="1.0" encoding="utf-8"?>
-<p:sld xmlns:a="http://schemas.openxmlformats.org/drawingml/2006/main" xmlns:r="http://schemas.openxmlformats.org/officeDocument/2006/relationships" xmlns:mc="http://schemas.openxmlformats.org/markup-compatibility/2006" xmlns:mv="urn:schemas-microsoft-com:mac:vml" xmlns:p="http://schemas.openxmlformats.org/presentationml/2006/main" xmlns:c="http://schemas.openxmlformats.org/drawingml/2006/chart" xmlns:dgm="http://schemas.openxmlformats.org/drawingml/2006/diagram" xmlns:o="urn:schemas-microsoft-com:office:office" xmlns:v="urn:schemas-microsoft-com:vml" xmlns:pvml="urn:schemas-microsoft-com:office:powerpoint" xmlns:com="http://schemas.openxmlformats.org/drawingml/2006/compatibility" xmlns:p14="http://schemas.microsoft.com/office/powerpoint/2010/main" xmlns:p15="http://schemas.microsoft.com/office/powerpoint/2012/main" xmlns:ahyp="http://schemas.microsoft.com/office/drawing/2018/hyperlinkcolor">
+<file path=ppt/slides/slide9.xml><?xml version="1.0" encoding="utf-8"?>
+<p:sld xmlns:a="http://schemas.openxmlformats.org/drawingml/2006/main" xmlns:r="http://schemas.openxmlformats.org/officeDocument/2006/relationships" xmlns:p="http://schemas.openxmlformats.org/presentationml/2006/main">
   <p:cSld>
     <p:spTree>
       <p:nvGrpSpPr>
-        <p:cNvPr id="95" name="Shape 95"/>
+        <p:cNvPr id="1" name="Shape 95"/>
         <p:cNvGrpSpPr/>
         <p:nvPr/>
       </p:nvGrpSpPr>
@@ -7303,7 +7759,9 @@
       <p:sp>
         <p:nvSpPr>
           <p:cNvPr id="96" name="Google Shape;96;p20"/>
-          <p:cNvSpPr txBox="1"/>
+          <p:cNvSpPr txBox="1">
+            <a:spLocks noGrp="1"/>
+          </p:cNvSpPr>
           <p:nvPr>
             <p:ph type="title"/>
           </p:nvPr>
@@ -7318,12 +7776,12 @@
           </a:prstGeom>
         </p:spPr>
         <p:txBody>
-          <a:bodyPr anchorCtr="0" anchor="t" bIns="91425" lIns="91425" spcFirstLastPara="1" rIns="91425" wrap="square" tIns="91425">
+          <a:bodyPr spcFirstLastPara="1" wrap="square" lIns="91425" tIns="91425" rIns="91425" bIns="91425" anchor="t" anchorCtr="0">
             <a:normAutofit fontScale="90000"/>
           </a:bodyPr>
           <a:lstStyle/>
           <a:p>
-            <a:pPr indent="0" lvl="0" marL="0" rtl="0" algn="l">
+            <a:pPr marL="0" lvl="0" indent="0" algn="l" rtl="0">
               <a:spcBef>
                 <a:spcPts val="0"/>
               </a:spcBef>
@@ -7343,9 +7801,11 @@
       <p:sp>
         <p:nvSpPr>
           <p:cNvPr id="97" name="Google Shape;97;p20"/>
-          <p:cNvSpPr txBox="1"/>
+          <p:cNvSpPr txBox="1">
+            <a:spLocks noGrp="1"/>
+          </p:cNvSpPr>
           <p:nvPr>
-            <p:ph idx="1" type="body"/>
+            <p:ph type="body" idx="1"/>
           </p:nvPr>
         </p:nvSpPr>
         <p:spPr>
@@ -7358,12 +7818,12 @@
           </a:prstGeom>
         </p:spPr>
         <p:txBody>
-          <a:bodyPr anchorCtr="0" anchor="t" bIns="91425" lIns="91425" spcFirstLastPara="1" rIns="91425" wrap="square" tIns="91425">
+          <a:bodyPr spcFirstLastPara="1" wrap="square" lIns="91425" tIns="91425" rIns="91425" bIns="91425" anchor="t" anchorCtr="0">
             <a:normAutofit/>
           </a:bodyPr>
           <a:lstStyle/>
           <a:p>
-            <a:pPr indent="0" lvl="0" marL="0" rtl="0" algn="l">
+            <a:pPr marL="0" lvl="0" indent="0" algn="l" rtl="0">
               <a:spcBef>
                 <a:spcPts val="0"/>
               </a:spcBef>
@@ -7373,191 +7833,10 @@
               <a:buNone/>
             </a:pPr>
             <a:r>
-              <a:rPr lang="en-GB"/>
-              <a:t>The definition of a trapezium is that it has one pair of parallel sides, a general trapezium has nothing to do with its diagonals, so it won’t be represented in terms of its secondary properties, unless of course we start to include trapezium sub-types, such as the </a:t>
+              <a:rPr lang="en-GB" dirty="0"/>
+              <a:t>The definition of a trapezium is that it has one pair of parallel sides, a general trapezium has nothing to do with its diagonals, so it won’t be represented in terms of its secondary properties, unless of course we start to include trapezium sub-types, such as the isosceles trapezium.</a:t>
             </a:r>
-            <a:r>
-              <a:rPr lang="en-GB"/>
-              <a:t>isosceles</a:t>
-            </a:r>
-            <a:r>
-              <a:rPr lang="en-GB"/>
-              <a:t> trapezium.</a:t>
-            </a:r>
-            <a:endParaRPr/>
-          </a:p>
-        </p:txBody>
-      </p:sp>
-    </p:spTree>
-  </p:cSld>
-  <p:clrMapOvr>
-    <a:masterClrMapping/>
-  </p:clrMapOvr>
-</p:sld>
-</file>
-
-<file path=ppt/slides/slide9.xml><?xml version="1.0" encoding="utf-8"?>
-<p:sld xmlns:a="http://schemas.openxmlformats.org/drawingml/2006/main" xmlns:r="http://schemas.openxmlformats.org/officeDocument/2006/relationships" xmlns:mc="http://schemas.openxmlformats.org/markup-compatibility/2006" xmlns:mv="urn:schemas-microsoft-com:mac:vml" xmlns:p="http://schemas.openxmlformats.org/presentationml/2006/main" xmlns:c="http://schemas.openxmlformats.org/drawingml/2006/chart" xmlns:dgm="http://schemas.openxmlformats.org/drawingml/2006/diagram" xmlns:o="urn:schemas-microsoft-com:office:office" xmlns:v="urn:schemas-microsoft-com:vml" xmlns:pvml="urn:schemas-microsoft-com:office:powerpoint" xmlns:com="http://schemas.openxmlformats.org/drawingml/2006/compatibility" xmlns:p14="http://schemas.microsoft.com/office/powerpoint/2010/main" xmlns:p15="http://schemas.microsoft.com/office/powerpoint/2012/main" xmlns:ahyp="http://schemas.microsoft.com/office/drawing/2018/hyperlinkcolor">
-  <p:cSld>
-    <p:spTree>
-      <p:nvGrpSpPr>
-        <p:cNvPr id="101" name="Shape 101"/>
-        <p:cNvGrpSpPr/>
-        <p:nvPr/>
-      </p:nvGrpSpPr>
-      <p:grpSpPr>
-        <a:xfrm>
-          <a:off x="0" y="0"/>
-          <a:ext cx="0" cy="0"/>
-          <a:chOff x="0" y="0"/>
-          <a:chExt cx="0" cy="0"/>
-        </a:xfrm>
-      </p:grpSpPr>
-      <p:sp>
-        <p:nvSpPr>
-          <p:cNvPr id="102" name="Google Shape;102;p21"/>
-          <p:cNvSpPr txBox="1"/>
-          <p:nvPr>
-            <p:ph type="title"/>
-          </p:nvPr>
-        </p:nvSpPr>
-        <p:spPr>
-          <a:xfrm>
-            <a:off x="311700" y="445025"/>
-            <a:ext cx="8520600" cy="572700"/>
-          </a:xfrm>
-          <a:prstGeom prst="rect">
-            <a:avLst/>
-          </a:prstGeom>
-        </p:spPr>
-        <p:txBody>
-          <a:bodyPr anchorCtr="0" anchor="t" bIns="91425" lIns="91425" spcFirstLastPara="1" rIns="91425" wrap="square" tIns="91425">
-            <a:normAutofit fontScale="90000"/>
-          </a:bodyPr>
-          <a:lstStyle/>
-          <a:p>
-            <a:pPr indent="0" lvl="0" marL="0" rtl="0" algn="l">
-              <a:spcBef>
-                <a:spcPts val="0"/>
-              </a:spcBef>
-              <a:spcAft>
-                <a:spcPts val="0"/>
-              </a:spcAft>
-              <a:buNone/>
-            </a:pPr>
-            <a:r>
-              <a:rPr lang="en-GB"/>
-              <a:t>Parallel and perpendicular lines</a:t>
-            </a:r>
-            <a:endParaRPr/>
-          </a:p>
-        </p:txBody>
-      </p:sp>
-      <p:sp>
-        <p:nvSpPr>
-          <p:cNvPr id="103" name="Google Shape;103;p21"/>
-          <p:cNvSpPr txBox="1"/>
-          <p:nvPr>
-            <p:ph idx="1" type="body"/>
-          </p:nvPr>
-        </p:nvSpPr>
-        <p:spPr>
-          <a:xfrm>
-            <a:off x="311700" y="1152475"/>
-            <a:ext cx="8520600" cy="3416400"/>
-          </a:xfrm>
-          <a:prstGeom prst="rect">
-            <a:avLst/>
-          </a:prstGeom>
-        </p:spPr>
-        <p:txBody>
-          <a:bodyPr anchorCtr="0" anchor="t" bIns="91425" lIns="91425" spcFirstLastPara="1" rIns="91425" wrap="square" tIns="91425">
-            <a:normAutofit/>
-          </a:bodyPr>
-          <a:lstStyle/>
-          <a:p>
-            <a:pPr indent="-342900" lvl="0" marL="457200" rtl="0" algn="l">
-              <a:spcBef>
-                <a:spcPts val="0"/>
-              </a:spcBef>
-              <a:spcAft>
-                <a:spcPts val="0"/>
-              </a:spcAft>
-              <a:buSzPts val="1800"/>
-              <a:buChar char="-"/>
-            </a:pPr>
-            <a:r>
-              <a:rPr lang="en-GB"/>
-              <a:t>Gradients for parallel lines will be the same</a:t>
-            </a:r>
-            <a:endParaRPr/>
-          </a:p>
-          <a:p>
-            <a:pPr indent="-342900" lvl="0" marL="457200" rtl="0" algn="l">
-              <a:spcBef>
-                <a:spcPts val="0"/>
-              </a:spcBef>
-              <a:spcAft>
-                <a:spcPts val="0"/>
-              </a:spcAft>
-              <a:buSzPts val="1800"/>
-              <a:buChar char="-"/>
-            </a:pPr>
-            <a:r>
-              <a:rPr lang="en-GB"/>
-              <a:t>Gradients of perpendicular lines multiply to -1</a:t>
-            </a:r>
-            <a:endParaRPr/>
-          </a:p>
-          <a:p>
-            <a:pPr indent="-342900" lvl="0" marL="457200" rtl="0" algn="l">
-              <a:spcBef>
-                <a:spcPts val="0"/>
-              </a:spcBef>
-              <a:spcAft>
-                <a:spcPts val="0"/>
-              </a:spcAft>
-              <a:buSzPts val="1800"/>
-              <a:buChar char="-"/>
-            </a:pPr>
-            <a:r>
-              <a:rPr lang="en-GB"/>
-              <a:t>As we are given coordinates, finding the gradient is easy through</a:t>
-            </a:r>
-            <a:endParaRPr/>
-          </a:p>
-          <a:p>
-            <a:pPr indent="-317500" lvl="1" marL="914400" rtl="0" algn="l">
-              <a:spcBef>
-                <a:spcPts val="0"/>
-              </a:spcBef>
-              <a:spcAft>
-                <a:spcPts val="0"/>
-              </a:spcAft>
-              <a:buSzPts val="1400"/>
-              <a:buChar char="-"/>
-            </a:pPr>
-            <a:r>
-              <a:rPr lang="en-GB"/>
-              <a:t>m = (y2-y1)/(x2-x1)</a:t>
-            </a:r>
-            <a:endParaRPr/>
-          </a:p>
-          <a:p>
-            <a:pPr indent="0" lvl="0" marL="0" rtl="0" algn="l">
-              <a:spcBef>
-                <a:spcPts val="1200"/>
-              </a:spcBef>
-              <a:spcAft>
-                <a:spcPts val="1200"/>
-              </a:spcAft>
-              <a:buNone/>
-            </a:pPr>
-            <a:r>
-              <a:rPr lang="en-GB"/>
-              <a:t>(x1, x2) and (y1, y2) were the coordinates</a:t>
-            </a:r>
-            <a:endParaRPr/>
+            <a:endParaRPr dirty="0"/>
           </a:p>
         </p:txBody>
       </p:sp>
@@ -7570,7 +7849,288 @@
 </file>
 
 <file path=ppt/theme/theme1.xml><?xml version="1.0" encoding="utf-8"?>
-<a:theme xmlns:a="http://schemas.openxmlformats.org/drawingml/2006/main" xmlns:r="http://schemas.openxmlformats.org/officeDocument/2006/relationships">
+<a:theme xmlns:a="http://schemas.openxmlformats.org/drawingml/2006/main" name="Simple Light">
+  <a:themeElements>
+    <a:clrScheme name="Simple Light">
+      <a:dk1>
+        <a:srgbClr val="000000"/>
+      </a:dk1>
+      <a:lt1>
+        <a:srgbClr val="FFFFFF"/>
+      </a:lt1>
+      <a:dk2>
+        <a:srgbClr val="595959"/>
+      </a:dk2>
+      <a:lt2>
+        <a:srgbClr val="EEEEEE"/>
+      </a:lt2>
+      <a:accent1>
+        <a:srgbClr val="4285F4"/>
+      </a:accent1>
+      <a:accent2>
+        <a:srgbClr val="212121"/>
+      </a:accent2>
+      <a:accent3>
+        <a:srgbClr val="78909C"/>
+      </a:accent3>
+      <a:accent4>
+        <a:srgbClr val="FFAB40"/>
+      </a:accent4>
+      <a:accent5>
+        <a:srgbClr val="0097A7"/>
+      </a:accent5>
+      <a:accent6>
+        <a:srgbClr val="EEFF41"/>
+      </a:accent6>
+      <a:hlink>
+        <a:srgbClr val="0097A7"/>
+      </a:hlink>
+      <a:folHlink>
+        <a:srgbClr val="0097A7"/>
+      </a:folHlink>
+    </a:clrScheme>
+    <a:fontScheme name="Office">
+      <a:majorFont>
+        <a:latin typeface="Arial"/>
+        <a:ea typeface=""/>
+        <a:cs typeface=""/>
+        <a:font script="Jpan" typeface="ＭＳ Ｐゴシック"/>
+        <a:font script="Hang" typeface="맑은 고딕"/>
+        <a:font script="Hans" typeface="宋体"/>
+        <a:font script="Hant" typeface="新細明體"/>
+        <a:font script="Arab" typeface="Times New Roman"/>
+        <a:font script="Hebr" typeface="Times New Roman"/>
+        <a:font script="Thai" typeface="Angsana New"/>
+        <a:font script="Ethi" typeface="Nyala"/>
+        <a:font script="Beng" typeface="Vrinda"/>
+        <a:font script="Gujr" typeface="Shruti"/>
+        <a:font script="Khmr" typeface="MoolBoran"/>
+        <a:font script="Knda" typeface="Tunga"/>
+        <a:font script="Guru" typeface="Raavi"/>
+        <a:font script="Cans" typeface="Euphemia"/>
+        <a:font script="Cher" typeface="Plantagenet Cherokee"/>
+        <a:font script="Yiii" typeface="Microsoft Yi Baiti"/>
+        <a:font script="Tibt" typeface="Microsoft Himalaya"/>
+        <a:font script="Thaa" typeface="MV Boli"/>
+        <a:font script="Deva" typeface="Mangal"/>
+        <a:font script="Telu" typeface="Gautami"/>
+        <a:font script="Taml" typeface="Latha"/>
+        <a:font script="Syrc" typeface="Estrangelo Edessa"/>
+        <a:font script="Orya" typeface="Kalinga"/>
+        <a:font script="Mlym" typeface="Kartika"/>
+        <a:font script="Laoo" typeface="DokChampa"/>
+        <a:font script="Sinh" typeface="Iskoola Pota"/>
+        <a:font script="Mong" typeface="Mongolian Baiti"/>
+        <a:font script="Viet" typeface="Times New Roman"/>
+        <a:font script="Uigh" typeface="Microsoft Uighur"/>
+        <a:font script="Geor" typeface="Sylfaen"/>
+      </a:majorFont>
+      <a:minorFont>
+        <a:latin typeface="Arial"/>
+        <a:ea typeface=""/>
+        <a:cs typeface=""/>
+        <a:font script="Jpan" typeface="ＭＳ Ｐゴシック"/>
+        <a:font script="Hang" typeface="맑은 고딕"/>
+        <a:font script="Hans" typeface="宋体"/>
+        <a:font script="Hant" typeface="新細明體"/>
+        <a:font script="Arab" typeface="Arial"/>
+        <a:font script="Hebr" typeface="Arial"/>
+        <a:font script="Thai" typeface="Cordia New"/>
+        <a:font script="Ethi" typeface="Nyala"/>
+        <a:font script="Beng" typeface="Vrinda"/>
+        <a:font script="Gujr" typeface="Shruti"/>
+        <a:font script="Khmr" typeface="DaunPenh"/>
+        <a:font script="Knda" typeface="Tunga"/>
+        <a:font script="Guru" typeface="Raavi"/>
+        <a:font script="Cans" typeface="Euphemia"/>
+        <a:font script="Cher" typeface="Plantagenet Cherokee"/>
+        <a:font script="Yiii" typeface="Microsoft Yi Baiti"/>
+        <a:font script="Tibt" typeface="Microsoft Himalaya"/>
+        <a:font script="Thaa" typeface="MV Boli"/>
+        <a:font script="Deva" typeface="Mangal"/>
+        <a:font script="Telu" typeface="Gautami"/>
+        <a:font script="Taml" typeface="Latha"/>
+        <a:font script="Syrc" typeface="Estrangelo Edessa"/>
+        <a:font script="Orya" typeface="Kalinga"/>
+        <a:font script="Mlym" typeface="Kartika"/>
+        <a:font script="Laoo" typeface="DokChampa"/>
+        <a:font script="Sinh" typeface="Iskoola Pota"/>
+        <a:font script="Mong" typeface="Mongolian Baiti"/>
+        <a:font script="Viet" typeface="Arial"/>
+        <a:font script="Uigh" typeface="Microsoft Uighur"/>
+        <a:font script="Geor" typeface="Sylfaen"/>
+      </a:minorFont>
+    </a:fontScheme>
+    <a:fmtScheme name="Office">
+      <a:fillStyleLst>
+        <a:solidFill>
+          <a:schemeClr val="phClr"/>
+        </a:solidFill>
+        <a:gradFill rotWithShape="1">
+          <a:gsLst>
+            <a:gs pos="0">
+              <a:schemeClr val="phClr">
+                <a:tint val="50000"/>
+                <a:satMod val="300000"/>
+              </a:schemeClr>
+            </a:gs>
+            <a:gs pos="35000">
+              <a:schemeClr val="phClr">
+                <a:tint val="37000"/>
+                <a:satMod val="300000"/>
+              </a:schemeClr>
+            </a:gs>
+            <a:gs pos="100000">
+              <a:schemeClr val="phClr">
+                <a:tint val="15000"/>
+                <a:satMod val="350000"/>
+              </a:schemeClr>
+            </a:gs>
+          </a:gsLst>
+          <a:lin ang="16200000" scaled="1"/>
+        </a:gradFill>
+        <a:gradFill rotWithShape="1">
+          <a:gsLst>
+            <a:gs pos="0">
+              <a:schemeClr val="phClr">
+                <a:tint val="100000"/>
+                <a:shade val="100000"/>
+                <a:satMod val="130000"/>
+              </a:schemeClr>
+            </a:gs>
+            <a:gs pos="100000">
+              <a:schemeClr val="phClr">
+                <a:tint val="50000"/>
+                <a:shade val="100000"/>
+                <a:satMod val="350000"/>
+              </a:schemeClr>
+            </a:gs>
+          </a:gsLst>
+          <a:lin ang="16200000" scaled="0"/>
+        </a:gradFill>
+      </a:fillStyleLst>
+      <a:lnStyleLst>
+        <a:ln w="9525" cap="flat" cmpd="sng" algn="ctr">
+          <a:solidFill>
+            <a:schemeClr val="phClr">
+              <a:shade val="95000"/>
+              <a:satMod val="105000"/>
+            </a:schemeClr>
+          </a:solidFill>
+          <a:prstDash val="solid"/>
+        </a:ln>
+        <a:ln w="25400" cap="flat" cmpd="sng" algn="ctr">
+          <a:solidFill>
+            <a:schemeClr val="phClr"/>
+          </a:solidFill>
+          <a:prstDash val="solid"/>
+        </a:ln>
+        <a:ln w="38100" cap="flat" cmpd="sng" algn="ctr">
+          <a:solidFill>
+            <a:schemeClr val="phClr"/>
+          </a:solidFill>
+          <a:prstDash val="solid"/>
+        </a:ln>
+      </a:lnStyleLst>
+      <a:effectStyleLst>
+        <a:effectStyle>
+          <a:effectLst>
+            <a:outerShdw blurRad="40000" dist="20000" dir="5400000" rotWithShape="0">
+              <a:srgbClr val="000000">
+                <a:alpha val="38000"/>
+              </a:srgbClr>
+            </a:outerShdw>
+          </a:effectLst>
+        </a:effectStyle>
+        <a:effectStyle>
+          <a:effectLst>
+            <a:outerShdw blurRad="40000" dist="23000" dir="5400000" rotWithShape="0">
+              <a:srgbClr val="000000">
+                <a:alpha val="35000"/>
+              </a:srgbClr>
+            </a:outerShdw>
+          </a:effectLst>
+        </a:effectStyle>
+        <a:effectStyle>
+          <a:effectLst>
+            <a:outerShdw blurRad="40000" dist="23000" dir="5400000" rotWithShape="0">
+              <a:srgbClr val="000000">
+                <a:alpha val="35000"/>
+              </a:srgbClr>
+            </a:outerShdw>
+          </a:effectLst>
+          <a:scene3d>
+            <a:camera prst="orthographicFront">
+              <a:rot lat="0" lon="0" rev="0"/>
+            </a:camera>
+            <a:lightRig rig="threePt" dir="t">
+              <a:rot lat="0" lon="0" rev="1200000"/>
+            </a:lightRig>
+          </a:scene3d>
+          <a:sp3d>
+            <a:bevelT w="63500" h="25400"/>
+          </a:sp3d>
+        </a:effectStyle>
+      </a:effectStyleLst>
+      <a:bgFillStyleLst>
+        <a:solidFill>
+          <a:schemeClr val="phClr"/>
+        </a:solidFill>
+        <a:gradFill rotWithShape="1">
+          <a:gsLst>
+            <a:gs pos="0">
+              <a:schemeClr val="phClr">
+                <a:tint val="40000"/>
+                <a:satMod val="350000"/>
+              </a:schemeClr>
+            </a:gs>
+            <a:gs pos="40000">
+              <a:schemeClr val="phClr">
+                <a:tint val="45000"/>
+                <a:shade val="99000"/>
+                <a:satMod val="350000"/>
+              </a:schemeClr>
+            </a:gs>
+            <a:gs pos="100000">
+              <a:schemeClr val="phClr">
+                <a:shade val="20000"/>
+                <a:satMod val="255000"/>
+              </a:schemeClr>
+            </a:gs>
+          </a:gsLst>
+          <a:path path="circle">
+            <a:fillToRect l="50000" t="-80000" r="50000" b="180000"/>
+          </a:path>
+        </a:gradFill>
+        <a:gradFill rotWithShape="1">
+          <a:gsLst>
+            <a:gs pos="0">
+              <a:schemeClr val="phClr">
+                <a:tint val="80000"/>
+                <a:satMod val="300000"/>
+              </a:schemeClr>
+            </a:gs>
+            <a:gs pos="100000">
+              <a:schemeClr val="phClr">
+                <a:shade val="30000"/>
+                <a:satMod val="200000"/>
+              </a:schemeClr>
+            </a:gs>
+          </a:gsLst>
+          <a:path path="circle">
+            <a:fillToRect l="50000" t="50000" r="50000" b="50000"/>
+          </a:path>
+        </a:gradFill>
+      </a:bgFillStyleLst>
+    </a:fmtScheme>
+  </a:themeElements>
+  <a:objectDefaults/>
+  <a:extraClrSchemeLst/>
+</a:theme>
+</file>
+
+<file path=ppt/theme/theme2.xml><?xml version="1.0" encoding="utf-8"?>
+<a:theme xmlns:a="http://schemas.openxmlformats.org/drawingml/2006/main">
   <a:themeElements>
     <a:clrScheme name="Default">
       <a:dk1>
@@ -7845,284 +8405,7 @@
       </a:bgFillStyleLst>
     </a:fmtScheme>
   </a:themeElements>
-</a:theme>
-</file>
-
-<file path=ppt/theme/theme2.xml><?xml version="1.0" encoding="utf-8"?>
-<a:theme xmlns:a="http://schemas.openxmlformats.org/drawingml/2006/main" xmlns:r="http://schemas.openxmlformats.org/officeDocument/2006/relationships" name="Simple Light">
-  <a:themeElements>
-    <a:clrScheme name="Simple Light">
-      <a:dk1>
-        <a:srgbClr val="000000"/>
-      </a:dk1>
-      <a:lt1>
-        <a:srgbClr val="FFFFFF"/>
-      </a:lt1>
-      <a:dk2>
-        <a:srgbClr val="595959"/>
-      </a:dk2>
-      <a:lt2>
-        <a:srgbClr val="EEEEEE"/>
-      </a:lt2>
-      <a:accent1>
-        <a:srgbClr val="4285F4"/>
-      </a:accent1>
-      <a:accent2>
-        <a:srgbClr val="212121"/>
-      </a:accent2>
-      <a:accent3>
-        <a:srgbClr val="78909C"/>
-      </a:accent3>
-      <a:accent4>
-        <a:srgbClr val="FFAB40"/>
-      </a:accent4>
-      <a:accent5>
-        <a:srgbClr val="0097A7"/>
-      </a:accent5>
-      <a:accent6>
-        <a:srgbClr val="EEFF41"/>
-      </a:accent6>
-      <a:hlink>
-        <a:srgbClr val="0097A7"/>
-      </a:hlink>
-      <a:folHlink>
-        <a:srgbClr val="0097A7"/>
-      </a:folHlink>
-    </a:clrScheme>
-    <a:fontScheme name="Office">
-      <a:majorFont>
-        <a:latin typeface="Arial"/>
-        <a:ea typeface=""/>
-        <a:cs typeface=""/>
-        <a:font script="Jpan" typeface="ＭＳ Ｐゴシック"/>
-        <a:font script="Hang" typeface="맑은 고딕"/>
-        <a:font script="Hans" typeface="宋体"/>
-        <a:font script="Hant" typeface="新細明體"/>
-        <a:font script="Arab" typeface="Times New Roman"/>
-        <a:font script="Hebr" typeface="Times New Roman"/>
-        <a:font script="Thai" typeface="Angsana New"/>
-        <a:font script="Ethi" typeface="Nyala"/>
-        <a:font script="Beng" typeface="Vrinda"/>
-        <a:font script="Gujr" typeface="Shruti"/>
-        <a:font script="Khmr" typeface="MoolBoran"/>
-        <a:font script="Knda" typeface="Tunga"/>
-        <a:font script="Guru" typeface="Raavi"/>
-        <a:font script="Cans" typeface="Euphemia"/>
-        <a:font script="Cher" typeface="Plantagenet Cherokee"/>
-        <a:font script="Yiii" typeface="Microsoft Yi Baiti"/>
-        <a:font script="Tibt" typeface="Microsoft Himalaya"/>
-        <a:font script="Thaa" typeface="MV Boli"/>
-        <a:font script="Deva" typeface="Mangal"/>
-        <a:font script="Telu" typeface="Gautami"/>
-        <a:font script="Taml" typeface="Latha"/>
-        <a:font script="Syrc" typeface="Estrangelo Edessa"/>
-        <a:font script="Orya" typeface="Kalinga"/>
-        <a:font script="Mlym" typeface="Kartika"/>
-        <a:font script="Laoo" typeface="DokChampa"/>
-        <a:font script="Sinh" typeface="Iskoola Pota"/>
-        <a:font script="Mong" typeface="Mongolian Baiti"/>
-        <a:font script="Viet" typeface="Times New Roman"/>
-        <a:font script="Uigh" typeface="Microsoft Uighur"/>
-        <a:font script="Geor" typeface="Sylfaen"/>
-      </a:majorFont>
-      <a:minorFont>
-        <a:latin typeface="Arial"/>
-        <a:ea typeface=""/>
-        <a:cs typeface=""/>
-        <a:font script="Jpan" typeface="ＭＳ Ｐゴシック"/>
-        <a:font script="Hang" typeface="맑은 고딕"/>
-        <a:font script="Hans" typeface="宋体"/>
-        <a:font script="Hant" typeface="新細明體"/>
-        <a:font script="Arab" typeface="Arial"/>
-        <a:font script="Hebr" typeface="Arial"/>
-        <a:font script="Thai" typeface="Cordia New"/>
-        <a:font script="Ethi" typeface="Nyala"/>
-        <a:font script="Beng" typeface="Vrinda"/>
-        <a:font script="Gujr" typeface="Shruti"/>
-        <a:font script="Khmr" typeface="DaunPenh"/>
-        <a:font script="Knda" typeface="Tunga"/>
-        <a:font script="Guru" typeface="Raavi"/>
-        <a:font script="Cans" typeface="Euphemia"/>
-        <a:font script="Cher" typeface="Plantagenet Cherokee"/>
-        <a:font script="Yiii" typeface="Microsoft Yi Baiti"/>
-        <a:font script="Tibt" typeface="Microsoft Himalaya"/>
-        <a:font script="Thaa" typeface="MV Boli"/>
-        <a:font script="Deva" typeface="Mangal"/>
-        <a:font script="Telu" typeface="Gautami"/>
-        <a:font script="Taml" typeface="Latha"/>
-        <a:font script="Syrc" typeface="Estrangelo Edessa"/>
-        <a:font script="Orya" typeface="Kalinga"/>
-        <a:font script="Mlym" typeface="Kartika"/>
-        <a:font script="Laoo" typeface="DokChampa"/>
-        <a:font script="Sinh" typeface="Iskoola Pota"/>
-        <a:font script="Mong" typeface="Mongolian Baiti"/>
-        <a:font script="Viet" typeface="Arial"/>
-        <a:font script="Uigh" typeface="Microsoft Uighur"/>
-        <a:font script="Geor" typeface="Sylfaen"/>
-      </a:minorFont>
-    </a:fontScheme>
-    <a:fmtScheme name="Office">
-      <a:fillStyleLst>
-        <a:solidFill>
-          <a:schemeClr val="phClr"/>
-        </a:solidFill>
-        <a:gradFill rotWithShape="1">
-          <a:gsLst>
-            <a:gs pos="0">
-              <a:schemeClr val="phClr">
-                <a:tint val="50000"/>
-                <a:satMod val="300000"/>
-              </a:schemeClr>
-            </a:gs>
-            <a:gs pos="35000">
-              <a:schemeClr val="phClr">
-                <a:tint val="37000"/>
-                <a:satMod val="300000"/>
-              </a:schemeClr>
-            </a:gs>
-            <a:gs pos="100000">
-              <a:schemeClr val="phClr">
-                <a:tint val="15000"/>
-                <a:satMod val="350000"/>
-              </a:schemeClr>
-            </a:gs>
-          </a:gsLst>
-          <a:lin ang="16200000" scaled="1"/>
-        </a:gradFill>
-        <a:gradFill rotWithShape="1">
-          <a:gsLst>
-            <a:gs pos="0">
-              <a:schemeClr val="phClr">
-                <a:tint val="100000"/>
-                <a:shade val="100000"/>
-                <a:satMod val="130000"/>
-              </a:schemeClr>
-            </a:gs>
-            <a:gs pos="100000">
-              <a:schemeClr val="phClr">
-                <a:tint val="50000"/>
-                <a:shade val="100000"/>
-                <a:satMod val="350000"/>
-              </a:schemeClr>
-            </a:gs>
-          </a:gsLst>
-          <a:lin ang="16200000" scaled="0"/>
-        </a:gradFill>
-      </a:fillStyleLst>
-      <a:lnStyleLst>
-        <a:ln w="9525" cap="flat" cmpd="sng" algn="ctr">
-          <a:solidFill>
-            <a:schemeClr val="phClr">
-              <a:shade val="95000"/>
-              <a:satMod val="105000"/>
-            </a:schemeClr>
-          </a:solidFill>
-          <a:prstDash val="solid"/>
-        </a:ln>
-        <a:ln w="25400" cap="flat" cmpd="sng" algn="ctr">
-          <a:solidFill>
-            <a:schemeClr val="phClr"/>
-          </a:solidFill>
-          <a:prstDash val="solid"/>
-        </a:ln>
-        <a:ln w="38100" cap="flat" cmpd="sng" algn="ctr">
-          <a:solidFill>
-            <a:schemeClr val="phClr"/>
-          </a:solidFill>
-          <a:prstDash val="solid"/>
-        </a:ln>
-      </a:lnStyleLst>
-      <a:effectStyleLst>
-        <a:effectStyle>
-          <a:effectLst>
-            <a:outerShdw blurRad="40000" dist="20000" dir="5400000" rotWithShape="0">
-              <a:srgbClr val="000000">
-                <a:alpha val="38000"/>
-              </a:srgbClr>
-            </a:outerShdw>
-          </a:effectLst>
-        </a:effectStyle>
-        <a:effectStyle>
-          <a:effectLst>
-            <a:outerShdw blurRad="40000" dist="23000" dir="5400000" rotWithShape="0">
-              <a:srgbClr val="000000">
-                <a:alpha val="35000"/>
-              </a:srgbClr>
-            </a:outerShdw>
-          </a:effectLst>
-        </a:effectStyle>
-        <a:effectStyle>
-          <a:effectLst>
-            <a:outerShdw blurRad="40000" dist="23000" dir="5400000" rotWithShape="0">
-              <a:srgbClr val="000000">
-                <a:alpha val="35000"/>
-              </a:srgbClr>
-            </a:outerShdw>
-          </a:effectLst>
-          <a:scene3d>
-            <a:camera prst="orthographicFront">
-              <a:rot lat="0" lon="0" rev="0"/>
-            </a:camera>
-            <a:lightRig rig="threePt" dir="t">
-              <a:rot lat="0" lon="0" rev="1200000"/>
-            </a:lightRig>
-          </a:scene3d>
-          <a:sp3d>
-            <a:bevelT w="63500" h="25400"/>
-          </a:sp3d>
-        </a:effectStyle>
-      </a:effectStyleLst>
-      <a:bgFillStyleLst>
-        <a:solidFill>
-          <a:schemeClr val="phClr"/>
-        </a:solidFill>
-        <a:gradFill rotWithShape="1">
-          <a:gsLst>
-            <a:gs pos="0">
-              <a:schemeClr val="phClr">
-                <a:tint val="40000"/>
-                <a:satMod val="350000"/>
-              </a:schemeClr>
-            </a:gs>
-            <a:gs pos="40000">
-              <a:schemeClr val="phClr">
-                <a:tint val="45000"/>
-                <a:shade val="99000"/>
-                <a:satMod val="350000"/>
-              </a:schemeClr>
-            </a:gs>
-            <a:gs pos="100000">
-              <a:schemeClr val="phClr">
-                <a:shade val="20000"/>
-                <a:satMod val="255000"/>
-              </a:schemeClr>
-            </a:gs>
-          </a:gsLst>
-          <a:path path="circle">
-            <a:fillToRect l="50000" t="-80000" r="50000" b="180000"/>
-          </a:path>
-        </a:gradFill>
-        <a:gradFill rotWithShape="1">
-          <a:gsLst>
-            <a:gs pos="0">
-              <a:schemeClr val="phClr">
-                <a:tint val="80000"/>
-                <a:satMod val="300000"/>
-              </a:schemeClr>
-            </a:gs>
-            <a:gs pos="100000">
-              <a:schemeClr val="phClr">
-                <a:shade val="30000"/>
-                <a:satMod val="200000"/>
-              </a:schemeClr>
-            </a:gs>
-          </a:gsLst>
-          <a:path path="circle">
-            <a:fillToRect l="50000" t="50000" r="50000" b="50000"/>
-          </a:path>
-        </a:gradFill>
-      </a:bgFillStyleLst>
-    </a:fmtScheme>
-  </a:themeElements>
+  <a:objectDefaults/>
+  <a:extraClrSchemeLst/>
 </a:theme>
 </file>